--- a/Document/Slide/Sync Database.pptx
+++ b/Document/Slide/Sync Database.pptx
@@ -7,8 +7,7 @@
   <p:sldIdLst>
     <p:sldId id="256" r:id="rId2"/>
     <p:sldId id="257" r:id="rId3"/>
-    <p:sldId id="259" r:id="rId4"/>
-    <p:sldId id="260" r:id="rId5"/>
+    <p:sldId id="260" r:id="rId4"/>
   </p:sldIdLst>
   <p:sldSz cx="12192000" cy="6858000"/>
   <p:notesSz cx="6858000" cy="9144000"/>
@@ -172,7 +171,7 @@
           <a:noFill/>
           <a:extLst>
             <a:ext uri="{909E8E84-426E-40dd-AFC4-6F175D3DCCD1}">
-              <a14:hiddenFill xmlns:a14="http://schemas.microsoft.com/office/drawing/2010/main" xmlns="">
+              <a14:hiddenFill xmlns="" xmlns:a14="http://schemas.microsoft.com/office/drawing/2010/main">
                 <a:solidFill>
                   <a:srgbClr val="FFFFFF"/>
                 </a:solidFill>
@@ -232,7 +231,7 @@
             </a:ln>
             <a:extLst>
               <a:ext uri="{91240B29-F687-4f45-9708-019B960494DF}">
-                <a14:hiddenLine xmlns:a14="http://schemas.microsoft.com/office/drawing/2010/main" xmlns="" w="9525">
+                <a14:hiddenLine xmlns="" xmlns:a14="http://schemas.microsoft.com/office/drawing/2010/main" w="9525">
                   <a:solidFill>
                     <a:srgbClr val="000000"/>
                   </a:solidFill>
@@ -322,7 +321,7 @@
             </a:ln>
             <a:extLst>
               <a:ext uri="{91240B29-F687-4f45-9708-019B960494DF}">
-                <a14:hiddenLine xmlns:a14="http://schemas.microsoft.com/office/drawing/2010/main" xmlns="" w="9525">
+                <a14:hiddenLine xmlns="" xmlns:a14="http://schemas.microsoft.com/office/drawing/2010/main" w="9525">
                   <a:solidFill>
                     <a:srgbClr val="000000"/>
                   </a:solidFill>
@@ -412,7 +411,7 @@
             </a:ln>
             <a:extLst>
               <a:ext uri="{91240B29-F687-4f45-9708-019B960494DF}">
-                <a14:hiddenLine xmlns:a14="http://schemas.microsoft.com/office/drawing/2010/main" xmlns="" w="9525">
+                <a14:hiddenLine xmlns="" xmlns:a14="http://schemas.microsoft.com/office/drawing/2010/main" w="9525">
                   <a:solidFill>
                     <a:srgbClr val="000000"/>
                   </a:solidFill>
@@ -446,7 +445,7 @@
             </a:ln>
             <a:extLst>
               <a:ext uri="{91240B29-F687-4f45-9708-019B960494DF}">
-                <a14:hiddenLine xmlns:a14="http://schemas.microsoft.com/office/drawing/2010/main" xmlns="" w="9525">
+                <a14:hiddenLine xmlns="" xmlns:a14="http://schemas.microsoft.com/office/drawing/2010/main" w="9525">
                   <a:solidFill>
                     <a:srgbClr val="000000"/>
                   </a:solidFill>
@@ -536,7 +535,7 @@
             </a:ln>
             <a:extLst>
               <a:ext uri="{91240B29-F687-4f45-9708-019B960494DF}">
-                <a14:hiddenLine xmlns:a14="http://schemas.microsoft.com/office/drawing/2010/main" xmlns="" w="9525">
+                <a14:hiddenLine xmlns="" xmlns:a14="http://schemas.microsoft.com/office/drawing/2010/main" w="9525">
                   <a:solidFill>
                     <a:srgbClr val="000000"/>
                   </a:solidFill>
@@ -598,7 +597,7 @@
             </a:ln>
             <a:extLst>
               <a:ext uri="{91240B29-F687-4f45-9708-019B960494DF}">
-                <a14:hiddenLine xmlns:a14="http://schemas.microsoft.com/office/drawing/2010/main" xmlns="" w="9525">
+                <a14:hiddenLine xmlns="" xmlns:a14="http://schemas.microsoft.com/office/drawing/2010/main" w="9525">
                   <a:solidFill>
                     <a:srgbClr val="000000"/>
                   </a:solidFill>
@@ -660,7 +659,7 @@
             </a:ln>
             <a:extLst>
               <a:ext uri="{91240B29-F687-4f45-9708-019B960494DF}">
-                <a14:hiddenLine xmlns:a14="http://schemas.microsoft.com/office/drawing/2010/main" xmlns="" w="9525">
+                <a14:hiddenLine xmlns="" xmlns:a14="http://schemas.microsoft.com/office/drawing/2010/main" w="9525">
                   <a:solidFill>
                     <a:srgbClr val="000000"/>
                   </a:solidFill>
@@ -750,7 +749,7 @@
             </a:ln>
             <a:extLst>
               <a:ext uri="{91240B29-F687-4f45-9708-019B960494DF}">
-                <a14:hiddenLine xmlns:a14="http://schemas.microsoft.com/office/drawing/2010/main" xmlns="" w="9525">
+                <a14:hiddenLine xmlns="" xmlns:a14="http://schemas.microsoft.com/office/drawing/2010/main" w="9525">
                   <a:solidFill>
                     <a:srgbClr val="000000"/>
                   </a:solidFill>
@@ -812,7 +811,7 @@
             </a:ln>
             <a:extLst>
               <a:ext uri="{91240B29-F687-4f45-9708-019B960494DF}">
-                <a14:hiddenLine xmlns:a14="http://schemas.microsoft.com/office/drawing/2010/main" xmlns="" w="9525">
+                <a14:hiddenLine xmlns="" xmlns:a14="http://schemas.microsoft.com/office/drawing/2010/main" w="9525">
                   <a:solidFill>
                     <a:srgbClr val="000000"/>
                   </a:solidFill>
@@ -874,7 +873,7 @@
             </a:ln>
             <a:extLst>
               <a:ext uri="{91240B29-F687-4f45-9708-019B960494DF}">
-                <a14:hiddenLine xmlns:a14="http://schemas.microsoft.com/office/drawing/2010/main" xmlns="" w="9525">
+                <a14:hiddenLine xmlns="" xmlns:a14="http://schemas.microsoft.com/office/drawing/2010/main" w="9525">
                   <a:solidFill>
                     <a:srgbClr val="000000"/>
                   </a:solidFill>
@@ -964,7 +963,7 @@
             </a:ln>
             <a:extLst>
               <a:ext uri="{91240B29-F687-4f45-9708-019B960494DF}">
-                <a14:hiddenLine xmlns:a14="http://schemas.microsoft.com/office/drawing/2010/main" xmlns="" w="9525">
+                <a14:hiddenLine xmlns="" xmlns:a14="http://schemas.microsoft.com/office/drawing/2010/main" w="9525">
                   <a:solidFill>
                     <a:srgbClr val="000000"/>
                   </a:solidFill>
@@ -1054,7 +1053,7 @@
             </a:ln>
             <a:extLst>
               <a:ext uri="{91240B29-F687-4f45-9708-019B960494DF}">
-                <a14:hiddenLine xmlns:a14="http://schemas.microsoft.com/office/drawing/2010/main" xmlns="" w="9525">
+                <a14:hiddenLine xmlns="" xmlns:a14="http://schemas.microsoft.com/office/drawing/2010/main" w="9525">
                   <a:solidFill>
                     <a:srgbClr val="000000"/>
                   </a:solidFill>
@@ -1116,7 +1115,7 @@
             </a:ln>
             <a:extLst>
               <a:ext uri="{91240B29-F687-4f45-9708-019B960494DF}">
-                <a14:hiddenLine xmlns:a14="http://schemas.microsoft.com/office/drawing/2010/main" xmlns="" w="9525">
+                <a14:hiddenLine xmlns="" xmlns:a14="http://schemas.microsoft.com/office/drawing/2010/main" w="9525">
                   <a:solidFill>
                     <a:srgbClr val="000000"/>
                   </a:solidFill>
@@ -1226,7 +1225,7 @@
             </a:ln>
             <a:extLst>
               <a:ext uri="{91240B29-F687-4f45-9708-019B960494DF}">
-                <a14:hiddenLine xmlns:a14="http://schemas.microsoft.com/office/drawing/2010/main" xmlns="" w="9525">
+                <a14:hiddenLine xmlns="" xmlns:a14="http://schemas.microsoft.com/office/drawing/2010/main" w="9525">
                   <a:solidFill>
                     <a:srgbClr val="000000"/>
                   </a:solidFill>
@@ -1288,7 +1287,7 @@
             </a:ln>
             <a:extLst>
               <a:ext uri="{91240B29-F687-4f45-9708-019B960494DF}">
-                <a14:hiddenLine xmlns:a14="http://schemas.microsoft.com/office/drawing/2010/main" xmlns="" w="9525">
+                <a14:hiddenLine xmlns="" xmlns:a14="http://schemas.microsoft.com/office/drawing/2010/main" w="9525">
                   <a:solidFill>
                     <a:srgbClr val="000000"/>
                   </a:solidFill>
@@ -1378,7 +1377,7 @@
             </a:ln>
             <a:extLst>
               <a:ext uri="{91240B29-F687-4f45-9708-019B960494DF}">
-                <a14:hiddenLine xmlns:a14="http://schemas.microsoft.com/office/drawing/2010/main" xmlns="" w="9525">
+                <a14:hiddenLine xmlns="" xmlns:a14="http://schemas.microsoft.com/office/drawing/2010/main" w="9525">
                   <a:solidFill>
                     <a:srgbClr val="000000"/>
                   </a:solidFill>
@@ -1468,7 +1467,7 @@
             </a:ln>
             <a:extLst>
               <a:ext uri="{91240B29-F687-4f45-9708-019B960494DF}">
-                <a14:hiddenLine xmlns:a14="http://schemas.microsoft.com/office/drawing/2010/main" xmlns="" w="9525">
+                <a14:hiddenLine xmlns="" xmlns:a14="http://schemas.microsoft.com/office/drawing/2010/main" w="9525">
                   <a:solidFill>
                     <a:srgbClr val="000000"/>
                   </a:solidFill>
@@ -1530,7 +1529,7 @@
             </a:ln>
             <a:extLst>
               <a:ext uri="{91240B29-F687-4f45-9708-019B960494DF}">
-                <a14:hiddenLine xmlns:a14="http://schemas.microsoft.com/office/drawing/2010/main" xmlns="" w="9525">
+                <a14:hiddenLine xmlns="" xmlns:a14="http://schemas.microsoft.com/office/drawing/2010/main" w="9525">
                   <a:solidFill>
                     <a:srgbClr val="000000"/>
                   </a:solidFill>
@@ -1620,7 +1619,7 @@
             </a:ln>
             <a:extLst>
               <a:ext uri="{91240B29-F687-4f45-9708-019B960494DF}">
-                <a14:hiddenLine xmlns:a14="http://schemas.microsoft.com/office/drawing/2010/main" xmlns="" w="9525">
+                <a14:hiddenLine xmlns="" xmlns:a14="http://schemas.microsoft.com/office/drawing/2010/main" w="9525">
                   <a:solidFill>
                     <a:srgbClr val="000000"/>
                   </a:solidFill>
@@ -1710,7 +1709,7 @@
             </a:ln>
             <a:extLst>
               <a:ext uri="{91240B29-F687-4f45-9708-019B960494DF}">
-                <a14:hiddenLine xmlns:a14="http://schemas.microsoft.com/office/drawing/2010/main" xmlns="" w="9525">
+                <a14:hiddenLine xmlns="" xmlns:a14="http://schemas.microsoft.com/office/drawing/2010/main" w="9525">
                   <a:solidFill>
                     <a:srgbClr val="000000"/>
                   </a:solidFill>
@@ -1766,7 +1765,7 @@
             </a:ln>
             <a:extLst>
               <a:ext uri="{91240B29-F687-4f45-9708-019B960494DF}">
-                <a14:hiddenLine xmlns:a14="http://schemas.microsoft.com/office/drawing/2010/main" xmlns="" w="9525">
+                <a14:hiddenLine xmlns="" xmlns:a14="http://schemas.microsoft.com/office/drawing/2010/main" w="9525">
                   <a:solidFill>
                     <a:srgbClr val="000000"/>
                   </a:solidFill>
@@ -1856,7 +1855,7 @@
             </a:ln>
             <a:extLst>
               <a:ext uri="{91240B29-F687-4f45-9708-019B960494DF}">
-                <a14:hiddenLine xmlns:a14="http://schemas.microsoft.com/office/drawing/2010/main" xmlns="" w="9525">
+                <a14:hiddenLine xmlns="" xmlns:a14="http://schemas.microsoft.com/office/drawing/2010/main" w="9525">
                   <a:solidFill>
                     <a:srgbClr val="000000"/>
                   </a:solidFill>
@@ -1912,7 +1911,7 @@
             </a:ln>
             <a:extLst>
               <a:ext uri="{91240B29-F687-4f45-9708-019B960494DF}">
-                <a14:hiddenLine xmlns:a14="http://schemas.microsoft.com/office/drawing/2010/main" xmlns="" w="9525">
+                <a14:hiddenLine xmlns="" xmlns:a14="http://schemas.microsoft.com/office/drawing/2010/main" w="9525">
                   <a:solidFill>
                     <a:srgbClr val="000000"/>
                   </a:solidFill>
@@ -2002,7 +2001,7 @@
             </a:ln>
             <a:extLst>
               <a:ext uri="{91240B29-F687-4f45-9708-019B960494DF}">
-                <a14:hiddenLine xmlns:a14="http://schemas.microsoft.com/office/drawing/2010/main" xmlns="" w="9525">
+                <a14:hiddenLine xmlns="" xmlns:a14="http://schemas.microsoft.com/office/drawing/2010/main" w="9525">
                   <a:solidFill>
                     <a:srgbClr val="000000"/>
                   </a:solidFill>
@@ -2070,7 +2069,7 @@
             </a:ln>
             <a:extLst>
               <a:ext uri="{91240B29-F687-4f45-9708-019B960494DF}">
-                <a14:hiddenLine xmlns:a14="http://schemas.microsoft.com/office/drawing/2010/main" xmlns="" w="9525">
+                <a14:hiddenLine xmlns="" xmlns:a14="http://schemas.microsoft.com/office/drawing/2010/main" w="9525">
                   <a:solidFill>
                     <a:srgbClr val="000000"/>
                   </a:solidFill>
@@ -2160,7 +2159,7 @@
             </a:ln>
             <a:extLst>
               <a:ext uri="{91240B29-F687-4f45-9708-019B960494DF}">
-                <a14:hiddenLine xmlns:a14="http://schemas.microsoft.com/office/drawing/2010/main" xmlns="" w="9525">
+                <a14:hiddenLine xmlns="" xmlns:a14="http://schemas.microsoft.com/office/drawing/2010/main" w="9525">
                   <a:solidFill>
                     <a:srgbClr val="000000"/>
                   </a:solidFill>
@@ -2228,7 +2227,7 @@
             </a:ln>
             <a:extLst>
               <a:ext uri="{91240B29-F687-4f45-9708-019B960494DF}">
-                <a14:hiddenLine xmlns:a14="http://schemas.microsoft.com/office/drawing/2010/main" xmlns="" w="9525">
+                <a14:hiddenLine xmlns="" xmlns:a14="http://schemas.microsoft.com/office/drawing/2010/main" w="9525">
                   <a:solidFill>
                     <a:srgbClr val="000000"/>
                   </a:solidFill>
@@ -2318,7 +2317,7 @@
             </a:ln>
             <a:extLst>
               <a:ext uri="{91240B29-F687-4f45-9708-019B960494DF}">
-                <a14:hiddenLine xmlns:a14="http://schemas.microsoft.com/office/drawing/2010/main" xmlns="" w="9525">
+                <a14:hiddenLine xmlns="" xmlns:a14="http://schemas.microsoft.com/office/drawing/2010/main" w="9525">
                   <a:solidFill>
                     <a:srgbClr val="000000"/>
                   </a:solidFill>
@@ -2352,7 +2351,7 @@
             </a:ln>
             <a:extLst>
               <a:ext uri="{91240B29-F687-4f45-9708-019B960494DF}">
-                <a14:hiddenLine xmlns:a14="http://schemas.microsoft.com/office/drawing/2010/main" xmlns="" w="9525">
+                <a14:hiddenLine xmlns="" xmlns:a14="http://schemas.microsoft.com/office/drawing/2010/main" w="9525">
                   <a:solidFill>
                     <a:srgbClr val="000000"/>
                   </a:solidFill>
@@ -2442,7 +2441,7 @@
             </a:ln>
             <a:extLst>
               <a:ext uri="{91240B29-F687-4f45-9708-019B960494DF}">
-                <a14:hiddenLine xmlns:a14="http://schemas.microsoft.com/office/drawing/2010/main" xmlns="" w="9525">
+                <a14:hiddenLine xmlns="" xmlns:a14="http://schemas.microsoft.com/office/drawing/2010/main" w="9525">
                   <a:solidFill>
                     <a:srgbClr val="000000"/>
                   </a:solidFill>
@@ -2504,7 +2503,7 @@
             </a:ln>
             <a:extLst>
               <a:ext uri="{91240B29-F687-4f45-9708-019B960494DF}">
-                <a14:hiddenLine xmlns:a14="http://schemas.microsoft.com/office/drawing/2010/main" xmlns="" w="9525">
+                <a14:hiddenLine xmlns="" xmlns:a14="http://schemas.microsoft.com/office/drawing/2010/main" w="9525">
                   <a:solidFill>
                     <a:srgbClr val="000000"/>
                   </a:solidFill>
@@ -2566,7 +2565,7 @@
             </a:ln>
             <a:extLst>
               <a:ext uri="{91240B29-F687-4f45-9708-019B960494DF}">
-                <a14:hiddenLine xmlns:a14="http://schemas.microsoft.com/office/drawing/2010/main" xmlns="" w="9525">
+                <a14:hiddenLine xmlns="" xmlns:a14="http://schemas.microsoft.com/office/drawing/2010/main" w="9525">
                   <a:solidFill>
                     <a:srgbClr val="000000"/>
                   </a:solidFill>
@@ -2656,7 +2655,7 @@
             </a:ln>
             <a:extLst>
               <a:ext uri="{91240B29-F687-4f45-9708-019B960494DF}">
-                <a14:hiddenLine xmlns:a14="http://schemas.microsoft.com/office/drawing/2010/main" xmlns="" w="9525">
+                <a14:hiddenLine xmlns="" xmlns:a14="http://schemas.microsoft.com/office/drawing/2010/main" w="9525">
                   <a:solidFill>
                     <a:srgbClr val="000000"/>
                   </a:solidFill>
@@ -2724,7 +2723,7 @@
             </a:ln>
             <a:extLst>
               <a:ext uri="{91240B29-F687-4f45-9708-019B960494DF}">
-                <a14:hiddenLine xmlns:a14="http://schemas.microsoft.com/office/drawing/2010/main" xmlns="" w="9525">
+                <a14:hiddenLine xmlns="" xmlns:a14="http://schemas.microsoft.com/office/drawing/2010/main" w="9525">
                   <a:solidFill>
                     <a:srgbClr val="000000"/>
                   </a:solidFill>
@@ -2786,7 +2785,7 @@
             </a:ln>
             <a:extLst>
               <a:ext uri="{91240B29-F687-4f45-9708-019B960494DF}">
-                <a14:hiddenLine xmlns:a14="http://schemas.microsoft.com/office/drawing/2010/main" xmlns="" w="9525">
+                <a14:hiddenLine xmlns="" xmlns:a14="http://schemas.microsoft.com/office/drawing/2010/main" w="9525">
                   <a:solidFill>
                     <a:srgbClr val="000000"/>
                   </a:solidFill>
@@ -2876,7 +2875,7 @@
             </a:ln>
             <a:extLst>
               <a:ext uri="{91240B29-F687-4f45-9708-019B960494DF}">
-                <a14:hiddenLine xmlns:a14="http://schemas.microsoft.com/office/drawing/2010/main" xmlns="" w="9525">
+                <a14:hiddenLine xmlns="" xmlns:a14="http://schemas.microsoft.com/office/drawing/2010/main" w="9525">
                   <a:solidFill>
                     <a:srgbClr val="000000"/>
                   </a:solidFill>
@@ -2938,7 +2937,7 @@
             </a:ln>
             <a:extLst>
               <a:ext uri="{91240B29-F687-4f45-9708-019B960494DF}">
-                <a14:hiddenLine xmlns:a14="http://schemas.microsoft.com/office/drawing/2010/main" xmlns="" w="9525">
+                <a14:hiddenLine xmlns="" xmlns:a14="http://schemas.microsoft.com/office/drawing/2010/main" w="9525">
                   <a:solidFill>
                     <a:srgbClr val="000000"/>
                   </a:solidFill>
@@ -3028,7 +3027,7 @@
             </a:ln>
             <a:extLst>
               <a:ext uri="{91240B29-F687-4f45-9708-019B960494DF}">
-                <a14:hiddenLine xmlns:a14="http://schemas.microsoft.com/office/drawing/2010/main" xmlns="" w="9525">
+                <a14:hiddenLine xmlns="" xmlns:a14="http://schemas.microsoft.com/office/drawing/2010/main" w="9525">
                   <a:solidFill>
                     <a:srgbClr val="000000"/>
                   </a:solidFill>
@@ -3090,7 +3089,7 @@
             </a:ln>
             <a:extLst>
               <a:ext uri="{91240B29-F687-4f45-9708-019B960494DF}">
-                <a14:hiddenLine xmlns:a14="http://schemas.microsoft.com/office/drawing/2010/main" xmlns="" w="9525">
+                <a14:hiddenLine xmlns="" xmlns:a14="http://schemas.microsoft.com/office/drawing/2010/main" w="9525">
                   <a:solidFill>
                     <a:srgbClr val="000000"/>
                   </a:solidFill>
@@ -3180,7 +3179,7 @@
             </a:ln>
             <a:extLst>
               <a:ext uri="{91240B29-F687-4f45-9708-019B960494DF}">
-                <a14:hiddenLine xmlns:a14="http://schemas.microsoft.com/office/drawing/2010/main" xmlns="" w="9525">
+                <a14:hiddenLine xmlns="" xmlns:a14="http://schemas.microsoft.com/office/drawing/2010/main" w="9525">
                   <a:solidFill>
                     <a:srgbClr val="000000"/>
                   </a:solidFill>
@@ -3214,7 +3213,7 @@
             </a:ln>
             <a:extLst>
               <a:ext uri="{91240B29-F687-4f45-9708-019B960494DF}">
-                <a14:hiddenLine xmlns:a14="http://schemas.microsoft.com/office/drawing/2010/main" xmlns="" w="9525">
+                <a14:hiddenLine xmlns="" xmlns:a14="http://schemas.microsoft.com/office/drawing/2010/main" w="9525">
                   <a:solidFill>
                     <a:srgbClr val="000000"/>
                   </a:solidFill>
@@ -3279,7 +3278,7 @@
             </a:ln>
             <a:extLst>
               <a:ext uri="{91240B29-F687-4f45-9708-019B960494DF}">
-                <a14:hiddenLine xmlns:a14="http://schemas.microsoft.com/office/drawing/2010/main" xmlns="" w="9525">
+                <a14:hiddenLine xmlns="" xmlns:a14="http://schemas.microsoft.com/office/drawing/2010/main" w="9525">
                   <a:solidFill>
                     <a:srgbClr val="000000"/>
                   </a:solidFill>
@@ -3369,7 +3368,7 @@
             </a:ln>
             <a:extLst>
               <a:ext uri="{91240B29-F687-4f45-9708-019B960494DF}">
-                <a14:hiddenLine xmlns:a14="http://schemas.microsoft.com/office/drawing/2010/main" xmlns="" w="9525">
+                <a14:hiddenLine xmlns="" xmlns:a14="http://schemas.microsoft.com/office/drawing/2010/main" w="9525">
                   <a:solidFill>
                     <a:srgbClr val="000000"/>
                   </a:solidFill>
@@ -3431,7 +3430,7 @@
             </a:ln>
             <a:extLst>
               <a:ext uri="{91240B29-F687-4f45-9708-019B960494DF}">
-                <a14:hiddenLine xmlns:a14="http://schemas.microsoft.com/office/drawing/2010/main" xmlns="" w="9525">
+                <a14:hiddenLine xmlns="" xmlns:a14="http://schemas.microsoft.com/office/drawing/2010/main" w="9525">
                   <a:solidFill>
                     <a:srgbClr val="000000"/>
                   </a:solidFill>
@@ -3521,7 +3520,7 @@
             </a:ln>
             <a:extLst>
               <a:ext uri="{91240B29-F687-4f45-9708-019B960494DF}">
-                <a14:hiddenLine xmlns:a14="http://schemas.microsoft.com/office/drawing/2010/main" xmlns="" w="9525">
+                <a14:hiddenLine xmlns="" xmlns:a14="http://schemas.microsoft.com/office/drawing/2010/main" w="9525">
                   <a:solidFill>
                     <a:srgbClr val="000000"/>
                   </a:solidFill>
@@ -3611,7 +3610,7 @@
             </a:ln>
             <a:extLst>
               <a:ext uri="{91240B29-F687-4f45-9708-019B960494DF}">
-                <a14:hiddenLine xmlns:a14="http://schemas.microsoft.com/office/drawing/2010/main" xmlns="" w="9525">
+                <a14:hiddenLine xmlns="" xmlns:a14="http://schemas.microsoft.com/office/drawing/2010/main" w="9525">
                   <a:solidFill>
                     <a:srgbClr val="000000"/>
                   </a:solidFill>
@@ -3676,7 +3675,7 @@
             </a:ln>
             <a:extLst>
               <a:ext uri="{91240B29-F687-4f45-9708-019B960494DF}">
-                <a14:hiddenLine xmlns:a14="http://schemas.microsoft.com/office/drawing/2010/main" xmlns="" w="9525">
+                <a14:hiddenLine xmlns="" xmlns:a14="http://schemas.microsoft.com/office/drawing/2010/main" w="9525">
                   <a:solidFill>
                     <a:srgbClr val="000000"/>
                   </a:solidFill>
@@ -3738,7 +3737,7 @@
             </a:ln>
             <a:extLst>
               <a:ext uri="{91240B29-F687-4f45-9708-019B960494DF}">
-                <a14:hiddenLine xmlns:a14="http://schemas.microsoft.com/office/drawing/2010/main" xmlns="" w="9525">
+                <a14:hiddenLine xmlns="" xmlns:a14="http://schemas.microsoft.com/office/drawing/2010/main" w="9525">
                   <a:solidFill>
                     <a:srgbClr val="000000"/>
                   </a:solidFill>
@@ -3828,7 +3827,7 @@
             </a:ln>
             <a:extLst>
               <a:ext uri="{91240B29-F687-4f45-9708-019B960494DF}">
-                <a14:hiddenLine xmlns:a14="http://schemas.microsoft.com/office/drawing/2010/main" xmlns="" w="9525">
+                <a14:hiddenLine xmlns="" xmlns:a14="http://schemas.microsoft.com/office/drawing/2010/main" w="9525">
                   <a:solidFill>
                     <a:srgbClr val="000000"/>
                   </a:solidFill>
@@ -3918,7 +3917,7 @@
             </a:ln>
             <a:extLst>
               <a:ext uri="{91240B29-F687-4f45-9708-019B960494DF}">
-                <a14:hiddenLine xmlns:a14="http://schemas.microsoft.com/office/drawing/2010/main" xmlns="" w="9525">
+                <a14:hiddenLine xmlns="" xmlns:a14="http://schemas.microsoft.com/office/drawing/2010/main" w="9525">
                   <a:solidFill>
                     <a:srgbClr val="000000"/>
                   </a:solidFill>
@@ -3980,7 +3979,7 @@
             </a:ln>
             <a:extLst>
               <a:ext uri="{91240B29-F687-4f45-9708-019B960494DF}">
-                <a14:hiddenLine xmlns:a14="http://schemas.microsoft.com/office/drawing/2010/main" xmlns="" w="9525">
+                <a14:hiddenLine xmlns="" xmlns:a14="http://schemas.microsoft.com/office/drawing/2010/main" w="9525">
                   <a:solidFill>
                     <a:srgbClr val="000000"/>
                   </a:solidFill>
@@ -4100,7 +4099,7 @@
             </a:ln>
             <a:extLst>
               <a:ext uri="{91240B29-F687-4f45-9708-019B960494DF}">
-                <a14:hiddenLine xmlns:a14="http://schemas.microsoft.com/office/drawing/2010/main" xmlns="" w="9525">
+                <a14:hiddenLine xmlns="" xmlns:a14="http://schemas.microsoft.com/office/drawing/2010/main" w="9525">
                   <a:solidFill>
                     <a:srgbClr val="000000"/>
                   </a:solidFill>
@@ -4168,7 +4167,7 @@
             </a:ln>
             <a:extLst>
               <a:ext uri="{91240B29-F687-4f45-9708-019B960494DF}">
-                <a14:hiddenLine xmlns:a14="http://schemas.microsoft.com/office/drawing/2010/main" xmlns="" w="9525">
+                <a14:hiddenLine xmlns="" xmlns:a14="http://schemas.microsoft.com/office/drawing/2010/main" w="9525">
                   <a:solidFill>
                     <a:srgbClr val="000000"/>
                   </a:solidFill>
@@ -4258,7 +4257,7 @@
             </a:ln>
             <a:extLst>
               <a:ext uri="{91240B29-F687-4f45-9708-019B960494DF}">
-                <a14:hiddenLine xmlns:a14="http://schemas.microsoft.com/office/drawing/2010/main" xmlns="" w="9525">
+                <a14:hiddenLine xmlns="" xmlns:a14="http://schemas.microsoft.com/office/drawing/2010/main" w="9525">
                   <a:solidFill>
                     <a:srgbClr val="000000"/>
                   </a:solidFill>
@@ -4399,7 +4398,7 @@
             <a:fld id="{B61BEF0D-F0BB-DE4B-95CE-6DB70DBA9567}" type="datetimeFigureOut">
               <a:rPr lang="en-US" smtClean="0"/>
               <a:pPr/>
-              <a:t>11/24/2013</a:t>
+              <a:t>11/25/2013</a:t>
             </a:fld>
             <a:endParaRPr lang="en-US" dirty="0"/>
           </a:p>
@@ -4668,7 +4667,7 @@
             <a:fld id="{B61BEF0D-F0BB-DE4B-95CE-6DB70DBA9567}" type="datetimeFigureOut">
               <a:rPr lang="en-US" smtClean="0"/>
               <a:pPr/>
-              <a:t>11/24/2013</a:t>
+              <a:t>11/25/2013</a:t>
             </a:fld>
             <a:endParaRPr lang="en-US" dirty="0"/>
           </a:p>
@@ -4866,7 +4865,7 @@
             <a:fld id="{B61BEF0D-F0BB-DE4B-95CE-6DB70DBA9567}" type="datetimeFigureOut">
               <a:rPr lang="en-US" smtClean="0"/>
               <a:pPr/>
-              <a:t>11/24/2013</a:t>
+              <a:t>11/25/2013</a:t>
             </a:fld>
             <a:endParaRPr lang="en-US" dirty="0"/>
           </a:p>
@@ -5131,7 +5130,7 @@
             <a:fld id="{B61BEF0D-F0BB-DE4B-95CE-6DB70DBA9567}" type="datetimeFigureOut">
               <a:rPr lang="en-US" smtClean="0"/>
               <a:pPr/>
-              <a:t>11/24/2013</a:t>
+              <a:t>11/25/2013</a:t>
             </a:fld>
             <a:endParaRPr lang="en-US" dirty="0"/>
           </a:p>
@@ -5567,7 +5566,7 @@
             <a:fld id="{B61BEF0D-F0BB-DE4B-95CE-6DB70DBA9567}" type="datetimeFigureOut">
               <a:rPr lang="en-US" smtClean="0"/>
               <a:pPr/>
-              <a:t>11/24/2013</a:t>
+              <a:t>11/25/2013</a:t>
             </a:fld>
             <a:endParaRPr lang="en-US" dirty="0"/>
           </a:p>
@@ -6115,7 +6114,7 @@
             <a:fld id="{B61BEF0D-F0BB-DE4B-95CE-6DB70DBA9567}" type="datetimeFigureOut">
               <a:rPr lang="en-US" smtClean="0"/>
               <a:pPr/>
-              <a:t>11/24/2013</a:t>
+              <a:t>11/25/2013</a:t>
             </a:fld>
             <a:endParaRPr lang="en-US" dirty="0"/>
           </a:p>
@@ -6837,7 +6836,7 @@
             <a:fld id="{B61BEF0D-F0BB-DE4B-95CE-6DB70DBA9567}" type="datetimeFigureOut">
               <a:rPr lang="en-US" smtClean="0"/>
               <a:pPr/>
-              <a:t>11/24/2013</a:t>
+              <a:t>11/25/2013</a:t>
             </a:fld>
             <a:endParaRPr lang="en-US" dirty="0"/>
           </a:p>
@@ -7009,7 +7008,7 @@
             <a:fld id="{B61BEF0D-F0BB-DE4B-95CE-6DB70DBA9567}" type="datetimeFigureOut">
               <a:rPr lang="en-US" smtClean="0"/>
               <a:pPr/>
-              <a:t>11/24/2013</a:t>
+              <a:t>11/25/2013</a:t>
             </a:fld>
             <a:endParaRPr lang="en-US" dirty="0"/>
           </a:p>
@@ -7191,7 +7190,7 @@
             <a:fld id="{B61BEF0D-F0BB-DE4B-95CE-6DB70DBA9567}" type="datetimeFigureOut">
               <a:rPr lang="en-US" smtClean="0"/>
               <a:pPr/>
-              <a:t>11/24/2013</a:t>
+              <a:t>11/25/2013</a:t>
             </a:fld>
             <a:endParaRPr lang="en-US" dirty="0"/>
           </a:p>
@@ -7363,7 +7362,7 @@
             <a:fld id="{B61BEF0D-F0BB-DE4B-95CE-6DB70DBA9567}" type="datetimeFigureOut">
               <a:rPr lang="en-US" smtClean="0"/>
               <a:pPr/>
-              <a:t>11/24/2013</a:t>
+              <a:t>11/25/2013</a:t>
             </a:fld>
             <a:endParaRPr lang="en-US" dirty="0"/>
           </a:p>
@@ -7615,7 +7614,7 @@
             <a:fld id="{B61BEF0D-F0BB-DE4B-95CE-6DB70DBA9567}" type="datetimeFigureOut">
               <a:rPr lang="en-US" smtClean="0"/>
               <a:pPr/>
-              <a:t>11/24/2013</a:t>
+              <a:t>11/25/2013</a:t>
             </a:fld>
             <a:endParaRPr lang="en-US" dirty="0"/>
           </a:p>
@@ -7849,7 +7848,7 @@
             <a:fld id="{B61BEF0D-F0BB-DE4B-95CE-6DB70DBA9567}" type="datetimeFigureOut">
               <a:rPr lang="en-US" smtClean="0"/>
               <a:pPr/>
-              <a:t>11/24/2013</a:t>
+              <a:t>11/25/2013</a:t>
             </a:fld>
             <a:endParaRPr lang="en-US" dirty="0"/>
           </a:p>
@@ -8232,7 +8231,7 @@
             <a:fld id="{B61BEF0D-F0BB-DE4B-95CE-6DB70DBA9567}" type="datetimeFigureOut">
               <a:rPr lang="en-US" smtClean="0"/>
               <a:pPr/>
-              <a:t>11/24/2013</a:t>
+              <a:t>11/25/2013</a:t>
             </a:fld>
             <a:endParaRPr lang="en-US" dirty="0"/>
           </a:p>
@@ -8352,7 +8351,7 @@
             <a:fld id="{B61BEF0D-F0BB-DE4B-95CE-6DB70DBA9567}" type="datetimeFigureOut">
               <a:rPr lang="en-US" smtClean="0"/>
               <a:pPr/>
-              <a:t>11/24/2013</a:t>
+              <a:t>11/25/2013</a:t>
             </a:fld>
             <a:endParaRPr lang="en-US" dirty="0"/>
           </a:p>
@@ -8449,7 +8448,7 @@
             <a:fld id="{B61BEF0D-F0BB-DE4B-95CE-6DB70DBA9567}" type="datetimeFigureOut">
               <a:rPr lang="en-US" smtClean="0"/>
               <a:pPr/>
-              <a:t>11/24/2013</a:t>
+              <a:t>11/25/2013</a:t>
             </a:fld>
             <a:endParaRPr lang="en-US" dirty="0"/>
           </a:p>
@@ -8700,7 +8699,7 @@
             <a:fld id="{B61BEF0D-F0BB-DE4B-95CE-6DB70DBA9567}" type="datetimeFigureOut">
               <a:rPr lang="en-US" smtClean="0"/>
               <a:pPr/>
-              <a:t>11/24/2013</a:t>
+              <a:t>11/25/2013</a:t>
             </a:fld>
             <a:endParaRPr lang="en-US" dirty="0"/>
           </a:p>
@@ -8982,7 +8981,7 @@
             <a:fld id="{B61BEF0D-F0BB-DE4B-95CE-6DB70DBA9567}" type="datetimeFigureOut">
               <a:rPr lang="en-US" smtClean="0"/>
               <a:pPr/>
-              <a:t>11/24/2013</a:t>
+              <a:t>11/25/2013</a:t>
             </a:fld>
             <a:endParaRPr lang="en-US" dirty="0"/>
           </a:p>
@@ -9106,7 +9105,7 @@
           <a:noFill/>
           <a:extLst>
             <a:ext uri="{909E8E84-426E-40dd-AFC4-6F175D3DCCD1}">
-              <a14:hiddenFill xmlns:a14="http://schemas.microsoft.com/office/drawing/2010/main" xmlns="">
+              <a14:hiddenFill xmlns="" xmlns:a14="http://schemas.microsoft.com/office/drawing/2010/main">
                 <a:solidFill>
                   <a:srgbClr val="FFFFFF"/>
                 </a:solidFill>
@@ -9180,7 +9179,7 @@
               </a:ln>
               <a:extLst>
                 <a:ext uri="{91240B29-F687-4f45-9708-019B960494DF}">
-                  <a14:hiddenLine xmlns:a14="http://schemas.microsoft.com/office/drawing/2010/main" xmlns="" w="9525">
+                  <a14:hiddenLine xmlns="" xmlns:a14="http://schemas.microsoft.com/office/drawing/2010/main" w="9525">
                     <a:solidFill>
                       <a:srgbClr val="000000"/>
                     </a:solidFill>
@@ -9270,7 +9269,7 @@
               </a:ln>
               <a:extLst>
                 <a:ext uri="{91240B29-F687-4f45-9708-019B960494DF}">
-                  <a14:hiddenLine xmlns:a14="http://schemas.microsoft.com/office/drawing/2010/main" xmlns="" w="9525">
+                  <a14:hiddenLine xmlns="" xmlns:a14="http://schemas.microsoft.com/office/drawing/2010/main" w="9525">
                     <a:solidFill>
                       <a:srgbClr val="000000"/>
                     </a:solidFill>
@@ -9360,7 +9359,7 @@
               </a:ln>
               <a:extLst>
                 <a:ext uri="{91240B29-F687-4f45-9708-019B960494DF}">
-                  <a14:hiddenLine xmlns:a14="http://schemas.microsoft.com/office/drawing/2010/main" xmlns="" w="9525">
+                  <a14:hiddenLine xmlns="" xmlns:a14="http://schemas.microsoft.com/office/drawing/2010/main" w="9525">
                     <a:solidFill>
                       <a:srgbClr val="000000"/>
                     </a:solidFill>
@@ -9422,7 +9421,7 @@
               </a:ln>
               <a:extLst>
                 <a:ext uri="{91240B29-F687-4f45-9708-019B960494DF}">
-                  <a14:hiddenLine xmlns:a14="http://schemas.microsoft.com/office/drawing/2010/main" xmlns="" w="9525">
+                  <a14:hiddenLine xmlns="" xmlns:a14="http://schemas.microsoft.com/office/drawing/2010/main" w="9525">
                     <a:solidFill>
                       <a:srgbClr val="000000"/>
                     </a:solidFill>
@@ -9512,7 +9511,7 @@
               </a:ln>
               <a:extLst>
                 <a:ext uri="{91240B29-F687-4f45-9708-019B960494DF}">
-                  <a14:hiddenLine xmlns:a14="http://schemas.microsoft.com/office/drawing/2010/main" xmlns="" w="9525">
+                  <a14:hiddenLine xmlns="" xmlns:a14="http://schemas.microsoft.com/office/drawing/2010/main" w="9525">
                     <a:solidFill>
                       <a:srgbClr val="000000"/>
                     </a:solidFill>
@@ -9574,7 +9573,7 @@
               </a:ln>
               <a:extLst>
                 <a:ext uri="{91240B29-F687-4f45-9708-019B960494DF}">
-                  <a14:hiddenLine xmlns:a14="http://schemas.microsoft.com/office/drawing/2010/main" xmlns="" w="9525">
+                  <a14:hiddenLine xmlns="" xmlns:a14="http://schemas.microsoft.com/office/drawing/2010/main" w="9525">
                     <a:solidFill>
                       <a:srgbClr val="000000"/>
                     </a:solidFill>
@@ -9636,7 +9635,7 @@
               </a:ln>
               <a:extLst>
                 <a:ext uri="{91240B29-F687-4f45-9708-019B960494DF}">
-                  <a14:hiddenLine xmlns:a14="http://schemas.microsoft.com/office/drawing/2010/main" xmlns="" w="9525">
+                  <a14:hiddenLine xmlns="" xmlns:a14="http://schemas.microsoft.com/office/drawing/2010/main" w="9525">
                     <a:solidFill>
                       <a:srgbClr val="000000"/>
                     </a:solidFill>
@@ -9726,7 +9725,7 @@
               </a:ln>
               <a:extLst>
                 <a:ext uri="{91240B29-F687-4f45-9708-019B960494DF}">
-                  <a14:hiddenLine xmlns:a14="http://schemas.microsoft.com/office/drawing/2010/main" xmlns="" w="9525">
+                  <a14:hiddenLine xmlns="" xmlns:a14="http://schemas.microsoft.com/office/drawing/2010/main" w="9525">
                     <a:solidFill>
                       <a:srgbClr val="000000"/>
                     </a:solidFill>
@@ -9816,7 +9815,7 @@
               </a:ln>
               <a:extLst>
                 <a:ext uri="{91240B29-F687-4f45-9708-019B960494DF}">
-                  <a14:hiddenLine xmlns:a14="http://schemas.microsoft.com/office/drawing/2010/main" xmlns="" w="9525">
+                  <a14:hiddenLine xmlns="" xmlns:a14="http://schemas.microsoft.com/office/drawing/2010/main" w="9525">
                     <a:solidFill>
                       <a:srgbClr val="000000"/>
                     </a:solidFill>
@@ -9878,7 +9877,7 @@
               </a:ln>
               <a:extLst>
                 <a:ext uri="{91240B29-F687-4f45-9708-019B960494DF}">
-                  <a14:hiddenLine xmlns:a14="http://schemas.microsoft.com/office/drawing/2010/main" xmlns="" w="9525">
+                  <a14:hiddenLine xmlns="" xmlns:a14="http://schemas.microsoft.com/office/drawing/2010/main" w="9525">
                     <a:solidFill>
                       <a:srgbClr val="000000"/>
                     </a:solidFill>
@@ -9988,7 +9987,7 @@
               </a:ln>
               <a:extLst>
                 <a:ext uri="{91240B29-F687-4f45-9708-019B960494DF}">
-                  <a14:hiddenLine xmlns:a14="http://schemas.microsoft.com/office/drawing/2010/main" xmlns="" w="9525">
+                  <a14:hiddenLine xmlns="" xmlns:a14="http://schemas.microsoft.com/office/drawing/2010/main" w="9525">
                     <a:solidFill>
                       <a:srgbClr val="000000"/>
                     </a:solidFill>
@@ -10072,7 +10071,7 @@
               </a:ln>
               <a:extLst>
                 <a:ext uri="{91240B29-F687-4f45-9708-019B960494DF}">
-                  <a14:hiddenLine xmlns:a14="http://schemas.microsoft.com/office/drawing/2010/main" xmlns="" w="9525">
+                  <a14:hiddenLine xmlns="" xmlns:a14="http://schemas.microsoft.com/office/drawing/2010/main" w="9525">
                     <a:solidFill>
                       <a:srgbClr val="000000"/>
                     </a:solidFill>
@@ -10134,7 +10133,7 @@
               </a:ln>
               <a:extLst>
                 <a:ext uri="{91240B29-F687-4f45-9708-019B960494DF}">
-                  <a14:hiddenLine xmlns:a14="http://schemas.microsoft.com/office/drawing/2010/main" xmlns="" w="9525">
+                  <a14:hiddenLine xmlns="" xmlns:a14="http://schemas.microsoft.com/office/drawing/2010/main" w="9525">
                     <a:solidFill>
                       <a:srgbClr val="000000"/>
                     </a:solidFill>
@@ -10196,7 +10195,7 @@
               </a:ln>
               <a:extLst>
                 <a:ext uri="{91240B29-F687-4f45-9708-019B960494DF}">
-                  <a14:hiddenLine xmlns:a14="http://schemas.microsoft.com/office/drawing/2010/main" xmlns="" w="9525">
+                  <a14:hiddenLine xmlns="" xmlns:a14="http://schemas.microsoft.com/office/drawing/2010/main" w="9525">
                     <a:solidFill>
                       <a:srgbClr val="000000"/>
                     </a:solidFill>
@@ -10286,7 +10285,7 @@
               </a:ln>
               <a:extLst>
                 <a:ext uri="{91240B29-F687-4f45-9708-019B960494DF}">
-                  <a14:hiddenLine xmlns:a14="http://schemas.microsoft.com/office/drawing/2010/main" xmlns="" w="9525">
+                  <a14:hiddenLine xmlns="" xmlns:a14="http://schemas.microsoft.com/office/drawing/2010/main" w="9525">
                     <a:solidFill>
                       <a:srgbClr val="000000"/>
                     </a:solidFill>
@@ -10320,7 +10319,7 @@
               </a:ln>
               <a:extLst>
                 <a:ext uri="{91240B29-F687-4f45-9708-019B960494DF}">
-                  <a14:hiddenLine xmlns:a14="http://schemas.microsoft.com/office/drawing/2010/main" xmlns="" w="9525">
+                  <a14:hiddenLine xmlns="" xmlns:a14="http://schemas.microsoft.com/office/drawing/2010/main" w="9525">
                     <a:solidFill>
                       <a:srgbClr val="000000"/>
                     </a:solidFill>
@@ -10385,7 +10384,7 @@
               </a:ln>
               <a:extLst>
                 <a:ext uri="{91240B29-F687-4f45-9708-019B960494DF}">
-                  <a14:hiddenLine xmlns:a14="http://schemas.microsoft.com/office/drawing/2010/main" xmlns="" w="9525">
+                  <a14:hiddenLine xmlns="" xmlns:a14="http://schemas.microsoft.com/office/drawing/2010/main" w="9525">
                     <a:solidFill>
                       <a:srgbClr val="000000"/>
                     </a:solidFill>
@@ -10475,7 +10474,7 @@
               </a:ln>
               <a:extLst>
                 <a:ext uri="{91240B29-F687-4f45-9708-019B960494DF}">
-                  <a14:hiddenLine xmlns:a14="http://schemas.microsoft.com/office/drawing/2010/main" xmlns="" w="9525">
+                  <a14:hiddenLine xmlns="" xmlns:a14="http://schemas.microsoft.com/office/drawing/2010/main" w="9525">
                     <a:solidFill>
                       <a:srgbClr val="000000"/>
                     </a:solidFill>
@@ -10537,7 +10536,7 @@
               </a:ln>
               <a:extLst>
                 <a:ext uri="{91240B29-F687-4f45-9708-019B960494DF}">
-                  <a14:hiddenLine xmlns:a14="http://schemas.microsoft.com/office/drawing/2010/main" xmlns="" w="9525">
+                  <a14:hiddenLine xmlns="" xmlns:a14="http://schemas.microsoft.com/office/drawing/2010/main" w="9525">
                     <a:solidFill>
                       <a:srgbClr val="000000"/>
                     </a:solidFill>
@@ -10627,7 +10626,7 @@
               </a:ln>
               <a:extLst>
                 <a:ext uri="{91240B29-F687-4f45-9708-019B960494DF}">
-                  <a14:hiddenLine xmlns:a14="http://schemas.microsoft.com/office/drawing/2010/main" xmlns="" w="9525">
+                  <a14:hiddenLine xmlns="" xmlns:a14="http://schemas.microsoft.com/office/drawing/2010/main" w="9525">
                     <a:solidFill>
                       <a:srgbClr val="000000"/>
                     </a:solidFill>
@@ -10692,7 +10691,7 @@
               </a:ln>
               <a:extLst>
                 <a:ext uri="{91240B29-F687-4f45-9708-019B960494DF}">
-                  <a14:hiddenLine xmlns:a14="http://schemas.microsoft.com/office/drawing/2010/main" xmlns="" w="9525">
+                  <a14:hiddenLine xmlns="" xmlns:a14="http://schemas.microsoft.com/office/drawing/2010/main" w="9525">
                     <a:solidFill>
                       <a:srgbClr val="000000"/>
                     </a:solidFill>
@@ -10754,7 +10753,7 @@
               </a:ln>
               <a:extLst>
                 <a:ext uri="{91240B29-F687-4f45-9708-019B960494DF}">
-                  <a14:hiddenLine xmlns:a14="http://schemas.microsoft.com/office/drawing/2010/main" xmlns="" w="9525">
+                  <a14:hiddenLine xmlns="" xmlns:a14="http://schemas.microsoft.com/office/drawing/2010/main" w="9525">
                     <a:solidFill>
                       <a:srgbClr val="000000"/>
                     </a:solidFill>
@@ -10844,7 +10843,7 @@
               </a:ln>
               <a:extLst>
                 <a:ext uri="{91240B29-F687-4f45-9708-019B960494DF}">
-                  <a14:hiddenLine xmlns:a14="http://schemas.microsoft.com/office/drawing/2010/main" xmlns="" w="9525">
+                  <a14:hiddenLine xmlns="" xmlns:a14="http://schemas.microsoft.com/office/drawing/2010/main" w="9525">
                     <a:solidFill>
                       <a:srgbClr val="000000"/>
                     </a:solidFill>
@@ -10934,7 +10933,7 @@
               </a:ln>
               <a:extLst>
                 <a:ext uri="{91240B29-F687-4f45-9708-019B960494DF}">
-                  <a14:hiddenLine xmlns:a14="http://schemas.microsoft.com/office/drawing/2010/main" xmlns="" w="9525">
+                  <a14:hiddenLine xmlns="" xmlns:a14="http://schemas.microsoft.com/office/drawing/2010/main" w="9525">
                     <a:solidFill>
                       <a:srgbClr val="000000"/>
                     </a:solidFill>
@@ -10999,7 +10998,7 @@
               </a:ln>
               <a:extLst>
                 <a:ext uri="{91240B29-F687-4f45-9708-019B960494DF}">
-                  <a14:hiddenLine xmlns:a14="http://schemas.microsoft.com/office/drawing/2010/main" xmlns="" w="9525">
+                  <a14:hiddenLine xmlns="" xmlns:a14="http://schemas.microsoft.com/office/drawing/2010/main" w="9525">
                     <a:solidFill>
                       <a:srgbClr val="000000"/>
                     </a:solidFill>
@@ -11119,7 +11118,7 @@
               </a:ln>
               <a:extLst>
                 <a:ext uri="{91240B29-F687-4f45-9708-019B960494DF}">
-                  <a14:hiddenLine xmlns:a14="http://schemas.microsoft.com/office/drawing/2010/main" xmlns="" w="9525">
+                  <a14:hiddenLine xmlns="" xmlns:a14="http://schemas.microsoft.com/office/drawing/2010/main" w="9525">
                     <a:solidFill>
                       <a:srgbClr val="000000"/>
                     </a:solidFill>
@@ -11217,7 +11216,7 @@
               </a:ln>
               <a:extLst>
                 <a:ext uri="{91240B29-F687-4f45-9708-019B960494DF}">
-                  <a14:hiddenLine xmlns:a14="http://schemas.microsoft.com/office/drawing/2010/main" xmlns="" w="9525">
+                  <a14:hiddenLine xmlns="" xmlns:a14="http://schemas.microsoft.com/office/drawing/2010/main" w="9525">
                     <a:solidFill>
                       <a:srgbClr val="000000"/>
                     </a:solidFill>
@@ -11332,7 +11331,7 @@
               </a:ln>
               <a:extLst>
                 <a:ext uri="{91240B29-F687-4f45-9708-019B960494DF}">
-                  <a14:hiddenLine xmlns:a14="http://schemas.microsoft.com/office/drawing/2010/main" xmlns="" w="9525">
+                  <a14:hiddenLine xmlns="" xmlns:a14="http://schemas.microsoft.com/office/drawing/2010/main" w="9525">
                     <a:solidFill>
                       <a:srgbClr val="000000"/>
                     </a:solidFill>
@@ -11422,7 +11421,7 @@
               </a:ln>
               <a:extLst>
                 <a:ext uri="{91240B29-F687-4f45-9708-019B960494DF}">
-                  <a14:hiddenLine xmlns:a14="http://schemas.microsoft.com/office/drawing/2010/main" xmlns="" w="9525">
+                  <a14:hiddenLine xmlns="" xmlns:a14="http://schemas.microsoft.com/office/drawing/2010/main" w="9525">
                     <a:solidFill>
                       <a:srgbClr val="000000"/>
                     </a:solidFill>
@@ -11487,7 +11486,7 @@
               </a:ln>
               <a:extLst>
                 <a:ext uri="{91240B29-F687-4f45-9708-019B960494DF}">
-                  <a14:hiddenLine xmlns:a14="http://schemas.microsoft.com/office/drawing/2010/main" xmlns="" w="9525">
+                  <a14:hiddenLine xmlns="" xmlns:a14="http://schemas.microsoft.com/office/drawing/2010/main" w="9525">
                     <a:solidFill>
                       <a:srgbClr val="000000"/>
                     </a:solidFill>
@@ -11577,7 +11576,7 @@
               </a:ln>
               <a:extLst>
                 <a:ext uri="{91240B29-F687-4f45-9708-019B960494DF}">
-                  <a14:hiddenLine xmlns:a14="http://schemas.microsoft.com/office/drawing/2010/main" xmlns="" w="9525">
+                  <a14:hiddenLine xmlns="" xmlns:a14="http://schemas.microsoft.com/office/drawing/2010/main" w="9525">
                     <a:solidFill>
                       <a:srgbClr val="000000"/>
                     </a:solidFill>
@@ -11645,7 +11644,7 @@
               </a:ln>
               <a:extLst>
                 <a:ext uri="{91240B29-F687-4f45-9708-019B960494DF}">
-                  <a14:hiddenLine xmlns:a14="http://schemas.microsoft.com/office/drawing/2010/main" xmlns="" w="9525">
+                  <a14:hiddenLine xmlns="" xmlns:a14="http://schemas.microsoft.com/office/drawing/2010/main" w="9525">
                     <a:solidFill>
                       <a:srgbClr val="000000"/>
                     </a:solidFill>
@@ -11735,7 +11734,7 @@
               </a:ln>
               <a:extLst>
                 <a:ext uri="{91240B29-F687-4f45-9708-019B960494DF}">
-                  <a14:hiddenLine xmlns:a14="http://schemas.microsoft.com/office/drawing/2010/main" xmlns="" w="9525">
+                  <a14:hiddenLine xmlns="" xmlns:a14="http://schemas.microsoft.com/office/drawing/2010/main" w="9525">
                     <a:solidFill>
                       <a:srgbClr val="000000"/>
                     </a:solidFill>
@@ -11803,7 +11802,7 @@
               </a:ln>
               <a:extLst>
                 <a:ext uri="{91240B29-F687-4f45-9708-019B960494DF}">
-                  <a14:hiddenLine xmlns:a14="http://schemas.microsoft.com/office/drawing/2010/main" xmlns="" w="9525">
+                  <a14:hiddenLine xmlns="" xmlns:a14="http://schemas.microsoft.com/office/drawing/2010/main" w="9525">
                     <a:solidFill>
                       <a:srgbClr val="000000"/>
                     </a:solidFill>
@@ -11893,7 +11892,7 @@
               </a:ln>
               <a:extLst>
                 <a:ext uri="{91240B29-F687-4f45-9708-019B960494DF}">
-                  <a14:hiddenLine xmlns:a14="http://schemas.microsoft.com/office/drawing/2010/main" xmlns="" w="9525">
+                  <a14:hiddenLine xmlns="" xmlns:a14="http://schemas.microsoft.com/office/drawing/2010/main" w="9525">
                     <a:solidFill>
                       <a:srgbClr val="000000"/>
                     </a:solidFill>
@@ -11927,7 +11926,7 @@
               </a:ln>
               <a:extLst>
                 <a:ext uri="{91240B29-F687-4f45-9708-019B960494DF}">
-                  <a14:hiddenLine xmlns:a14="http://schemas.microsoft.com/office/drawing/2010/main" xmlns="" w="9525">
+                  <a14:hiddenLine xmlns="" xmlns:a14="http://schemas.microsoft.com/office/drawing/2010/main" w="9525">
                     <a:solidFill>
                       <a:srgbClr val="000000"/>
                     </a:solidFill>
@@ -12068,7 +12067,7 @@
             <a:fld id="{B61BEF0D-F0BB-DE4B-95CE-6DB70DBA9567}" type="datetimeFigureOut">
               <a:rPr lang="en-US" smtClean="0"/>
               <a:pPr/>
-              <a:t>11/24/2013</a:t>
+              <a:t>11/25/2013</a:t>
             </a:fld>
             <a:endParaRPr lang="en-US" dirty="0"/>
           </a:p>
@@ -12810,7 +12809,7 @@
       </p:sp>
       <p:pic>
         <p:nvPicPr>
-          <p:cNvPr id="3" name="Picture 2"/>
+          <p:cNvPr id="41" name="Picture 40"/>
           <p:cNvPicPr>
             <a:picLocks noChangeAspect="1"/>
           </p:cNvPicPr>
@@ -12830,139 +12829,34 @@
         </p:blipFill>
         <p:spPr>
           <a:xfrm>
-            <a:off x="2692998" y="1337698"/>
-            <a:ext cx="6780952" cy="4533333"/>
+            <a:off x="1298960" y="1077373"/>
+            <a:ext cx="7707502" cy="5780627"/>
           </a:xfrm>
           <a:prstGeom prst="rect">
             <a:avLst/>
           </a:prstGeom>
         </p:spPr>
       </p:pic>
-    </p:spTree>
-    <p:extLst>
-      <p:ext uri="{BB962C8B-B14F-4D97-AF65-F5344CB8AC3E}">
-        <p14:creationId xmlns:p14="http://schemas.microsoft.com/office/powerpoint/2010/main" val="1707017279"/>
-      </p:ext>
-    </p:extLst>
-  </p:cSld>
-  <p:clrMapOvr>
-    <a:masterClrMapping/>
-  </p:clrMapOvr>
-  <p:timing>
-    <p:tnLst>
-      <p:par>
-        <p:cTn id="1" dur="indefinite" restart="never" nodeType="tmRoot"/>
-      </p:par>
-    </p:tnLst>
-  </p:timing>
-</p:sld>
-</file>
-
-<file path=ppt/slides/slide3.xml><?xml version="1.0" encoding="utf-8"?>
-<p:sld xmlns:a="http://schemas.openxmlformats.org/drawingml/2006/main" xmlns:r="http://schemas.openxmlformats.org/officeDocument/2006/relationships" xmlns:p="http://schemas.openxmlformats.org/presentationml/2006/main">
-  <p:cSld>
-    <p:bg>
-      <p:bgPr>
-        <a:solidFill>
-          <a:schemeClr val="tx1">
-            <a:lumMod val="95000"/>
-          </a:schemeClr>
-        </a:solidFill>
-        <a:effectLst/>
-      </p:bgPr>
-    </p:bg>
-    <p:spTree>
-      <p:nvGrpSpPr>
-        <p:cNvPr id="1" name=""/>
-        <p:cNvGrpSpPr/>
-        <p:nvPr/>
-      </p:nvGrpSpPr>
-      <p:grpSpPr>
-        <a:xfrm>
-          <a:off x="0" y="0"/>
-          <a:ext cx="0" cy="0"/>
-          <a:chOff x="0" y="0"/>
-          <a:chExt cx="0" cy="0"/>
-        </a:xfrm>
-      </p:grpSpPr>
-      <p:sp>
-        <p:nvSpPr>
-          <p:cNvPr id="2" name="Title 1"/>
-          <p:cNvSpPr>
-            <a:spLocks noGrp="1"/>
-          </p:cNvSpPr>
-          <p:nvPr>
-            <p:ph type="title"/>
-          </p:nvPr>
-        </p:nvSpPr>
-        <p:spPr>
-          <a:xfrm>
-            <a:off x="1141412" y="337625"/>
-            <a:ext cx="9905998" cy="676251"/>
-          </a:xfrm>
-        </p:spPr>
-        <p:txBody>
-          <a:bodyPr/>
-          <a:lstStyle/>
-          <a:p>
-            <a:r>
-              <a:rPr lang="en-US" dirty="0">
-                <a:solidFill>
-                  <a:srgbClr val="1A8A14"/>
-                </a:solidFill>
-              </a:rPr>
-              <a:t>Managements data sync</a:t>
-            </a:r>
-            <a:endParaRPr lang="en-US" dirty="0"/>
-          </a:p>
-        </p:txBody>
-      </p:sp>
-      <p:pic>
-        <p:nvPicPr>
-          <p:cNvPr id="4" name="Content Placeholder 3"/>
-          <p:cNvPicPr>
-            <a:picLocks noGrp="1" noChangeAspect="1"/>
-          </p:cNvPicPr>
-          <p:nvPr>
-            <p:ph idx="1"/>
-          </p:nvPr>
-        </p:nvPicPr>
-        <p:blipFill>
-          <a:blip r:embed="rId2">
-            <a:extLst>
-              <a:ext uri="{28A0092B-C50C-407E-A947-70E740481C1C}">
-                <a14:useLocalDpi xmlns:a14="http://schemas.microsoft.com/office/drawing/2010/main" val="0"/>
-              </a:ext>
-            </a:extLst>
-          </a:blip>
-          <a:stretch>
-            <a:fillRect/>
-          </a:stretch>
-        </p:blipFill>
-        <p:spPr>
-          <a:xfrm>
-            <a:off x="2428346" y="1014413"/>
-            <a:ext cx="7332133" cy="5499100"/>
-          </a:xfrm>
-        </p:spPr>
-      </p:pic>
       <p:cxnSp>
         <p:nvCxnSpPr>
-          <p:cNvPr id="5" name="Straight Arrow Connector 4"/>
+          <p:cNvPr id="42" name="Straight Arrow Connector 41"/>
           <p:cNvCxnSpPr/>
           <p:nvPr/>
         </p:nvCxnSpPr>
         <p:spPr>
-          <a:xfrm flipH="1" flipV="1">
-            <a:off x="4117149" y="2416346"/>
-            <a:ext cx="1458270" cy="329434"/>
+          <a:xfrm>
+            <a:off x="2711631" y="2200444"/>
+            <a:ext cx="1311580" cy="0"/>
           </a:xfrm>
           <a:prstGeom prst="straightConnector1">
             <a:avLst/>
           </a:prstGeom>
-          <a:ln w="53975">
+          <a:ln w="22225">
             <a:solidFill>
-              <a:srgbClr val="1A8A14"/>
+              <a:schemeClr val="bg2">
+                <a:lumMod val="60000"/>
+                <a:lumOff val="40000"/>
+              </a:schemeClr>
             </a:solidFill>
             <a:tailEnd type="triangle"/>
           </a:ln>
@@ -12984,21 +12878,24 @@
       </p:cxnSp>
       <p:cxnSp>
         <p:nvCxnSpPr>
-          <p:cNvPr id="6" name="Straight Arrow Connector 5"/>
+          <p:cNvPr id="43" name="Straight Arrow Connector 42"/>
           <p:cNvCxnSpPr/>
           <p:nvPr/>
         </p:nvCxnSpPr>
         <p:spPr>
-          <a:xfrm flipV="1">
-            <a:off x="6690899" y="2327335"/>
-            <a:ext cx="1465546" cy="438411"/>
+          <a:xfrm>
+            <a:off x="5234677" y="2148188"/>
+            <a:ext cx="1447160" cy="6422"/>
           </a:xfrm>
           <a:prstGeom prst="straightConnector1">
             <a:avLst/>
           </a:prstGeom>
-          <a:ln w="53975">
+          <a:ln w="22225">
             <a:solidFill>
-              <a:srgbClr val="1A8A14"/>
+              <a:schemeClr val="bg2">
+                <a:lumMod val="60000"/>
+                <a:lumOff val="40000"/>
+              </a:schemeClr>
             </a:solidFill>
             <a:tailEnd type="triangle"/>
           </a:ln>
@@ -13020,21 +12917,21 @@
       </p:cxnSp>
       <p:cxnSp>
         <p:nvCxnSpPr>
-          <p:cNvPr id="7" name="Straight Arrow Connector 6"/>
+          <p:cNvPr id="44" name="Straight Arrow Connector 43"/>
           <p:cNvCxnSpPr/>
           <p:nvPr/>
         </p:nvCxnSpPr>
         <p:spPr>
           <a:xfrm>
-            <a:off x="3582444" y="3219189"/>
-            <a:ext cx="0" cy="1603331"/>
+            <a:off x="2711631" y="5624734"/>
+            <a:ext cx="1058509" cy="16412"/>
           </a:xfrm>
           <a:prstGeom prst="straightConnector1">
             <a:avLst/>
           </a:prstGeom>
-          <a:ln w="53975">
+          <a:ln w="22225">
             <a:solidFill>
-              <a:srgbClr val="1A8A14"/>
+              <a:srgbClr val="00B0F0"/>
             </a:solidFill>
             <a:tailEnd type="triangle"/>
           </a:ln>
@@ -13056,21 +12953,93 @@
       </p:cxnSp>
       <p:cxnSp>
         <p:nvCxnSpPr>
-          <p:cNvPr id="8" name="Straight Arrow Connector 7"/>
+          <p:cNvPr id="45" name="Straight Arrow Connector 44"/>
           <p:cNvCxnSpPr/>
           <p:nvPr/>
         </p:nvCxnSpPr>
         <p:spPr>
           <a:xfrm>
-            <a:off x="8480121" y="3219189"/>
-            <a:ext cx="25052" cy="1565754"/>
+            <a:off x="5625570" y="5920151"/>
+            <a:ext cx="1003077" cy="0"/>
           </a:xfrm>
           <a:prstGeom prst="straightConnector1">
             <a:avLst/>
           </a:prstGeom>
-          <a:ln w="53975">
+          <a:ln w="22225">
             <a:solidFill>
-              <a:srgbClr val="1A8A14"/>
+              <a:srgbClr val="00B0F0"/>
+            </a:solidFill>
+            <a:tailEnd type="triangle"/>
+          </a:ln>
+        </p:spPr>
+        <p:style>
+          <a:lnRef idx="1">
+            <a:schemeClr val="accent1"/>
+          </a:lnRef>
+          <a:fillRef idx="0">
+            <a:schemeClr val="accent1"/>
+          </a:fillRef>
+          <a:effectRef idx="0">
+            <a:schemeClr val="accent1"/>
+          </a:effectRef>
+          <a:fontRef idx="minor">
+            <a:schemeClr val="tx1"/>
+          </a:fontRef>
+        </p:style>
+      </p:cxnSp>
+      <p:cxnSp>
+        <p:nvCxnSpPr>
+          <p:cNvPr id="46" name="Straight Arrow Connector 45"/>
+          <p:cNvCxnSpPr/>
+          <p:nvPr/>
+        </p:nvCxnSpPr>
+        <p:spPr>
+          <a:xfrm>
+            <a:off x="7073964" y="2679856"/>
+            <a:ext cx="23394" cy="879269"/>
+          </a:xfrm>
+          <a:prstGeom prst="straightConnector1">
+            <a:avLst/>
+          </a:prstGeom>
+          <a:ln w="22225">
+            <a:solidFill>
+              <a:srgbClr val="00B0F0"/>
+            </a:solidFill>
+            <a:tailEnd type="triangle"/>
+          </a:ln>
+        </p:spPr>
+        <p:style>
+          <a:lnRef idx="1">
+            <a:schemeClr val="accent1"/>
+          </a:lnRef>
+          <a:fillRef idx="0">
+            <a:schemeClr val="accent1"/>
+          </a:fillRef>
+          <a:effectRef idx="0">
+            <a:schemeClr val="accent1"/>
+          </a:effectRef>
+          <a:fontRef idx="minor">
+            <a:schemeClr val="tx1"/>
+          </a:fontRef>
+        </p:style>
+      </p:cxnSp>
+      <p:cxnSp>
+        <p:nvCxnSpPr>
+          <p:cNvPr id="47" name="Straight Arrow Connector 46"/>
+          <p:cNvCxnSpPr/>
+          <p:nvPr/>
+        </p:nvCxnSpPr>
+        <p:spPr>
+          <a:xfrm flipH="1" flipV="1">
+            <a:off x="6916795" y="2679856"/>
+            <a:ext cx="35118" cy="879269"/>
+          </a:xfrm>
+          <a:prstGeom prst="straightConnector1">
+            <a:avLst/>
+          </a:prstGeom>
+          <a:ln w="22225">
+            <a:solidFill>
+              <a:srgbClr val="00B0F0"/>
             </a:solidFill>
             <a:tailEnd type="triangle"/>
           </a:ln>
@@ -13097,14 +13066,14 @@
           <p:nvPr/>
         </p:nvCxnSpPr>
         <p:spPr>
-          <a:xfrm flipH="1" flipV="1">
-            <a:off x="6555545" y="3847693"/>
-            <a:ext cx="1069719" cy="584912"/>
+          <a:xfrm>
+            <a:off x="2697563" y="5781821"/>
+            <a:ext cx="1058509" cy="16412"/>
           </a:xfrm>
           <a:prstGeom prst="straightConnector1">
             <a:avLst/>
           </a:prstGeom>
-          <a:ln w="53975">
+          <a:ln w="22225">
             <a:solidFill>
               <a:srgbClr val="C00000"/>
             </a:solidFill>
@@ -13128,19 +13097,19 @@
       </p:cxnSp>
       <p:cxnSp>
         <p:nvCxnSpPr>
-          <p:cNvPr id="58" name="Straight Arrow Connector 57"/>
+          <p:cNvPr id="49" name="Straight Arrow Connector 48"/>
           <p:cNvCxnSpPr/>
           <p:nvPr/>
         </p:nvCxnSpPr>
         <p:spPr>
           <a:xfrm flipV="1">
-            <a:off x="4470411" y="3939933"/>
-            <a:ext cx="1230277" cy="522121"/>
+            <a:off x="4417255" y="4055009"/>
+            <a:ext cx="2295798" cy="1041414"/>
           </a:xfrm>
           <a:prstGeom prst="straightConnector1">
             <a:avLst/>
           </a:prstGeom>
-          <a:ln w="53975">
+          <a:ln w="22225">
             <a:solidFill>
               <a:srgbClr val="00B0F0"/>
             </a:solidFill>
@@ -13164,19 +13133,319 @@
       </p:cxnSp>
       <p:cxnSp>
         <p:nvCxnSpPr>
-          <p:cNvPr id="53" name="Straight Arrow Connector 52"/>
+          <p:cNvPr id="50" name="Straight Arrow Connector 49"/>
           <p:cNvCxnSpPr/>
           <p:nvPr/>
         </p:nvCxnSpPr>
         <p:spPr>
-          <a:xfrm flipH="1" flipV="1">
-            <a:off x="4084454" y="2745780"/>
-            <a:ext cx="1721809" cy="791229"/>
+          <a:xfrm flipH="1">
+            <a:off x="5085522" y="4266095"/>
+            <a:ext cx="1543125" cy="675828"/>
           </a:xfrm>
           <a:prstGeom prst="straightConnector1">
             <a:avLst/>
           </a:prstGeom>
-          <a:ln w="53975">
+          <a:ln w="22225">
+            <a:solidFill>
+              <a:srgbClr val="00B0F0"/>
+            </a:solidFill>
+            <a:tailEnd type="triangle"/>
+          </a:ln>
+        </p:spPr>
+        <p:style>
+          <a:lnRef idx="1">
+            <a:schemeClr val="accent1"/>
+          </a:lnRef>
+          <a:fillRef idx="0">
+            <a:schemeClr val="accent1"/>
+          </a:fillRef>
+          <a:effectRef idx="0">
+            <a:schemeClr val="accent1"/>
+          </a:effectRef>
+          <a:fontRef idx="minor">
+            <a:schemeClr val="tx1"/>
+          </a:fontRef>
+        </p:style>
+      </p:cxnSp>
+      <p:cxnSp>
+        <p:nvCxnSpPr>
+          <p:cNvPr id="51" name="Straight Arrow Connector 50"/>
+          <p:cNvCxnSpPr/>
+          <p:nvPr/>
+        </p:nvCxnSpPr>
+        <p:spPr>
+          <a:xfrm>
+            <a:off x="5588282" y="5458262"/>
+            <a:ext cx="1003077" cy="0"/>
+          </a:xfrm>
+          <a:prstGeom prst="straightConnector1">
+            <a:avLst/>
+          </a:prstGeom>
+          <a:ln w="22225">
+            <a:solidFill>
+              <a:srgbClr val="C00000"/>
+            </a:solidFill>
+            <a:tailEnd type="triangle"/>
+          </a:ln>
+        </p:spPr>
+        <p:style>
+          <a:lnRef idx="1">
+            <a:schemeClr val="accent1"/>
+          </a:lnRef>
+          <a:fillRef idx="0">
+            <a:schemeClr val="accent1"/>
+          </a:fillRef>
+          <a:effectRef idx="0">
+            <a:schemeClr val="accent1"/>
+          </a:effectRef>
+          <a:fontRef idx="minor">
+            <a:schemeClr val="tx1"/>
+          </a:fontRef>
+        </p:style>
+      </p:cxnSp>
+      <p:sp>
+        <p:nvSpPr>
+          <p:cNvPr id="54" name="TextBox 53"/>
+          <p:cNvSpPr txBox="1"/>
+          <p:nvPr/>
+        </p:nvSpPr>
+        <p:spPr>
+          <a:xfrm>
+            <a:off x="7072259" y="3322542"/>
+            <a:ext cx="298480" cy="307777"/>
+          </a:xfrm>
+          <a:prstGeom prst="rect">
+            <a:avLst/>
+          </a:prstGeom>
+          <a:noFill/>
+        </p:spPr>
+        <p:txBody>
+          <a:bodyPr wrap="none" rtlCol="0">
+            <a:spAutoFit/>
+          </a:bodyPr>
+          <a:lstStyle/>
+          <a:p>
+            <a:r>
+              <a:rPr lang="en-US" sz="1400" dirty="0">
+                <a:solidFill>
+                  <a:srgbClr val="00B0F0"/>
+                </a:solidFill>
+              </a:rPr>
+              <a:t>4</a:t>
+            </a:r>
+            <a:endParaRPr lang="en-US" sz="1400" dirty="0">
+              <a:solidFill>
+                <a:srgbClr val="00B0F0"/>
+              </a:solidFill>
+            </a:endParaRPr>
+          </a:p>
+        </p:txBody>
+      </p:sp>
+      <p:sp>
+        <p:nvSpPr>
+          <p:cNvPr id="64" name="TextBox 63"/>
+          <p:cNvSpPr txBox="1"/>
+          <p:nvPr/>
+        </p:nvSpPr>
+        <p:spPr>
+          <a:xfrm>
+            <a:off x="3444991" y="5367246"/>
+            <a:ext cx="298480" cy="307777"/>
+          </a:xfrm>
+          <a:prstGeom prst="rect">
+            <a:avLst/>
+          </a:prstGeom>
+          <a:noFill/>
+        </p:spPr>
+        <p:txBody>
+          <a:bodyPr wrap="none" rtlCol="0">
+            <a:spAutoFit/>
+          </a:bodyPr>
+          <a:lstStyle/>
+          <a:p>
+            <a:r>
+              <a:rPr lang="en-US" sz="1400" dirty="0">
+                <a:solidFill>
+                  <a:srgbClr val="00B0F0"/>
+                </a:solidFill>
+              </a:rPr>
+              <a:t>1</a:t>
+            </a:r>
+            <a:endParaRPr lang="en-US" sz="1400" dirty="0">
+              <a:solidFill>
+                <a:srgbClr val="00B0F0"/>
+              </a:solidFill>
+            </a:endParaRPr>
+          </a:p>
+        </p:txBody>
+      </p:sp>
+      <p:sp>
+        <p:nvSpPr>
+          <p:cNvPr id="65" name="TextBox 64"/>
+          <p:cNvSpPr txBox="1"/>
+          <p:nvPr/>
+        </p:nvSpPr>
+        <p:spPr>
+          <a:xfrm>
+            <a:off x="6351212" y="3824983"/>
+            <a:ext cx="298480" cy="307777"/>
+          </a:xfrm>
+          <a:prstGeom prst="rect">
+            <a:avLst/>
+          </a:prstGeom>
+          <a:noFill/>
+        </p:spPr>
+        <p:txBody>
+          <a:bodyPr wrap="none" rtlCol="0">
+            <a:spAutoFit/>
+          </a:bodyPr>
+          <a:lstStyle/>
+          <a:p>
+            <a:r>
+              <a:rPr lang="en-US" sz="1400" dirty="0">
+                <a:solidFill>
+                  <a:srgbClr val="00B0F0"/>
+                </a:solidFill>
+              </a:rPr>
+              <a:t>2</a:t>
+            </a:r>
+            <a:endParaRPr lang="en-US" sz="1400" dirty="0">
+              <a:solidFill>
+                <a:srgbClr val="00B0F0"/>
+              </a:solidFill>
+            </a:endParaRPr>
+          </a:p>
+        </p:txBody>
+      </p:sp>
+      <p:sp>
+        <p:nvSpPr>
+          <p:cNvPr id="66" name="TextBox 65"/>
+          <p:cNvSpPr txBox="1"/>
+          <p:nvPr/>
+        </p:nvSpPr>
+        <p:spPr>
+          <a:xfrm>
+            <a:off x="6653701" y="2625333"/>
+            <a:ext cx="298480" cy="307777"/>
+          </a:xfrm>
+          <a:prstGeom prst="rect">
+            <a:avLst/>
+          </a:prstGeom>
+          <a:noFill/>
+        </p:spPr>
+        <p:txBody>
+          <a:bodyPr wrap="none" rtlCol="0">
+            <a:spAutoFit/>
+          </a:bodyPr>
+          <a:lstStyle/>
+          <a:p>
+            <a:r>
+              <a:rPr lang="en-US" sz="1400" dirty="0" smtClean="0">
+                <a:solidFill>
+                  <a:srgbClr val="00B0F0"/>
+                </a:solidFill>
+              </a:rPr>
+              <a:t>3</a:t>
+            </a:r>
+            <a:endParaRPr lang="en-US" sz="1400" dirty="0">
+              <a:solidFill>
+                <a:srgbClr val="00B0F0"/>
+              </a:solidFill>
+            </a:endParaRPr>
+          </a:p>
+        </p:txBody>
+      </p:sp>
+      <p:sp>
+        <p:nvSpPr>
+          <p:cNvPr id="67" name="TextBox 66"/>
+          <p:cNvSpPr txBox="1"/>
+          <p:nvPr/>
+        </p:nvSpPr>
+        <p:spPr>
+          <a:xfrm>
+            <a:off x="5234677" y="4826514"/>
+            <a:ext cx="298480" cy="307777"/>
+          </a:xfrm>
+          <a:prstGeom prst="rect">
+            <a:avLst/>
+          </a:prstGeom>
+          <a:noFill/>
+        </p:spPr>
+        <p:txBody>
+          <a:bodyPr wrap="none" rtlCol="0">
+            <a:spAutoFit/>
+          </a:bodyPr>
+          <a:lstStyle/>
+          <a:p>
+            <a:r>
+              <a:rPr lang="en-US" sz="1400" dirty="0" smtClean="0">
+                <a:solidFill>
+                  <a:srgbClr val="00B0F0"/>
+                </a:solidFill>
+              </a:rPr>
+              <a:t>5</a:t>
+            </a:r>
+            <a:endParaRPr lang="en-US" sz="1400" dirty="0">
+              <a:solidFill>
+                <a:srgbClr val="00B0F0"/>
+              </a:solidFill>
+            </a:endParaRPr>
+          </a:p>
+        </p:txBody>
+      </p:sp>
+      <p:sp>
+        <p:nvSpPr>
+          <p:cNvPr id="68" name="TextBox 67"/>
+          <p:cNvSpPr txBox="1"/>
+          <p:nvPr/>
+        </p:nvSpPr>
+        <p:spPr>
+          <a:xfrm>
+            <a:off x="6399311" y="5922499"/>
+            <a:ext cx="298480" cy="307777"/>
+          </a:xfrm>
+          <a:prstGeom prst="rect">
+            <a:avLst/>
+          </a:prstGeom>
+          <a:noFill/>
+        </p:spPr>
+        <p:txBody>
+          <a:bodyPr wrap="none" rtlCol="0">
+            <a:spAutoFit/>
+          </a:bodyPr>
+          <a:lstStyle/>
+          <a:p>
+            <a:r>
+              <a:rPr lang="en-US" sz="1400" dirty="0">
+                <a:solidFill>
+                  <a:srgbClr val="00B0F0"/>
+                </a:solidFill>
+              </a:rPr>
+              <a:t>6</a:t>
+            </a:r>
+            <a:endParaRPr lang="en-US" sz="1400" dirty="0">
+              <a:solidFill>
+                <a:srgbClr val="00B0F0"/>
+              </a:solidFill>
+            </a:endParaRPr>
+          </a:p>
+        </p:txBody>
+      </p:sp>
+      <p:cxnSp>
+        <p:nvCxnSpPr>
+          <p:cNvPr id="73" name="Straight Arrow Connector 72"/>
+          <p:cNvCxnSpPr/>
+          <p:nvPr/>
+        </p:nvCxnSpPr>
+        <p:spPr>
+          <a:xfrm flipV="1">
+            <a:off x="5383917" y="4480844"/>
+            <a:ext cx="1614811" cy="655369"/>
+          </a:xfrm>
+          <a:prstGeom prst="straightConnector1">
+            <a:avLst/>
+          </a:prstGeom>
+          <a:ln w="22225">
             <a:solidFill>
               <a:srgbClr val="C00000"/>
             </a:solidFill>
@@ -13200,19 +13469,457 @@
       </p:cxnSp>
       <p:cxnSp>
         <p:nvCxnSpPr>
-          <p:cNvPr id="55" name="Straight Arrow Connector 54"/>
+          <p:cNvPr id="74" name="Straight Arrow Connector 73"/>
           <p:cNvCxnSpPr/>
           <p:nvPr/>
         </p:nvCxnSpPr>
         <p:spPr>
-          <a:xfrm flipV="1">
-            <a:off x="6555545" y="2654029"/>
-            <a:ext cx="1335852" cy="853320"/>
+          <a:xfrm flipH="1">
+            <a:off x="5588283" y="5769053"/>
+            <a:ext cx="1040364" cy="12588"/>
           </a:xfrm>
           <a:prstGeom prst="straightConnector1">
             <a:avLst/>
           </a:prstGeom>
-          <a:ln w="53975">
+          <a:ln w="22225">
+            <a:solidFill>
+              <a:srgbClr val="C00000"/>
+            </a:solidFill>
+            <a:tailEnd type="triangle"/>
+          </a:ln>
+        </p:spPr>
+        <p:style>
+          <a:lnRef idx="1">
+            <a:schemeClr val="accent1"/>
+          </a:lnRef>
+          <a:fillRef idx="0">
+            <a:schemeClr val="accent1"/>
+          </a:fillRef>
+          <a:effectRef idx="0">
+            <a:schemeClr val="accent1"/>
+          </a:effectRef>
+          <a:fontRef idx="minor">
+            <a:schemeClr val="tx1"/>
+          </a:fontRef>
+        </p:style>
+      </p:cxnSp>
+      <p:sp>
+        <p:nvSpPr>
+          <p:cNvPr id="83" name="TextBox 82"/>
+          <p:cNvSpPr txBox="1"/>
+          <p:nvPr/>
+        </p:nvSpPr>
+        <p:spPr>
+          <a:xfrm>
+            <a:off x="3421602" y="5790027"/>
+            <a:ext cx="298480" cy="307777"/>
+          </a:xfrm>
+          <a:prstGeom prst="rect">
+            <a:avLst/>
+          </a:prstGeom>
+          <a:noFill/>
+        </p:spPr>
+        <p:txBody>
+          <a:bodyPr wrap="none" rtlCol="0">
+            <a:spAutoFit/>
+          </a:bodyPr>
+          <a:lstStyle/>
+          <a:p>
+            <a:r>
+              <a:rPr lang="en-US" sz="1400" dirty="0">
+                <a:solidFill>
+                  <a:srgbClr val="C00000"/>
+                </a:solidFill>
+              </a:rPr>
+              <a:t>1</a:t>
+            </a:r>
+            <a:endParaRPr lang="en-US" sz="1400" dirty="0">
+              <a:solidFill>
+                <a:srgbClr val="C00000"/>
+              </a:solidFill>
+            </a:endParaRPr>
+          </a:p>
+        </p:txBody>
+      </p:sp>
+      <p:sp>
+        <p:nvSpPr>
+          <p:cNvPr id="84" name="TextBox 83"/>
+          <p:cNvSpPr txBox="1"/>
+          <p:nvPr/>
+        </p:nvSpPr>
+        <p:spPr>
+          <a:xfrm>
+            <a:off x="6341175" y="5172325"/>
+            <a:ext cx="298480" cy="307777"/>
+          </a:xfrm>
+          <a:prstGeom prst="rect">
+            <a:avLst/>
+          </a:prstGeom>
+          <a:noFill/>
+        </p:spPr>
+        <p:txBody>
+          <a:bodyPr wrap="none" rtlCol="0">
+            <a:spAutoFit/>
+          </a:bodyPr>
+          <a:lstStyle/>
+          <a:p>
+            <a:r>
+              <a:rPr lang="en-US" sz="1400" dirty="0" smtClean="0">
+                <a:solidFill>
+                  <a:srgbClr val="C00000"/>
+                </a:solidFill>
+              </a:rPr>
+              <a:t>2</a:t>
+            </a:r>
+            <a:endParaRPr lang="en-US" sz="1400" dirty="0">
+              <a:solidFill>
+                <a:srgbClr val="C00000"/>
+              </a:solidFill>
+            </a:endParaRPr>
+          </a:p>
+        </p:txBody>
+      </p:sp>
+      <p:sp>
+        <p:nvSpPr>
+          <p:cNvPr id="85" name="TextBox 84"/>
+          <p:cNvSpPr txBox="1"/>
+          <p:nvPr/>
+        </p:nvSpPr>
+        <p:spPr>
+          <a:xfrm>
+            <a:off x="5484815" y="5493329"/>
+            <a:ext cx="298480" cy="307777"/>
+          </a:xfrm>
+          <a:prstGeom prst="rect">
+            <a:avLst/>
+          </a:prstGeom>
+          <a:noFill/>
+        </p:spPr>
+        <p:txBody>
+          <a:bodyPr wrap="none" rtlCol="0">
+            <a:spAutoFit/>
+          </a:bodyPr>
+          <a:lstStyle/>
+          <a:p>
+            <a:r>
+              <a:rPr lang="en-US" sz="1400" dirty="0" smtClean="0">
+                <a:solidFill>
+                  <a:srgbClr val="C00000"/>
+                </a:solidFill>
+              </a:rPr>
+              <a:t>3</a:t>
+            </a:r>
+            <a:endParaRPr lang="en-US" sz="1400" dirty="0">
+              <a:solidFill>
+                <a:srgbClr val="C00000"/>
+              </a:solidFill>
+            </a:endParaRPr>
+          </a:p>
+        </p:txBody>
+      </p:sp>
+      <p:sp>
+        <p:nvSpPr>
+          <p:cNvPr id="86" name="TextBox 85"/>
+          <p:cNvSpPr txBox="1"/>
+          <p:nvPr/>
+        </p:nvSpPr>
+        <p:spPr>
+          <a:xfrm>
+            <a:off x="6780333" y="4520068"/>
+            <a:ext cx="298480" cy="307777"/>
+          </a:xfrm>
+          <a:prstGeom prst="rect">
+            <a:avLst/>
+          </a:prstGeom>
+          <a:noFill/>
+        </p:spPr>
+        <p:txBody>
+          <a:bodyPr wrap="none" rtlCol="0">
+            <a:spAutoFit/>
+          </a:bodyPr>
+          <a:lstStyle/>
+          <a:p>
+            <a:r>
+              <a:rPr lang="en-US" sz="1400" dirty="0" smtClean="0">
+                <a:solidFill>
+                  <a:srgbClr val="C00000"/>
+                </a:solidFill>
+              </a:rPr>
+              <a:t>4</a:t>
+            </a:r>
+            <a:endParaRPr lang="en-US" sz="1400" dirty="0">
+              <a:solidFill>
+                <a:srgbClr val="C00000"/>
+              </a:solidFill>
+            </a:endParaRPr>
+          </a:p>
+        </p:txBody>
+      </p:sp>
+      <p:cxnSp>
+        <p:nvCxnSpPr>
+          <p:cNvPr id="87" name="Straight Arrow Connector 86"/>
+          <p:cNvCxnSpPr/>
+          <p:nvPr/>
+        </p:nvCxnSpPr>
+        <p:spPr>
+          <a:xfrm flipH="1" flipV="1">
+            <a:off x="7406409" y="2679856"/>
+            <a:ext cx="58694" cy="991052"/>
+          </a:xfrm>
+          <a:prstGeom prst="straightConnector1">
+            <a:avLst/>
+          </a:prstGeom>
+          <a:ln w="22225">
+            <a:solidFill>
+              <a:srgbClr val="C00000"/>
+            </a:solidFill>
+            <a:tailEnd type="triangle"/>
+          </a:ln>
+        </p:spPr>
+        <p:style>
+          <a:lnRef idx="1">
+            <a:schemeClr val="accent1"/>
+          </a:lnRef>
+          <a:fillRef idx="0">
+            <a:schemeClr val="accent1"/>
+          </a:fillRef>
+          <a:effectRef idx="0">
+            <a:schemeClr val="accent1"/>
+          </a:effectRef>
+          <a:fontRef idx="minor">
+            <a:schemeClr val="tx1"/>
+          </a:fontRef>
+        </p:style>
+      </p:cxnSp>
+      <p:sp>
+        <p:nvSpPr>
+          <p:cNvPr id="89" name="TextBox 88"/>
+          <p:cNvSpPr txBox="1"/>
+          <p:nvPr/>
+        </p:nvSpPr>
+        <p:spPr>
+          <a:xfrm>
+            <a:off x="7364205" y="2632369"/>
+            <a:ext cx="298480" cy="307777"/>
+          </a:xfrm>
+          <a:prstGeom prst="rect">
+            <a:avLst/>
+          </a:prstGeom>
+          <a:noFill/>
+        </p:spPr>
+        <p:txBody>
+          <a:bodyPr wrap="none" rtlCol="0">
+            <a:spAutoFit/>
+          </a:bodyPr>
+          <a:lstStyle/>
+          <a:p>
+            <a:r>
+              <a:rPr lang="en-US" sz="1400" dirty="0">
+                <a:solidFill>
+                  <a:srgbClr val="C00000"/>
+                </a:solidFill>
+              </a:rPr>
+              <a:t>5</a:t>
+            </a:r>
+            <a:endParaRPr lang="en-US" sz="1400" dirty="0">
+              <a:solidFill>
+                <a:srgbClr val="C00000"/>
+              </a:solidFill>
+            </a:endParaRPr>
+          </a:p>
+        </p:txBody>
+      </p:sp>
+      <p:pic>
+        <p:nvPicPr>
+          <p:cNvPr id="92" name="Picture 91"/>
+          <p:cNvPicPr>
+            <a:picLocks noChangeAspect="1"/>
+          </p:cNvPicPr>
+          <p:nvPr/>
+        </p:nvPicPr>
+        <p:blipFill>
+          <a:blip r:embed="rId3">
+            <a:extLst>
+              <a:ext uri="{28A0092B-C50C-407E-A947-70E740481C1C}">
+                <a14:useLocalDpi xmlns:a14="http://schemas.microsoft.com/office/drawing/2010/main" val="0"/>
+              </a:ext>
+            </a:extLst>
+          </a:blip>
+          <a:stretch>
+            <a:fillRect/>
+          </a:stretch>
+        </p:blipFill>
+        <p:spPr>
+          <a:xfrm>
+            <a:off x="3080798" y="5248439"/>
+            <a:ext cx="208973" cy="330874"/>
+          </a:xfrm>
+          <a:prstGeom prst="rect">
+            <a:avLst/>
+          </a:prstGeom>
+        </p:spPr>
+      </p:pic>
+      <p:pic>
+        <p:nvPicPr>
+          <p:cNvPr id="93" name="Picture 92"/>
+          <p:cNvPicPr>
+            <a:picLocks noChangeAspect="1"/>
+          </p:cNvPicPr>
+          <p:nvPr/>
+        </p:nvPicPr>
+        <p:blipFill>
+          <a:blip r:embed="rId4">
+            <a:extLst>
+              <a:ext uri="{28A0092B-C50C-407E-A947-70E740481C1C}">
+                <a14:useLocalDpi xmlns:a14="http://schemas.microsoft.com/office/drawing/2010/main" val="0"/>
+              </a:ext>
+            </a:extLst>
+          </a:blip>
+          <a:stretch>
+            <a:fillRect/>
+          </a:stretch>
+        </p:blipFill>
+        <p:spPr>
+          <a:xfrm>
+            <a:off x="3167634" y="1736058"/>
+            <a:ext cx="283280" cy="396593"/>
+          </a:xfrm>
+          <a:prstGeom prst="rect">
+            <a:avLst/>
+          </a:prstGeom>
+        </p:spPr>
+      </p:pic>
+      <p:pic>
+        <p:nvPicPr>
+          <p:cNvPr id="94" name="Picture 93"/>
+          <p:cNvPicPr>
+            <a:picLocks noChangeAspect="1"/>
+          </p:cNvPicPr>
+          <p:nvPr/>
+        </p:nvPicPr>
+        <p:blipFill>
+          <a:blip r:embed="rId5">
+            <a:extLst>
+              <a:ext uri="{28A0092B-C50C-407E-A947-70E740481C1C}">
+                <a14:useLocalDpi xmlns:a14="http://schemas.microsoft.com/office/drawing/2010/main" val="0"/>
+              </a:ext>
+            </a:extLst>
+          </a:blip>
+          <a:stretch>
+            <a:fillRect/>
+          </a:stretch>
+        </p:blipFill>
+        <p:spPr>
+          <a:xfrm>
+            <a:off x="5857084" y="1803582"/>
+            <a:ext cx="300615" cy="287823"/>
+          </a:xfrm>
+          <a:prstGeom prst="rect">
+            <a:avLst/>
+          </a:prstGeom>
+        </p:spPr>
+      </p:pic>
+      <p:pic>
+        <p:nvPicPr>
+          <p:cNvPr id="95" name="Picture 94"/>
+          <p:cNvPicPr>
+            <a:picLocks noChangeAspect="1"/>
+          </p:cNvPicPr>
+          <p:nvPr/>
+        </p:nvPicPr>
+        <p:blipFill>
+          <a:blip r:embed="rId5">
+            <a:extLst>
+              <a:ext uri="{28A0092B-C50C-407E-A947-70E740481C1C}">
+                <a14:useLocalDpi xmlns:a14="http://schemas.microsoft.com/office/drawing/2010/main" val="0"/>
+              </a:ext>
+            </a:extLst>
+          </a:blip>
+          <a:stretch>
+            <a:fillRect/>
+          </a:stretch>
+        </p:blipFill>
+        <p:spPr>
+          <a:xfrm>
+            <a:off x="6040560" y="5149405"/>
+            <a:ext cx="300615" cy="287823"/>
+          </a:xfrm>
+          <a:prstGeom prst="rect">
+            <a:avLst/>
+          </a:prstGeom>
+        </p:spPr>
+      </p:pic>
+      <p:sp>
+        <p:nvSpPr>
+          <p:cNvPr id="98" name="Rounded Rectangle 97"/>
+          <p:cNvSpPr/>
+          <p:nvPr/>
+        </p:nvSpPr>
+        <p:spPr>
+          <a:xfrm>
+            <a:off x="8914724" y="2581218"/>
+            <a:ext cx="2531040" cy="1473791"/>
+          </a:xfrm>
+          <a:prstGeom prst="roundRect">
+            <a:avLst/>
+          </a:prstGeom>
+          <a:noFill/>
+          <a:ln>
+            <a:solidFill>
+              <a:srgbClr val="0070C0"/>
+            </a:solidFill>
+          </a:ln>
+        </p:spPr>
+        <p:style>
+          <a:lnRef idx="2">
+            <a:schemeClr val="accent6"/>
+          </a:lnRef>
+          <a:fillRef idx="1">
+            <a:schemeClr val="lt1"/>
+          </a:fillRef>
+          <a:effectRef idx="0">
+            <a:schemeClr val="accent6"/>
+          </a:effectRef>
+          <a:fontRef idx="minor">
+            <a:schemeClr val="dk1"/>
+          </a:fontRef>
+        </p:style>
+        <p:txBody>
+          <a:bodyPr rtlCol="0" anchor="ctr"/>
+          <a:lstStyle/>
+          <a:p>
+            <a:pPr algn="ctr"/>
+            <a:endParaRPr lang="en-US">
+              <a:ln w="0"/>
+              <a:solidFill>
+                <a:schemeClr val="tx1"/>
+              </a:solidFill>
+              <a:effectLst>
+                <a:outerShdw blurRad="38100" dist="19050" dir="2700000" algn="tl" rotWithShape="0">
+                  <a:schemeClr val="dk1">
+                    <a:alpha val="40000"/>
+                  </a:schemeClr>
+                </a:outerShdw>
+              </a:effectLst>
+            </a:endParaRPr>
+          </a:p>
+        </p:txBody>
+      </p:sp>
+      <p:cxnSp>
+        <p:nvCxnSpPr>
+          <p:cNvPr id="99" name="Straight Arrow Connector 98"/>
+          <p:cNvCxnSpPr/>
+          <p:nvPr/>
+        </p:nvCxnSpPr>
+        <p:spPr>
+          <a:xfrm>
+            <a:off x="9035289" y="2798624"/>
+            <a:ext cx="667512" cy="0"/>
+          </a:xfrm>
+          <a:prstGeom prst="straightConnector1">
+            <a:avLst/>
+          </a:prstGeom>
+          <a:ln w="38100">
             <a:solidFill>
               <a:srgbClr val="00B0F0"/>
             </a:solidFill>
@@ -13234,864 +13941,186 @@
           </a:fontRef>
         </p:style>
       </p:cxnSp>
-      <p:grpSp>
-        <p:nvGrpSpPr>
-          <p:cNvPr id="11" name="Group 10"/>
-          <p:cNvGrpSpPr/>
+      <p:cxnSp>
+        <p:nvCxnSpPr>
+          <p:cNvPr id="100" name="Straight Arrow Connector 99"/>
+          <p:cNvCxnSpPr/>
           <p:nvPr/>
-        </p:nvGrpSpPr>
-        <p:grpSpPr>
+        </p:nvCxnSpPr>
+        <p:spPr>
           <a:xfrm>
-            <a:off x="3426043" y="4950557"/>
-            <a:ext cx="4389817" cy="1233918"/>
-            <a:chOff x="3432132" y="5223353"/>
-            <a:chExt cx="4676818" cy="1228247"/>
+            <a:off x="9024851" y="3307920"/>
+            <a:ext cx="662563" cy="12142"/>
           </a:xfrm>
-        </p:grpSpPr>
-        <p:cxnSp>
-          <p:nvCxnSpPr>
-            <p:cNvPr id="12" name="Straight Connector 11"/>
-            <p:cNvCxnSpPr/>
-            <p:nvPr/>
-          </p:nvCxnSpPr>
-          <p:spPr>
-            <a:xfrm>
-              <a:off x="3432132" y="5223353"/>
-              <a:ext cx="701457" cy="0"/>
-            </a:xfrm>
-            <a:prstGeom prst="line">
-              <a:avLst/>
-            </a:prstGeom>
-            <a:ln w="31750">
+          <a:prstGeom prst="straightConnector1">
+            <a:avLst/>
+          </a:prstGeom>
+          <a:ln w="38100">
+            <a:solidFill>
+              <a:srgbClr val="C00000"/>
+            </a:solidFill>
+            <a:tailEnd type="triangle"/>
+          </a:ln>
+        </p:spPr>
+        <p:style>
+          <a:lnRef idx="1">
+            <a:schemeClr val="accent1"/>
+          </a:lnRef>
+          <a:fillRef idx="0">
+            <a:schemeClr val="accent1"/>
+          </a:fillRef>
+          <a:effectRef idx="0">
+            <a:schemeClr val="accent1"/>
+          </a:effectRef>
+          <a:fontRef idx="minor">
+            <a:schemeClr val="tx1"/>
+          </a:fontRef>
+        </p:style>
+      </p:cxnSp>
+      <p:cxnSp>
+        <p:nvCxnSpPr>
+          <p:cNvPr id="101" name="Straight Arrow Connector 100"/>
+          <p:cNvCxnSpPr/>
+          <p:nvPr/>
+        </p:nvCxnSpPr>
+        <p:spPr>
+          <a:xfrm>
+            <a:off x="9037377" y="3804144"/>
+            <a:ext cx="667512" cy="0"/>
+          </a:xfrm>
+          <a:prstGeom prst="straightConnector1">
+            <a:avLst/>
+          </a:prstGeom>
+          <a:ln w="38100">
+            <a:solidFill>
+              <a:srgbClr val="00B050"/>
+            </a:solidFill>
+            <a:tailEnd type="triangle"/>
+          </a:ln>
+        </p:spPr>
+        <p:style>
+          <a:lnRef idx="1">
+            <a:schemeClr val="accent1"/>
+          </a:lnRef>
+          <a:fillRef idx="0">
+            <a:schemeClr val="accent1"/>
+          </a:fillRef>
+          <a:effectRef idx="0">
+            <a:schemeClr val="accent1"/>
+          </a:effectRef>
+          <a:fontRef idx="minor">
+            <a:schemeClr val="tx1"/>
+          </a:fontRef>
+        </p:style>
+      </p:cxnSp>
+      <p:sp>
+        <p:nvSpPr>
+          <p:cNvPr id="102" name="TextBox 101"/>
+          <p:cNvSpPr txBox="1"/>
+          <p:nvPr/>
+        </p:nvSpPr>
+        <p:spPr>
+          <a:xfrm>
+            <a:off x="9702800" y="2672012"/>
+            <a:ext cx="2594303" cy="1323439"/>
+          </a:xfrm>
+          <a:prstGeom prst="rect">
+            <a:avLst/>
+          </a:prstGeom>
+          <a:noFill/>
+        </p:spPr>
+        <p:txBody>
+          <a:bodyPr wrap="square" rtlCol="0">
+            <a:spAutoFit/>
+          </a:bodyPr>
+          <a:lstStyle/>
+          <a:p>
+            <a:r>
+              <a:rPr lang="en-US" sz="1600" dirty="0" smtClean="0">
+                <a:solidFill>
+                  <a:srgbClr val="005674"/>
+                </a:solidFill>
+              </a:rPr>
+              <a:t>Flow </a:t>
+            </a:r>
+            <a:r>
+              <a:rPr lang="en-US" sz="1600" dirty="0" err="1" smtClean="0">
+                <a:solidFill>
+                  <a:srgbClr val="005674"/>
+                </a:solidFill>
+              </a:rPr>
+              <a:t>sql</a:t>
+            </a:r>
+            <a:r>
+              <a:rPr lang="en-US" sz="1600" dirty="0" smtClean="0">
+                <a:solidFill>
+                  <a:srgbClr val="005674"/>
+                </a:solidFill>
+              </a:rPr>
+              <a:t> server</a:t>
+            </a:r>
+          </a:p>
+          <a:p>
+            <a:endParaRPr lang="en-US" sz="1600" dirty="0" smtClean="0">
               <a:solidFill>
-                <a:srgbClr val="FF0000"/>
+                <a:srgbClr val="005674"/>
               </a:solidFill>
-            </a:ln>
-          </p:spPr>
-          <p:style>
-            <a:lnRef idx="1">
-              <a:schemeClr val="accent1"/>
-            </a:lnRef>
-            <a:fillRef idx="0">
-              <a:schemeClr val="accent1"/>
-            </a:fillRef>
-            <a:effectRef idx="0">
-              <a:schemeClr val="accent1"/>
-            </a:effectRef>
-            <a:fontRef idx="minor">
-              <a:schemeClr val="tx1"/>
-            </a:fontRef>
-          </p:style>
-        </p:cxnSp>
-        <p:cxnSp>
-          <p:nvCxnSpPr>
-            <p:cNvPr id="13" name="Straight Connector 12"/>
-            <p:cNvCxnSpPr/>
-            <p:nvPr/>
-          </p:nvCxnSpPr>
-          <p:spPr>
-            <a:xfrm flipV="1">
-              <a:off x="3755982" y="5372100"/>
-              <a:ext cx="361167" cy="3654"/>
-            </a:xfrm>
-            <a:prstGeom prst="line">
-              <a:avLst/>
-            </a:prstGeom>
-            <a:ln w="31750">
+            </a:endParaRPr>
+          </a:p>
+          <a:p>
+            <a:r>
+              <a:rPr lang="en-US" sz="1600" dirty="0" smtClean="0">
+                <a:solidFill>
+                  <a:srgbClr val="005674"/>
+                </a:solidFill>
+              </a:rPr>
+              <a:t>Flow </a:t>
+            </a:r>
+            <a:r>
+              <a:rPr lang="en-US" sz="1600" dirty="0" err="1" smtClean="0">
+                <a:solidFill>
+                  <a:srgbClr val="005674"/>
+                </a:solidFill>
+              </a:rPr>
+              <a:t>sqlite</a:t>
+            </a:r>
+            <a:r>
+              <a:rPr lang="en-US" sz="1600" dirty="0" smtClean="0">
+                <a:solidFill>
+                  <a:srgbClr val="005674"/>
+                </a:solidFill>
+              </a:rPr>
+              <a:t> </a:t>
+            </a:r>
+          </a:p>
+          <a:p>
+            <a:endParaRPr lang="en-US" sz="1600" dirty="0" smtClean="0">
               <a:solidFill>
-                <a:srgbClr val="FF0000"/>
+                <a:srgbClr val="005674"/>
               </a:solidFill>
-            </a:ln>
-          </p:spPr>
-          <p:style>
-            <a:lnRef idx="1">
-              <a:schemeClr val="accent1"/>
-            </a:lnRef>
-            <a:fillRef idx="0">
-              <a:schemeClr val="accent1"/>
-            </a:fillRef>
-            <a:effectRef idx="0">
-              <a:schemeClr val="accent1"/>
-            </a:effectRef>
-            <a:fontRef idx="minor">
-              <a:schemeClr val="tx1"/>
-            </a:fontRef>
-          </p:style>
-        </p:cxnSp>
-        <p:cxnSp>
-          <p:nvCxnSpPr>
-            <p:cNvPr id="14" name="Straight Connector 13"/>
-            <p:cNvCxnSpPr/>
-            <p:nvPr/>
-          </p:nvCxnSpPr>
-          <p:spPr>
-            <a:xfrm>
-              <a:off x="4117149" y="5232400"/>
-              <a:ext cx="0" cy="139700"/>
-            </a:xfrm>
-            <a:prstGeom prst="line">
-              <a:avLst/>
-            </a:prstGeom>
-            <a:ln w="31750">
+            </a:endParaRPr>
+          </a:p>
+          <a:p>
+            <a:r>
+              <a:rPr lang="en-US" sz="1600" dirty="0" smtClean="0">
+                <a:solidFill>
+                  <a:srgbClr val="005674"/>
+                </a:solidFill>
+              </a:rPr>
+              <a:t>Using website</a:t>
+            </a:r>
+            <a:endParaRPr lang="en-US" sz="1600" dirty="0">
               <a:solidFill>
-                <a:srgbClr val="FF0000"/>
+                <a:srgbClr val="005674"/>
               </a:solidFill>
-            </a:ln>
-          </p:spPr>
-          <p:style>
-            <a:lnRef idx="1">
-              <a:schemeClr val="accent1"/>
-            </a:lnRef>
-            <a:fillRef idx="0">
-              <a:schemeClr val="accent1"/>
-            </a:fillRef>
-            <a:effectRef idx="0">
-              <a:schemeClr val="accent1"/>
-            </a:effectRef>
-            <a:fontRef idx="minor">
-              <a:schemeClr val="tx1"/>
-            </a:fontRef>
-          </p:style>
-        </p:cxnSp>
-        <p:cxnSp>
-          <p:nvCxnSpPr>
-            <p:cNvPr id="15" name="Straight Connector 14"/>
-            <p:cNvCxnSpPr/>
-            <p:nvPr/>
-          </p:nvCxnSpPr>
-          <p:spPr>
-            <a:xfrm>
-              <a:off x="4117149" y="5295900"/>
-              <a:ext cx="219901" cy="0"/>
-            </a:xfrm>
-            <a:prstGeom prst="line">
-              <a:avLst/>
-            </a:prstGeom>
-            <a:ln w="31750">
-              <a:solidFill>
-                <a:srgbClr val="FF0000"/>
-              </a:solidFill>
-            </a:ln>
-          </p:spPr>
-          <p:style>
-            <a:lnRef idx="1">
-              <a:schemeClr val="accent1"/>
-            </a:lnRef>
-            <a:fillRef idx="0">
-              <a:schemeClr val="accent1"/>
-            </a:fillRef>
-            <a:effectRef idx="0">
-              <a:schemeClr val="accent1"/>
-            </a:effectRef>
-            <a:fontRef idx="minor">
-              <a:schemeClr val="tx1"/>
-            </a:fontRef>
-          </p:style>
-        </p:cxnSp>
-        <p:cxnSp>
-          <p:nvCxnSpPr>
-            <p:cNvPr id="16" name="Straight Connector 15"/>
-            <p:cNvCxnSpPr/>
-            <p:nvPr/>
-          </p:nvCxnSpPr>
-          <p:spPr>
-            <a:xfrm flipH="1">
-              <a:off x="4324350" y="5302250"/>
-              <a:ext cx="6350" cy="1149350"/>
-            </a:xfrm>
-            <a:prstGeom prst="line">
-              <a:avLst/>
-            </a:prstGeom>
-            <a:ln w="31750">
-              <a:solidFill>
-                <a:srgbClr val="FF0000"/>
-              </a:solidFill>
-            </a:ln>
-          </p:spPr>
-          <p:style>
-            <a:lnRef idx="1">
-              <a:schemeClr val="accent1"/>
-            </a:lnRef>
-            <a:fillRef idx="0">
-              <a:schemeClr val="accent1"/>
-            </a:fillRef>
-            <a:effectRef idx="0">
-              <a:schemeClr val="accent1"/>
-            </a:effectRef>
-            <a:fontRef idx="minor">
-              <a:schemeClr val="tx1"/>
-            </a:fontRef>
-          </p:style>
-        </p:cxnSp>
-        <p:cxnSp>
-          <p:nvCxnSpPr>
-            <p:cNvPr id="17" name="Straight Connector 16"/>
-            <p:cNvCxnSpPr/>
-            <p:nvPr/>
-          </p:nvCxnSpPr>
-          <p:spPr>
-            <a:xfrm>
-              <a:off x="4324350" y="6451600"/>
-              <a:ext cx="3295650" cy="0"/>
-            </a:xfrm>
-            <a:prstGeom prst="line">
-              <a:avLst/>
-            </a:prstGeom>
-            <a:ln w="31750">
-              <a:solidFill>
-                <a:srgbClr val="FF0000"/>
-              </a:solidFill>
-            </a:ln>
-          </p:spPr>
-          <p:style>
-            <a:lnRef idx="1">
-              <a:schemeClr val="accent1"/>
-            </a:lnRef>
-            <a:fillRef idx="0">
-              <a:schemeClr val="accent1"/>
-            </a:fillRef>
-            <a:effectRef idx="0">
-              <a:schemeClr val="accent1"/>
-            </a:effectRef>
-            <a:fontRef idx="minor">
-              <a:schemeClr val="tx1"/>
-            </a:fontRef>
-          </p:style>
-        </p:cxnSp>
-        <p:cxnSp>
-          <p:nvCxnSpPr>
-            <p:cNvPr id="18" name="Straight Connector 17"/>
-            <p:cNvCxnSpPr/>
-            <p:nvPr/>
-          </p:nvCxnSpPr>
-          <p:spPr>
-            <a:xfrm flipH="1" flipV="1">
-              <a:off x="7620000" y="5493446"/>
-              <a:ext cx="6350" cy="958154"/>
-            </a:xfrm>
-            <a:prstGeom prst="line">
-              <a:avLst/>
-            </a:prstGeom>
-            <a:ln w="31750">
-              <a:solidFill>
-                <a:srgbClr val="FF0000"/>
-              </a:solidFill>
-            </a:ln>
-          </p:spPr>
-          <p:style>
-            <a:lnRef idx="1">
-              <a:schemeClr val="accent1"/>
-            </a:lnRef>
-            <a:fillRef idx="0">
-              <a:schemeClr val="accent1"/>
-            </a:fillRef>
-            <a:effectRef idx="0">
-              <a:schemeClr val="accent1"/>
-            </a:effectRef>
-            <a:fontRef idx="minor">
-              <a:schemeClr val="tx1"/>
-            </a:fontRef>
-          </p:style>
-        </p:cxnSp>
-        <p:cxnSp>
-          <p:nvCxnSpPr>
-            <p:cNvPr id="19" name="Straight Arrow Connector 18"/>
-            <p:cNvCxnSpPr/>
-            <p:nvPr/>
-          </p:nvCxnSpPr>
-          <p:spPr>
-            <a:xfrm>
-              <a:off x="7620000" y="5493446"/>
-              <a:ext cx="488950" cy="0"/>
-            </a:xfrm>
-            <a:prstGeom prst="straightConnector1">
-              <a:avLst/>
-            </a:prstGeom>
-            <a:ln w="31750">
-              <a:solidFill>
-                <a:srgbClr val="FF0000"/>
-              </a:solidFill>
-              <a:tailEnd type="triangle"/>
-            </a:ln>
-          </p:spPr>
-          <p:style>
-            <a:lnRef idx="1">
-              <a:schemeClr val="accent1"/>
-            </a:lnRef>
-            <a:fillRef idx="0">
-              <a:schemeClr val="accent1"/>
-            </a:fillRef>
-            <a:effectRef idx="0">
-              <a:schemeClr val="accent1"/>
-            </a:effectRef>
-            <a:fontRef idx="minor">
-              <a:schemeClr val="tx1"/>
-            </a:fontRef>
-          </p:style>
-        </p:cxnSp>
-      </p:grpSp>
-      <p:grpSp>
-        <p:nvGrpSpPr>
-          <p:cNvPr id="20" name="Group 19"/>
-          <p:cNvGrpSpPr/>
-          <p:nvPr/>
-        </p:nvGrpSpPr>
-        <p:grpSpPr>
-          <a:xfrm>
-            <a:off x="2647784" y="5288536"/>
-            <a:ext cx="5243613" cy="936776"/>
-            <a:chOff x="2458274" y="5597718"/>
-            <a:chExt cx="5723618" cy="936776"/>
-          </a:xfrm>
-        </p:grpSpPr>
-        <p:cxnSp>
-          <p:nvCxnSpPr>
-            <p:cNvPr id="21" name="Straight Connector 20"/>
-            <p:cNvCxnSpPr/>
-            <p:nvPr/>
-          </p:nvCxnSpPr>
-          <p:spPr>
-            <a:xfrm flipH="1">
-              <a:off x="2464904" y="5597718"/>
-              <a:ext cx="182880" cy="0"/>
-            </a:xfrm>
-            <a:prstGeom prst="line">
-              <a:avLst/>
-            </a:prstGeom>
-            <a:ln w="25400">
-              <a:solidFill>
-                <a:srgbClr val="FF0000"/>
-              </a:solidFill>
-            </a:ln>
-          </p:spPr>
-          <p:style>
-            <a:lnRef idx="1">
-              <a:schemeClr val="accent1"/>
-            </a:lnRef>
-            <a:fillRef idx="0">
-              <a:schemeClr val="accent1"/>
-            </a:fillRef>
-            <a:effectRef idx="0">
-              <a:schemeClr val="accent1"/>
-            </a:effectRef>
-            <a:fontRef idx="minor">
-              <a:schemeClr val="tx1"/>
-            </a:fontRef>
-          </p:style>
-        </p:cxnSp>
-        <p:cxnSp>
-          <p:nvCxnSpPr>
-            <p:cNvPr id="22" name="Straight Connector 21"/>
-            <p:cNvCxnSpPr/>
-            <p:nvPr/>
-          </p:nvCxnSpPr>
-          <p:spPr>
-            <a:xfrm flipH="1">
-              <a:off x="2458274" y="5750118"/>
-              <a:ext cx="182880" cy="0"/>
-            </a:xfrm>
-            <a:prstGeom prst="line">
-              <a:avLst/>
-            </a:prstGeom>
-            <a:ln w="25400">
-              <a:solidFill>
-                <a:srgbClr val="FF0000"/>
-              </a:solidFill>
-            </a:ln>
-          </p:spPr>
-          <p:style>
-            <a:lnRef idx="1">
-              <a:schemeClr val="accent1"/>
-            </a:lnRef>
-            <a:fillRef idx="0">
-              <a:schemeClr val="accent1"/>
-            </a:fillRef>
-            <a:effectRef idx="0">
-              <a:schemeClr val="accent1"/>
-            </a:effectRef>
-            <a:fontRef idx="minor">
-              <a:schemeClr val="tx1"/>
-            </a:fontRef>
-          </p:style>
-        </p:cxnSp>
-        <p:cxnSp>
-          <p:nvCxnSpPr>
-            <p:cNvPr id="23" name="Straight Connector 22"/>
-            <p:cNvCxnSpPr/>
-            <p:nvPr/>
-          </p:nvCxnSpPr>
-          <p:spPr>
-            <a:xfrm flipH="1">
-              <a:off x="2458281" y="5964803"/>
-              <a:ext cx="182880" cy="0"/>
-            </a:xfrm>
-            <a:prstGeom prst="line">
-              <a:avLst/>
-            </a:prstGeom>
-            <a:ln w="25400">
-              <a:solidFill>
-                <a:srgbClr val="FF0000"/>
-              </a:solidFill>
-            </a:ln>
-          </p:spPr>
-          <p:style>
-            <a:lnRef idx="1">
-              <a:schemeClr val="accent1"/>
-            </a:lnRef>
-            <a:fillRef idx="0">
-              <a:schemeClr val="accent1"/>
-            </a:fillRef>
-            <a:effectRef idx="0">
-              <a:schemeClr val="accent1"/>
-            </a:effectRef>
-            <a:fontRef idx="minor">
-              <a:schemeClr val="tx1"/>
-            </a:fontRef>
-          </p:style>
-        </p:cxnSp>
-        <p:cxnSp>
-          <p:nvCxnSpPr>
-            <p:cNvPr id="24" name="Straight Connector 23"/>
-            <p:cNvCxnSpPr/>
-            <p:nvPr/>
-          </p:nvCxnSpPr>
-          <p:spPr>
-            <a:xfrm>
-              <a:off x="2464904" y="5597718"/>
-              <a:ext cx="0" cy="374805"/>
-            </a:xfrm>
-            <a:prstGeom prst="line">
-              <a:avLst/>
-            </a:prstGeom>
-            <a:ln w="25400">
-              <a:solidFill>
-                <a:srgbClr val="FF0000"/>
-              </a:solidFill>
-            </a:ln>
-          </p:spPr>
-          <p:style>
-            <a:lnRef idx="1">
-              <a:schemeClr val="accent1"/>
-            </a:lnRef>
-            <a:fillRef idx="0">
-              <a:schemeClr val="accent1"/>
-            </a:fillRef>
-            <a:effectRef idx="0">
-              <a:schemeClr val="accent1"/>
-            </a:effectRef>
-            <a:fontRef idx="minor">
-              <a:schemeClr val="tx1"/>
-            </a:fontRef>
-          </p:style>
-        </p:cxnSp>
-        <p:cxnSp>
-          <p:nvCxnSpPr>
-            <p:cNvPr id="25" name="Straight Connector 24"/>
-            <p:cNvCxnSpPr/>
-            <p:nvPr/>
-          </p:nvCxnSpPr>
-          <p:spPr>
-            <a:xfrm>
-              <a:off x="2458274" y="5972523"/>
-              <a:ext cx="6630" cy="547547"/>
-            </a:xfrm>
-            <a:prstGeom prst="line">
-              <a:avLst/>
-            </a:prstGeom>
-            <a:ln w="25400">
-              <a:solidFill>
-                <a:srgbClr val="FF0000"/>
-              </a:solidFill>
-            </a:ln>
-          </p:spPr>
-          <p:style>
-            <a:lnRef idx="1">
-              <a:schemeClr val="accent1"/>
-            </a:lnRef>
-            <a:fillRef idx="0">
-              <a:schemeClr val="accent1"/>
-            </a:fillRef>
-            <a:effectRef idx="0">
-              <a:schemeClr val="accent1"/>
-            </a:effectRef>
-            <a:fontRef idx="minor">
-              <a:schemeClr val="tx1"/>
-            </a:fontRef>
-          </p:style>
-        </p:cxnSp>
-        <p:cxnSp>
-          <p:nvCxnSpPr>
-            <p:cNvPr id="26" name="Straight Connector 25"/>
-            <p:cNvCxnSpPr/>
-            <p:nvPr/>
-          </p:nvCxnSpPr>
-          <p:spPr>
-            <a:xfrm>
-              <a:off x="2464904" y="6526775"/>
-              <a:ext cx="5269918" cy="0"/>
-            </a:xfrm>
-            <a:prstGeom prst="line">
-              <a:avLst/>
-            </a:prstGeom>
-            <a:ln w="25400">
-              <a:solidFill>
-                <a:srgbClr val="FF0000"/>
-              </a:solidFill>
-            </a:ln>
-          </p:spPr>
-          <p:style>
-            <a:lnRef idx="1">
-              <a:schemeClr val="accent1"/>
-            </a:lnRef>
-            <a:fillRef idx="0">
-              <a:schemeClr val="accent1"/>
-            </a:fillRef>
-            <a:effectRef idx="0">
-              <a:schemeClr val="accent1"/>
-            </a:effectRef>
-            <a:fontRef idx="minor">
-              <a:schemeClr val="tx1"/>
-            </a:fontRef>
-          </p:style>
-        </p:cxnSp>
-        <p:cxnSp>
-          <p:nvCxnSpPr>
-            <p:cNvPr id="27" name="Straight Connector 26"/>
-            <p:cNvCxnSpPr/>
-            <p:nvPr/>
-          </p:nvCxnSpPr>
-          <p:spPr>
-            <a:xfrm>
-              <a:off x="7734822" y="5785120"/>
-              <a:ext cx="0" cy="749374"/>
-            </a:xfrm>
-            <a:prstGeom prst="line">
-              <a:avLst/>
-            </a:prstGeom>
-            <a:ln w="25400">
-              <a:solidFill>
-                <a:srgbClr val="FF0000"/>
-              </a:solidFill>
-            </a:ln>
-          </p:spPr>
-          <p:style>
-            <a:lnRef idx="1">
-              <a:schemeClr val="accent2"/>
-            </a:lnRef>
-            <a:fillRef idx="0">
-              <a:schemeClr val="accent2"/>
-            </a:fillRef>
-            <a:effectRef idx="0">
-              <a:schemeClr val="accent2"/>
-            </a:effectRef>
-            <a:fontRef idx="minor">
-              <a:schemeClr val="tx1"/>
-            </a:fontRef>
-          </p:style>
-        </p:cxnSp>
-        <p:cxnSp>
-          <p:nvCxnSpPr>
-            <p:cNvPr id="28" name="Straight Connector 27"/>
-            <p:cNvCxnSpPr/>
-            <p:nvPr/>
-          </p:nvCxnSpPr>
-          <p:spPr>
-            <a:xfrm>
-              <a:off x="7734822" y="5785120"/>
-              <a:ext cx="156575" cy="0"/>
-            </a:xfrm>
-            <a:prstGeom prst="line">
-              <a:avLst/>
-            </a:prstGeom>
-            <a:ln w="25400">
-              <a:solidFill>
-                <a:srgbClr val="FF0000"/>
-              </a:solidFill>
-            </a:ln>
-          </p:spPr>
-          <p:style>
-            <a:lnRef idx="1">
-              <a:schemeClr val="accent1"/>
-            </a:lnRef>
-            <a:fillRef idx="0">
-              <a:schemeClr val="accent1"/>
-            </a:fillRef>
-            <a:effectRef idx="0">
-              <a:schemeClr val="accent1"/>
-            </a:effectRef>
-            <a:fontRef idx="minor">
-              <a:schemeClr val="tx1"/>
-            </a:fontRef>
-          </p:style>
-        </p:cxnSp>
-        <p:cxnSp>
-          <p:nvCxnSpPr>
-            <p:cNvPr id="29" name="Straight Connector 28"/>
-            <p:cNvCxnSpPr/>
-            <p:nvPr/>
-          </p:nvCxnSpPr>
-          <p:spPr>
-            <a:xfrm>
-              <a:off x="7891397" y="5685183"/>
-              <a:ext cx="0" cy="191742"/>
-            </a:xfrm>
-            <a:prstGeom prst="line">
-              <a:avLst/>
-            </a:prstGeom>
-            <a:ln w="25400">
-              <a:solidFill>
-                <a:srgbClr val="FF0000"/>
-              </a:solidFill>
-            </a:ln>
-          </p:spPr>
-          <p:style>
-            <a:lnRef idx="1">
-              <a:schemeClr val="accent1"/>
-            </a:lnRef>
-            <a:fillRef idx="0">
-              <a:schemeClr val="accent1"/>
-            </a:fillRef>
-            <a:effectRef idx="0">
-              <a:schemeClr val="accent1"/>
-            </a:effectRef>
-            <a:fontRef idx="minor">
-              <a:schemeClr val="tx1"/>
-            </a:fontRef>
-          </p:style>
-        </p:cxnSp>
-        <p:cxnSp>
-          <p:nvCxnSpPr>
-            <p:cNvPr id="30" name="Straight Arrow Connector 29"/>
-            <p:cNvCxnSpPr/>
-            <p:nvPr/>
-          </p:nvCxnSpPr>
-          <p:spPr>
-            <a:xfrm flipV="1">
-              <a:off x="7891397" y="5677231"/>
-              <a:ext cx="290495" cy="15903"/>
-            </a:xfrm>
-            <a:prstGeom prst="straightConnector1">
-              <a:avLst/>
-            </a:prstGeom>
-            <a:ln w="25400">
-              <a:solidFill>
-                <a:srgbClr val="FF0000"/>
-              </a:solidFill>
-              <a:tailEnd type="triangle"/>
-            </a:ln>
-          </p:spPr>
-          <p:style>
-            <a:lnRef idx="1">
-              <a:schemeClr val="accent1"/>
-            </a:lnRef>
-            <a:fillRef idx="0">
-              <a:schemeClr val="accent1"/>
-            </a:fillRef>
-            <a:effectRef idx="0">
-              <a:schemeClr val="accent1"/>
-            </a:effectRef>
-            <a:fontRef idx="minor">
-              <a:schemeClr val="tx1"/>
-            </a:fontRef>
-          </p:style>
-        </p:cxnSp>
-        <p:cxnSp>
-          <p:nvCxnSpPr>
-            <p:cNvPr id="31" name="Straight Arrow Connector 30"/>
-            <p:cNvCxnSpPr/>
-            <p:nvPr/>
-          </p:nvCxnSpPr>
-          <p:spPr>
-            <a:xfrm flipV="1">
-              <a:off x="7891397" y="5856322"/>
-              <a:ext cx="265048" cy="20603"/>
-            </a:xfrm>
-            <a:prstGeom prst="straightConnector1">
-              <a:avLst/>
-            </a:prstGeom>
-            <a:ln w="25400">
-              <a:solidFill>
-                <a:srgbClr val="FF0000"/>
-              </a:solidFill>
-              <a:tailEnd type="triangle"/>
-            </a:ln>
-          </p:spPr>
-          <p:style>
-            <a:lnRef idx="1">
-              <a:schemeClr val="accent1"/>
-            </a:lnRef>
-            <a:fillRef idx="0">
-              <a:schemeClr val="accent1"/>
-            </a:fillRef>
-            <a:effectRef idx="0">
-              <a:schemeClr val="accent1"/>
-            </a:effectRef>
-            <a:fontRef idx="minor">
-              <a:schemeClr val="tx1"/>
-            </a:fontRef>
-          </p:style>
-        </p:cxnSp>
-      </p:grpSp>
-      <p:grpSp>
-        <p:nvGrpSpPr>
-          <p:cNvPr id="32" name="Group 31"/>
-          <p:cNvGrpSpPr/>
-          <p:nvPr/>
-        </p:nvGrpSpPr>
-        <p:grpSpPr>
-          <a:xfrm>
-            <a:off x="2810467" y="5697096"/>
-            <a:ext cx="6170696" cy="620202"/>
-            <a:chOff x="2647784" y="6035040"/>
-            <a:chExt cx="6719527" cy="620202"/>
-          </a:xfrm>
-        </p:grpSpPr>
-        <p:cxnSp>
-          <p:nvCxnSpPr>
-            <p:cNvPr id="33" name="Straight Connector 32"/>
-            <p:cNvCxnSpPr/>
-            <p:nvPr/>
-          </p:nvCxnSpPr>
-          <p:spPr>
-            <a:xfrm>
-              <a:off x="2647784" y="6194440"/>
-              <a:ext cx="24321" cy="452850"/>
-            </a:xfrm>
-            <a:prstGeom prst="line">
-              <a:avLst/>
-            </a:prstGeom>
-            <a:ln w="34925">
-              <a:solidFill>
-                <a:srgbClr val="FF0000"/>
-              </a:solidFill>
-            </a:ln>
-          </p:spPr>
-          <p:style>
-            <a:lnRef idx="1">
-              <a:schemeClr val="accent1"/>
-            </a:lnRef>
-            <a:fillRef idx="0">
-              <a:schemeClr val="accent1"/>
-            </a:fillRef>
-            <a:effectRef idx="0">
-              <a:schemeClr val="accent1"/>
-            </a:effectRef>
-            <a:fontRef idx="minor">
-              <a:schemeClr val="tx1"/>
-            </a:fontRef>
-          </p:style>
-        </p:cxnSp>
-        <p:cxnSp>
-          <p:nvCxnSpPr>
-            <p:cNvPr id="34" name="Straight Connector 33"/>
-            <p:cNvCxnSpPr/>
-            <p:nvPr/>
-          </p:nvCxnSpPr>
-          <p:spPr>
-            <a:xfrm flipV="1">
-              <a:off x="2675124" y="6647290"/>
-              <a:ext cx="6692187" cy="7952"/>
-            </a:xfrm>
-            <a:prstGeom prst="line">
-              <a:avLst/>
-            </a:prstGeom>
-            <a:ln w="34925">
-              <a:solidFill>
-                <a:srgbClr val="FF0000"/>
-              </a:solidFill>
-            </a:ln>
-          </p:spPr>
-          <p:style>
-            <a:lnRef idx="1">
-              <a:schemeClr val="accent1"/>
-            </a:lnRef>
-            <a:fillRef idx="0">
-              <a:schemeClr val="accent1"/>
-            </a:fillRef>
-            <a:effectRef idx="0">
-              <a:schemeClr val="accent1"/>
-            </a:effectRef>
-            <a:fontRef idx="minor">
-              <a:schemeClr val="tx1"/>
-            </a:fontRef>
-          </p:style>
-        </p:cxnSp>
-        <p:cxnSp>
-          <p:nvCxnSpPr>
-            <p:cNvPr id="35" name="Straight Connector 34"/>
-            <p:cNvCxnSpPr/>
-            <p:nvPr/>
-          </p:nvCxnSpPr>
-          <p:spPr>
-            <a:xfrm flipH="1">
-              <a:off x="9349091" y="6035040"/>
-              <a:ext cx="18220" cy="607757"/>
-            </a:xfrm>
-            <a:prstGeom prst="line">
-              <a:avLst/>
-            </a:prstGeom>
-            <a:ln w="34925">
-              <a:solidFill>
-                <a:srgbClr val="FF0000"/>
-              </a:solidFill>
-            </a:ln>
-          </p:spPr>
-          <p:style>
-            <a:lnRef idx="1">
-              <a:schemeClr val="accent1"/>
-            </a:lnRef>
-            <a:fillRef idx="0">
-              <a:schemeClr val="accent1"/>
-            </a:fillRef>
-            <a:effectRef idx="0">
-              <a:schemeClr val="accent1"/>
-            </a:effectRef>
-            <a:fontRef idx="minor">
-              <a:schemeClr val="tx1"/>
-            </a:fontRef>
-          </p:style>
-        </p:cxnSp>
-        <p:cxnSp>
-          <p:nvCxnSpPr>
-            <p:cNvPr id="36" name="Straight Arrow Connector 35"/>
-            <p:cNvCxnSpPr/>
-            <p:nvPr/>
-          </p:nvCxnSpPr>
-          <p:spPr>
-            <a:xfrm flipH="1">
-              <a:off x="9120147" y="6035040"/>
-              <a:ext cx="247164" cy="0"/>
-            </a:xfrm>
-            <a:prstGeom prst="straightConnector1">
-              <a:avLst/>
-            </a:prstGeom>
-            <a:ln w="34925">
-              <a:solidFill>
-                <a:srgbClr val="FF0000"/>
-              </a:solidFill>
-              <a:tailEnd type="triangle"/>
-            </a:ln>
-          </p:spPr>
-          <p:style>
-            <a:lnRef idx="1">
-              <a:schemeClr val="accent1"/>
-            </a:lnRef>
-            <a:fillRef idx="0">
-              <a:schemeClr val="accent1"/>
-            </a:fillRef>
-            <a:effectRef idx="0">
-              <a:schemeClr val="accent1"/>
-            </a:effectRef>
-            <a:fontRef idx="minor">
-              <a:schemeClr val="tx1"/>
-            </a:fontRef>
-          </p:style>
-        </p:cxnSp>
-      </p:grpSp>
+            </a:endParaRPr>
+          </a:p>
+        </p:txBody>
+      </p:sp>
     </p:spTree>
     <p:extLst>
       <p:ext uri="{BB962C8B-B14F-4D97-AF65-F5344CB8AC3E}">
-        <p14:creationId xmlns:p14="http://schemas.microsoft.com/office/powerpoint/2010/main" val="2522924448"/>
+        <p14:creationId xmlns:p14="http://schemas.microsoft.com/office/powerpoint/2010/main" val="1707017279"/>
       </p:ext>
     </p:extLst>
   </p:cSld>
@@ -14132,7 +14161,7 @@
                                           </p:stCondLst>
                                         </p:cTn>
                                         <p:tgtEl>
-                                          <p:spTgt spid="5"/>
+                                          <p:spTgt spid="93"/>
                                         </p:tgtEl>
                                         <p:attrNameLst>
                                           <p:attrName>style.visibility</p:attrName>
@@ -14146,7 +14175,42 @@
                                       <p:cBhvr>
                                         <p:cTn id="7" dur="500"/>
                                         <p:tgtEl>
-                                          <p:spTgt spid="5"/>
+                                          <p:spTgt spid="93"/>
+                                        </p:tgtEl>
+                                      </p:cBhvr>
+                                    </p:animEffect>
+                                  </p:childTnLst>
+                                </p:cTn>
+                              </p:par>
+                              <p:par>
+                                <p:cTn id="8" presetID="10" presetClass="entr" presetSubtype="0" fill="hold" nodeType="withEffect">
+                                  <p:stCondLst>
+                                    <p:cond delay="0"/>
+                                  </p:stCondLst>
+                                  <p:childTnLst>
+                                    <p:set>
+                                      <p:cBhvr>
+                                        <p:cTn id="9" dur="1" fill="hold">
+                                          <p:stCondLst>
+                                            <p:cond delay="0"/>
+                                          </p:stCondLst>
+                                        </p:cTn>
+                                        <p:tgtEl>
+                                          <p:spTgt spid="42"/>
+                                        </p:tgtEl>
+                                        <p:attrNameLst>
+                                          <p:attrName>style.visibility</p:attrName>
+                                        </p:attrNameLst>
+                                      </p:cBhvr>
+                                      <p:to>
+                                        <p:strVal val="visible"/>
+                                      </p:to>
+                                    </p:set>
+                                    <p:animEffect transition="in" filter="fade">
+                                      <p:cBhvr>
+                                        <p:cTn id="10" dur="500"/>
+                                        <p:tgtEl>
+                                          <p:spTgt spid="42"/>
                                         </p:tgtEl>
                                       </p:cBhvr>
                                     </p:animEffect>
@@ -14160,32 +14224,32 @@
                     </p:cTn>
                   </p:par>
                   <p:par>
-                    <p:cTn id="8" fill="hold">
+                    <p:cTn id="11" fill="hold">
                       <p:stCondLst>
                         <p:cond delay="indefinite"/>
                       </p:stCondLst>
                       <p:childTnLst>
                         <p:par>
-                          <p:cTn id="9" fill="hold">
+                          <p:cTn id="12" fill="hold">
                             <p:stCondLst>
                               <p:cond delay="0"/>
                             </p:stCondLst>
                             <p:childTnLst>
                               <p:par>
-                                <p:cTn id="10" presetID="10" presetClass="entr" presetSubtype="0" fill="hold" nodeType="clickEffect">
+                                <p:cTn id="13" presetID="10" presetClass="entr" presetSubtype="0" fill="hold" nodeType="clickEffect">
                                   <p:stCondLst>
                                     <p:cond delay="0"/>
                                   </p:stCondLst>
                                   <p:childTnLst>
                                     <p:set>
                                       <p:cBhvr>
-                                        <p:cTn id="11" dur="1" fill="hold">
+                                        <p:cTn id="14" dur="1" fill="hold">
                                           <p:stCondLst>
                                             <p:cond delay="0"/>
                                           </p:stCondLst>
                                         </p:cTn>
                                         <p:tgtEl>
-                                          <p:spTgt spid="6"/>
+                                          <p:spTgt spid="94"/>
                                         </p:tgtEl>
                                         <p:attrNameLst>
                                           <p:attrName>style.visibility</p:attrName>
@@ -14197,9 +14261,44 @@
                                     </p:set>
                                     <p:animEffect transition="in" filter="fade">
                                       <p:cBhvr>
-                                        <p:cTn id="12" dur="500"/>
+                                        <p:cTn id="15" dur="500"/>
                                         <p:tgtEl>
-                                          <p:spTgt spid="6"/>
+                                          <p:spTgt spid="94"/>
+                                        </p:tgtEl>
+                                      </p:cBhvr>
+                                    </p:animEffect>
+                                  </p:childTnLst>
+                                </p:cTn>
+                              </p:par>
+                              <p:par>
+                                <p:cTn id="16" presetID="10" presetClass="entr" presetSubtype="0" fill="hold" nodeType="withEffect">
+                                  <p:stCondLst>
+                                    <p:cond delay="0"/>
+                                  </p:stCondLst>
+                                  <p:childTnLst>
+                                    <p:set>
+                                      <p:cBhvr>
+                                        <p:cTn id="17" dur="1" fill="hold">
+                                          <p:stCondLst>
+                                            <p:cond delay="0"/>
+                                          </p:stCondLst>
+                                        </p:cTn>
+                                        <p:tgtEl>
+                                          <p:spTgt spid="43"/>
+                                        </p:tgtEl>
+                                        <p:attrNameLst>
+                                          <p:attrName>style.visibility</p:attrName>
+                                        </p:attrNameLst>
+                                      </p:cBhvr>
+                                      <p:to>
+                                        <p:strVal val="visible"/>
+                                      </p:to>
+                                    </p:set>
+                                    <p:animEffect transition="in" filter="fade">
+                                      <p:cBhvr>
+                                        <p:cTn id="18" dur="500"/>
+                                        <p:tgtEl>
+                                          <p:spTgt spid="43"/>
                                         </p:tgtEl>
                                       </p:cBhvr>
                                     </p:animEffect>
@@ -14213,32 +14312,32 @@
                     </p:cTn>
                   </p:par>
                   <p:par>
-                    <p:cTn id="13" fill="hold">
+                    <p:cTn id="19" fill="hold">
                       <p:stCondLst>
                         <p:cond delay="indefinite"/>
                       </p:stCondLst>
                       <p:childTnLst>
                         <p:par>
-                          <p:cTn id="14" fill="hold">
+                          <p:cTn id="20" fill="hold">
                             <p:stCondLst>
                               <p:cond delay="0"/>
                             </p:stCondLst>
                             <p:childTnLst>
                               <p:par>
-                                <p:cTn id="15" presetID="10" presetClass="entr" presetSubtype="0" fill="hold" nodeType="clickEffect">
+                                <p:cTn id="21" presetID="10" presetClass="entr" presetSubtype="0" fill="hold" nodeType="clickEffect">
                                   <p:stCondLst>
                                     <p:cond delay="0"/>
                                   </p:stCondLst>
                                   <p:childTnLst>
                                     <p:set>
                                       <p:cBhvr>
-                                        <p:cTn id="16" dur="1" fill="hold">
+                                        <p:cTn id="22" dur="1" fill="hold">
                                           <p:stCondLst>
                                             <p:cond delay="0"/>
                                           </p:stCondLst>
                                         </p:cTn>
                                         <p:tgtEl>
-                                          <p:spTgt spid="7"/>
+                                          <p:spTgt spid="92"/>
                                         </p:tgtEl>
                                         <p:attrNameLst>
                                           <p:attrName>style.visibility</p:attrName>
@@ -14250,9 +14349,79 @@
                                     </p:set>
                                     <p:animEffect transition="in" filter="fade">
                                       <p:cBhvr>
-                                        <p:cTn id="17" dur="500"/>
+                                        <p:cTn id="23" dur="500"/>
                                         <p:tgtEl>
-                                          <p:spTgt spid="7"/>
+                                          <p:spTgt spid="92"/>
+                                        </p:tgtEl>
+                                      </p:cBhvr>
+                                    </p:animEffect>
+                                  </p:childTnLst>
+                                </p:cTn>
+                              </p:par>
+                              <p:par>
+                                <p:cTn id="24" presetID="10" presetClass="entr" presetSubtype="0" fill="hold" grpId="0" nodeType="withEffect">
+                                  <p:stCondLst>
+                                    <p:cond delay="0"/>
+                                  </p:stCondLst>
+                                  <p:childTnLst>
+                                    <p:set>
+                                      <p:cBhvr>
+                                        <p:cTn id="25" dur="1" fill="hold">
+                                          <p:stCondLst>
+                                            <p:cond delay="0"/>
+                                          </p:stCondLst>
+                                        </p:cTn>
+                                        <p:tgtEl>
+                                          <p:spTgt spid="64"/>
+                                        </p:tgtEl>
+                                        <p:attrNameLst>
+                                          <p:attrName>style.visibility</p:attrName>
+                                        </p:attrNameLst>
+                                      </p:cBhvr>
+                                      <p:to>
+                                        <p:strVal val="visible"/>
+                                      </p:to>
+                                    </p:set>
+                                    <p:animEffect transition="in" filter="fade">
+                                      <p:cBhvr>
+                                        <p:cTn id="26" dur="500"/>
+                                        <p:tgtEl>
+                                          <p:spTgt spid="64"/>
+                                        </p:tgtEl>
+                                      </p:cBhvr>
+                                    </p:animEffect>
+                                  </p:childTnLst>
+                                </p:cTn>
+                              </p:par>
+                              <p:par>
+                                <p:cTn id="27" presetID="10" presetClass="entr" presetSubtype="0" fill="hold" nodeType="withEffect">
+                                  <p:stCondLst>
+                                    <p:cond delay="0"/>
+                                  </p:stCondLst>
+                                  <p:childTnLst>
+                                    <p:set>
+                                      <p:cBhvr>
+                                        <p:cTn id="28" dur="1" fill="hold">
+                                          <p:stCondLst>
+                                            <p:cond delay="0"/>
+                                          </p:stCondLst>
+                                        </p:cTn>
+                                        <p:tgtEl>
+                                          <p:spTgt spid="44"/>
+                                        </p:tgtEl>
+                                        <p:attrNameLst>
+                                          <p:attrName>style.visibility</p:attrName>
+                                        </p:attrNameLst>
+                                      </p:cBhvr>
+                                      <p:to>
+                                        <p:strVal val="visible"/>
+                                      </p:to>
+                                    </p:set>
+                                    <p:animEffect transition="in" filter="fade">
+                                      <p:cBhvr>
+                                        <p:cTn id="29" dur="500"/>
+                                        <p:tgtEl>
+                                          <p:spTgt spid="44"/>
                                         </p:tgtEl>
                                       </p:cBhvr>
                                     </p:animEffect>
@@ -14266,32 +14435,32 @@
                     </p:cTn>
                   </p:par>
                   <p:par>
-                    <p:cTn id="18" fill="hold">
+                    <p:cTn id="30" fill="hold">
                       <p:stCondLst>
                         <p:cond delay="indefinite"/>
                       </p:stCondLst>
                       <p:childTnLst>
                         <p:par>
-                          <p:cTn id="19" fill="hold">
+                          <p:cTn id="31" fill="hold">
                             <p:stCondLst>
                               <p:cond delay="0"/>
                             </p:stCondLst>
                             <p:childTnLst>
                               <p:par>
-                                <p:cTn id="20" presetID="10" presetClass="entr" presetSubtype="0" fill="hold" nodeType="clickEffect">
+                                <p:cTn id="32" presetID="10" presetClass="entr" presetSubtype="0" fill="hold" nodeType="clickEffect">
                                   <p:stCondLst>
                                     <p:cond delay="0"/>
                                   </p:stCondLst>
                                   <p:childTnLst>
                                     <p:set>
                                       <p:cBhvr>
-                                        <p:cTn id="21" dur="1" fill="hold">
+                                        <p:cTn id="33" dur="1" fill="hold">
                                           <p:stCondLst>
                                             <p:cond delay="0"/>
                                           </p:stCondLst>
                                         </p:cTn>
                                         <p:tgtEl>
-                                          <p:spTgt spid="8"/>
+                                          <p:spTgt spid="49"/>
                                         </p:tgtEl>
                                         <p:attrNameLst>
                                           <p:attrName>style.visibility</p:attrName>
@@ -14303,141 +14472,17 @@
                                     </p:set>
                                     <p:animEffect transition="in" filter="fade">
                                       <p:cBhvr>
-                                        <p:cTn id="22" dur="500"/>
+                                        <p:cTn id="34" dur="500"/>
                                         <p:tgtEl>
-                                          <p:spTgt spid="8"/>
+                                          <p:spTgt spid="49"/>
                                         </p:tgtEl>
                                       </p:cBhvr>
                                     </p:animEffect>
                                   </p:childTnLst>
                                 </p:cTn>
                               </p:par>
-                            </p:childTnLst>
-                          </p:cTn>
-                        </p:par>
-                      </p:childTnLst>
-                    </p:cTn>
-                  </p:par>
-                  <p:par>
-                    <p:cTn id="23" fill="hold">
-                      <p:stCondLst>
-                        <p:cond delay="indefinite"/>
-                      </p:stCondLst>
-                      <p:childTnLst>
-                        <p:par>
-                          <p:cTn id="24" fill="hold">
-                            <p:stCondLst>
-                              <p:cond delay="0"/>
-                            </p:stCondLst>
-                            <p:childTnLst>
                               <p:par>
-                                <p:cTn id="25" presetID="16" presetClass="entr" presetSubtype="21" fill="hold" nodeType="clickEffect">
-                                  <p:stCondLst>
-                                    <p:cond delay="0"/>
-                                  </p:stCondLst>
-                                  <p:childTnLst>
-                                    <p:set>
-                                      <p:cBhvr>
-                                        <p:cTn id="26" dur="1" fill="hold">
-                                          <p:stCondLst>
-                                            <p:cond delay="0"/>
-                                          </p:stCondLst>
-                                        </p:cTn>
-                                        <p:tgtEl>
-                                          <p:spTgt spid="58"/>
-                                        </p:tgtEl>
-                                        <p:attrNameLst>
-                                          <p:attrName>style.visibility</p:attrName>
-                                        </p:attrNameLst>
-                                      </p:cBhvr>
-                                      <p:to>
-                                        <p:strVal val="visible"/>
-                                      </p:to>
-                                    </p:set>
-                                    <p:animEffect transition="in" filter="barn(inVertical)">
-                                      <p:cBhvr>
-                                        <p:cTn id="27" dur="500"/>
-                                        <p:tgtEl>
-                                          <p:spTgt spid="58"/>
-                                        </p:tgtEl>
-                                      </p:cBhvr>
-                                    </p:animEffect>
-                                  </p:childTnLst>
-                                </p:cTn>
-                              </p:par>
-                            </p:childTnLst>
-                          </p:cTn>
-                        </p:par>
-                      </p:childTnLst>
-                    </p:cTn>
-                  </p:par>
-                  <p:par>
-                    <p:cTn id="28" fill="hold">
-                      <p:stCondLst>
-                        <p:cond delay="indefinite"/>
-                      </p:stCondLst>
-                      <p:childTnLst>
-                        <p:par>
-                          <p:cTn id="29" fill="hold">
-                            <p:stCondLst>
-                              <p:cond delay="0"/>
-                            </p:stCondLst>
-                            <p:childTnLst>
-                              <p:par>
-                                <p:cTn id="30" presetID="10" presetClass="entr" presetSubtype="0" fill="hold" nodeType="clickEffect">
-                                  <p:stCondLst>
-                                    <p:cond delay="0"/>
-                                  </p:stCondLst>
-                                  <p:childTnLst>
-                                    <p:set>
-                                      <p:cBhvr>
-                                        <p:cTn id="31" dur="1" fill="hold">
-                                          <p:stCondLst>
-                                            <p:cond delay="0"/>
-                                          </p:stCondLst>
-                                        </p:cTn>
-                                        <p:tgtEl>
-                                          <p:spTgt spid="55"/>
-                                        </p:tgtEl>
-                                        <p:attrNameLst>
-                                          <p:attrName>style.visibility</p:attrName>
-                                        </p:attrNameLst>
-                                      </p:cBhvr>
-                                      <p:to>
-                                        <p:strVal val="visible"/>
-                                      </p:to>
-                                    </p:set>
-                                    <p:animEffect transition="in" filter="fade">
-                                      <p:cBhvr>
-                                        <p:cTn id="32" dur="500"/>
-                                        <p:tgtEl>
-                                          <p:spTgt spid="55"/>
-                                        </p:tgtEl>
-                                      </p:cBhvr>
-                                    </p:animEffect>
-                                  </p:childTnLst>
-                                </p:cTn>
-                              </p:par>
-                            </p:childTnLst>
-                          </p:cTn>
-                        </p:par>
-                      </p:childTnLst>
-                    </p:cTn>
-                  </p:par>
-                  <p:par>
-                    <p:cTn id="33" fill="hold">
-                      <p:stCondLst>
-                        <p:cond delay="indefinite"/>
-                      </p:stCondLst>
-                      <p:childTnLst>
-                        <p:par>
-                          <p:cTn id="34" fill="hold">
-                            <p:stCondLst>
-                              <p:cond delay="0"/>
-                            </p:stCondLst>
-                            <p:childTnLst>
-                              <p:par>
-                                <p:cTn id="35" presetID="16" presetClass="entr" presetSubtype="21" fill="hold" nodeType="clickEffect">
+                                <p:cTn id="35" presetID="10" presetClass="entr" presetSubtype="0" fill="hold" grpId="0" nodeType="withEffect">
                                   <p:stCondLst>
                                     <p:cond delay="0"/>
                                   </p:stCondLst>
@@ -14450,7 +14495,7 @@
                                           </p:stCondLst>
                                         </p:cTn>
                                         <p:tgtEl>
-                                          <p:spTgt spid="48"/>
+                                          <p:spTgt spid="65"/>
                                         </p:tgtEl>
                                         <p:attrNameLst>
                                           <p:attrName>style.visibility</p:attrName>
@@ -14460,11 +14505,11 @@
                                         <p:strVal val="visible"/>
                                       </p:to>
                                     </p:set>
-                                    <p:animEffect transition="in" filter="barn(inVertical)">
+                                    <p:animEffect transition="in" filter="fade">
                                       <p:cBhvr>
                                         <p:cTn id="37" dur="500"/>
                                         <p:tgtEl>
-                                          <p:spTgt spid="48"/>
+                                          <p:spTgt spid="65"/>
                                         </p:tgtEl>
                                       </p:cBhvr>
                                     </p:animEffect>
@@ -14503,7 +14548,7 @@
                                           </p:stCondLst>
                                         </p:cTn>
                                         <p:tgtEl>
-                                          <p:spTgt spid="53"/>
+                                          <p:spTgt spid="47"/>
                                         </p:tgtEl>
                                         <p:attrNameLst>
                                           <p:attrName>style.visibility</p:attrName>
@@ -14517,7 +14562,42 @@
                                       <p:cBhvr>
                                         <p:cTn id="42" dur="500"/>
                                         <p:tgtEl>
-                                          <p:spTgt spid="53"/>
+                                          <p:spTgt spid="47"/>
+                                        </p:tgtEl>
+                                      </p:cBhvr>
+                                    </p:animEffect>
+                                  </p:childTnLst>
+                                </p:cTn>
+                              </p:par>
+                              <p:par>
+                                <p:cTn id="43" presetID="10" presetClass="entr" presetSubtype="0" fill="hold" grpId="0" nodeType="withEffect">
+                                  <p:stCondLst>
+                                    <p:cond delay="0"/>
+                                  </p:stCondLst>
+                                  <p:childTnLst>
+                                    <p:set>
+                                      <p:cBhvr>
+                                        <p:cTn id="44" dur="1" fill="hold">
+                                          <p:stCondLst>
+                                            <p:cond delay="0"/>
+                                          </p:stCondLst>
+                                        </p:cTn>
+                                        <p:tgtEl>
+                                          <p:spTgt spid="66"/>
+                                        </p:tgtEl>
+                                        <p:attrNameLst>
+                                          <p:attrName>style.visibility</p:attrName>
+                                        </p:attrNameLst>
+                                      </p:cBhvr>
+                                      <p:to>
+                                        <p:strVal val="visible"/>
+                                      </p:to>
+                                    </p:set>
+                                    <p:animEffect transition="in" filter="fade">
+                                      <p:cBhvr>
+                                        <p:cTn id="45" dur="500"/>
+                                        <p:tgtEl>
+                                          <p:spTgt spid="66"/>
                                         </p:tgtEl>
                                       </p:cBhvr>
                                     </p:animEffect>
@@ -14531,32 +14611,32 @@
                     </p:cTn>
                   </p:par>
                   <p:par>
-                    <p:cTn id="43" fill="hold">
+                    <p:cTn id="46" fill="hold">
                       <p:stCondLst>
                         <p:cond delay="indefinite"/>
                       </p:stCondLst>
                       <p:childTnLst>
                         <p:par>
-                          <p:cTn id="44" fill="hold">
+                          <p:cTn id="47" fill="hold">
                             <p:stCondLst>
                               <p:cond delay="0"/>
                             </p:stCondLst>
                             <p:childTnLst>
                               <p:par>
-                                <p:cTn id="45" presetID="10" presetClass="entr" presetSubtype="0" fill="hold" nodeType="clickEffect">
+                                <p:cTn id="48" presetID="10" presetClass="entr" presetSubtype="0" fill="hold" nodeType="clickEffect">
                                   <p:stCondLst>
                                     <p:cond delay="0"/>
                                   </p:stCondLst>
                                   <p:childTnLst>
                                     <p:set>
                                       <p:cBhvr>
-                                        <p:cTn id="46" dur="1" fill="hold">
+                                        <p:cTn id="49" dur="1" fill="hold">
                                           <p:stCondLst>
                                             <p:cond delay="0"/>
                                           </p:stCondLst>
                                         </p:cTn>
                                         <p:tgtEl>
-                                          <p:spTgt spid="11"/>
+                                          <p:spTgt spid="46"/>
                                         </p:tgtEl>
                                         <p:attrNameLst>
                                           <p:attrName>style.visibility</p:attrName>
@@ -14568,9 +14648,44 @@
                                     </p:set>
                                     <p:animEffect transition="in" filter="fade">
                                       <p:cBhvr>
-                                        <p:cTn id="47" dur="500"/>
+                                        <p:cTn id="50" dur="500"/>
                                         <p:tgtEl>
-                                          <p:spTgt spid="11"/>
+                                          <p:spTgt spid="46"/>
+                                        </p:tgtEl>
+                                      </p:cBhvr>
+                                    </p:animEffect>
+                                  </p:childTnLst>
+                                </p:cTn>
+                              </p:par>
+                              <p:par>
+                                <p:cTn id="51" presetID="10" presetClass="entr" presetSubtype="0" fill="hold" grpId="0" nodeType="withEffect">
+                                  <p:stCondLst>
+                                    <p:cond delay="0"/>
+                                  </p:stCondLst>
+                                  <p:childTnLst>
+                                    <p:set>
+                                      <p:cBhvr>
+                                        <p:cTn id="52" dur="1" fill="hold">
+                                          <p:stCondLst>
+                                            <p:cond delay="0"/>
+                                          </p:stCondLst>
+                                        </p:cTn>
+                                        <p:tgtEl>
+                                          <p:spTgt spid="54"/>
+                                        </p:tgtEl>
+                                        <p:attrNameLst>
+                                          <p:attrName>style.visibility</p:attrName>
+                                        </p:attrNameLst>
+                                      </p:cBhvr>
+                                      <p:to>
+                                        <p:strVal val="visible"/>
+                                      </p:to>
+                                    </p:set>
+                                    <p:animEffect transition="in" filter="fade">
+                                      <p:cBhvr>
+                                        <p:cTn id="53" dur="500"/>
+                                        <p:tgtEl>
+                                          <p:spTgt spid="54"/>
                                         </p:tgtEl>
                                       </p:cBhvr>
                                     </p:animEffect>
@@ -14584,32 +14699,32 @@
                     </p:cTn>
                   </p:par>
                   <p:par>
-                    <p:cTn id="48" fill="hold">
+                    <p:cTn id="54" fill="hold">
                       <p:stCondLst>
                         <p:cond delay="indefinite"/>
                       </p:stCondLst>
                       <p:childTnLst>
                         <p:par>
-                          <p:cTn id="49" fill="hold">
+                          <p:cTn id="55" fill="hold">
                             <p:stCondLst>
                               <p:cond delay="0"/>
                             </p:stCondLst>
                             <p:childTnLst>
                               <p:par>
-                                <p:cTn id="50" presetID="16" presetClass="entr" presetSubtype="21" fill="hold" nodeType="clickEffect">
+                                <p:cTn id="56" presetID="10" presetClass="entr" presetSubtype="0" fill="hold" nodeType="clickEffect">
                                   <p:stCondLst>
                                     <p:cond delay="0"/>
                                   </p:stCondLst>
                                   <p:childTnLst>
                                     <p:set>
                                       <p:cBhvr>
-                                        <p:cTn id="51" dur="1" fill="hold">
+                                        <p:cTn id="57" dur="1" fill="hold">
                                           <p:stCondLst>
                                             <p:cond delay="0"/>
                                           </p:stCondLst>
                                         </p:cTn>
                                         <p:tgtEl>
-                                          <p:spTgt spid="20"/>
+                                          <p:spTgt spid="50"/>
                                         </p:tgtEl>
                                         <p:attrNameLst>
                                           <p:attrName>style.visibility</p:attrName>
@@ -14619,11 +14734,116 @@
                                         <p:strVal val="visible"/>
                                       </p:to>
                                     </p:set>
-                                    <p:animEffect transition="in" filter="barn(inVertical)">
+                                    <p:animEffect transition="in" filter="fade">
                                       <p:cBhvr>
-                                        <p:cTn id="52" dur="500"/>
+                                        <p:cTn id="58" dur="500"/>
                                         <p:tgtEl>
-                                          <p:spTgt spid="20"/>
+                                          <p:spTgt spid="50"/>
+                                        </p:tgtEl>
+                                      </p:cBhvr>
+                                    </p:animEffect>
+                                  </p:childTnLst>
+                                </p:cTn>
+                              </p:par>
+                              <p:par>
+                                <p:cTn id="59" presetID="10" presetClass="entr" presetSubtype="0" fill="hold" grpId="0" nodeType="withEffect">
+                                  <p:stCondLst>
+                                    <p:cond delay="0"/>
+                                  </p:stCondLst>
+                                  <p:childTnLst>
+                                    <p:set>
+                                      <p:cBhvr>
+                                        <p:cTn id="60" dur="1" fill="hold">
+                                          <p:stCondLst>
+                                            <p:cond delay="0"/>
+                                          </p:stCondLst>
+                                        </p:cTn>
+                                        <p:tgtEl>
+                                          <p:spTgt spid="67"/>
+                                        </p:tgtEl>
+                                        <p:attrNameLst>
+                                          <p:attrName>style.visibility</p:attrName>
+                                        </p:attrNameLst>
+                                      </p:cBhvr>
+                                      <p:to>
+                                        <p:strVal val="visible"/>
+                                      </p:to>
+                                    </p:set>
+                                    <p:animEffect transition="in" filter="fade">
+                                      <p:cBhvr>
+                                        <p:cTn id="61" dur="500"/>
+                                        <p:tgtEl>
+                                          <p:spTgt spid="67"/>
+                                        </p:tgtEl>
+                                      </p:cBhvr>
+                                    </p:animEffect>
+                                  </p:childTnLst>
+                                </p:cTn>
+                              </p:par>
+                              <p:par>
+                                <p:cTn id="62" presetID="10" presetClass="entr" presetSubtype="0" fill="hold" nodeType="withEffect">
+                                  <p:stCondLst>
+                                    <p:cond delay="0"/>
+                                  </p:stCondLst>
+                                  <p:childTnLst>
+                                    <p:set>
+                                      <p:cBhvr>
+                                        <p:cTn id="63" dur="1" fill="hold">
+                                          <p:stCondLst>
+                                            <p:cond delay="0"/>
+                                          </p:stCondLst>
+                                        </p:cTn>
+                                        <p:tgtEl>
+                                          <p:spTgt spid="45"/>
+                                        </p:tgtEl>
+                                        <p:attrNameLst>
+                                          <p:attrName>style.visibility</p:attrName>
+                                        </p:attrNameLst>
+                                      </p:cBhvr>
+                                      <p:to>
+                                        <p:strVal val="visible"/>
+                                      </p:to>
+                                    </p:set>
+                                    <p:animEffect transition="in" filter="fade">
+                                      <p:cBhvr>
+                                        <p:cTn id="64" dur="500"/>
+                                        <p:tgtEl>
+                                          <p:spTgt spid="45"/>
+                                        </p:tgtEl>
+                                      </p:cBhvr>
+                                    </p:animEffect>
+                                  </p:childTnLst>
+                                </p:cTn>
+                              </p:par>
+                              <p:par>
+                                <p:cTn id="65" presetID="10" presetClass="entr" presetSubtype="0" fill="hold" grpId="0" nodeType="withEffect">
+                                  <p:stCondLst>
+                                    <p:cond delay="0"/>
+                                  </p:stCondLst>
+                                  <p:childTnLst>
+                                    <p:set>
+                                      <p:cBhvr>
+                                        <p:cTn id="66" dur="1" fill="hold">
+                                          <p:stCondLst>
+                                            <p:cond delay="0"/>
+                                          </p:stCondLst>
+                                        </p:cTn>
+                                        <p:tgtEl>
+                                          <p:spTgt spid="68"/>
+                                        </p:tgtEl>
+                                        <p:attrNameLst>
+                                          <p:attrName>style.visibility</p:attrName>
+                                        </p:attrNameLst>
+                                      </p:cBhvr>
+                                      <p:to>
+                                        <p:strVal val="visible"/>
+                                      </p:to>
+                                    </p:set>
+                                    <p:animEffect transition="in" filter="fade">
+                                      <p:cBhvr>
+                                        <p:cTn id="67" dur="500"/>
+                                        <p:tgtEl>
+                                          <p:spTgt spid="68"/>
                                         </p:tgtEl>
                                       </p:cBhvr>
                                     </p:animEffect>
@@ -14637,32 +14857,32 @@
                     </p:cTn>
                   </p:par>
                   <p:par>
-                    <p:cTn id="53" fill="hold">
+                    <p:cTn id="68" fill="hold">
                       <p:stCondLst>
                         <p:cond delay="indefinite"/>
                       </p:stCondLst>
                       <p:childTnLst>
                         <p:par>
-                          <p:cTn id="54" fill="hold">
+                          <p:cTn id="69" fill="hold">
                             <p:stCondLst>
                               <p:cond delay="0"/>
                             </p:stCondLst>
                             <p:childTnLst>
                               <p:par>
-                                <p:cTn id="55" presetID="22" presetClass="entr" presetSubtype="4" fill="hold" nodeType="clickEffect">
+                                <p:cTn id="70" presetID="10" presetClass="entr" presetSubtype="0" fill="hold" nodeType="clickEffect">
                                   <p:stCondLst>
                                     <p:cond delay="0"/>
                                   </p:stCondLst>
                                   <p:childTnLst>
                                     <p:set>
                                       <p:cBhvr>
-                                        <p:cTn id="56" dur="1" fill="hold">
+                                        <p:cTn id="71" dur="1" fill="hold">
                                           <p:stCondLst>
                                             <p:cond delay="0"/>
                                           </p:stCondLst>
                                         </p:cTn>
                                         <p:tgtEl>
-                                          <p:spTgt spid="32"/>
+                                          <p:spTgt spid="48"/>
                                         </p:tgtEl>
                                         <p:attrNameLst>
                                           <p:attrName>style.visibility</p:attrName>
@@ -14672,11 +14892,433 @@
                                         <p:strVal val="visible"/>
                                       </p:to>
                                     </p:set>
-                                    <p:animEffect transition="in" filter="wipe(down)">
+                                    <p:animEffect transition="in" filter="fade">
                                       <p:cBhvr>
-                                        <p:cTn id="57" dur="500"/>
+                                        <p:cTn id="72" dur="500"/>
                                         <p:tgtEl>
-                                          <p:spTgt spid="32"/>
+                                          <p:spTgt spid="48"/>
+                                        </p:tgtEl>
+                                      </p:cBhvr>
+                                    </p:animEffect>
+                                  </p:childTnLst>
+                                </p:cTn>
+                              </p:par>
+                              <p:par>
+                                <p:cTn id="73" presetID="10" presetClass="entr" presetSubtype="0" fill="hold" grpId="0" nodeType="withEffect">
+                                  <p:stCondLst>
+                                    <p:cond delay="0"/>
+                                  </p:stCondLst>
+                                  <p:childTnLst>
+                                    <p:set>
+                                      <p:cBhvr>
+                                        <p:cTn id="74" dur="1" fill="hold">
+                                          <p:stCondLst>
+                                            <p:cond delay="0"/>
+                                          </p:stCondLst>
+                                        </p:cTn>
+                                        <p:tgtEl>
+                                          <p:spTgt spid="83"/>
+                                        </p:tgtEl>
+                                        <p:attrNameLst>
+                                          <p:attrName>style.visibility</p:attrName>
+                                        </p:attrNameLst>
+                                      </p:cBhvr>
+                                      <p:to>
+                                        <p:strVal val="visible"/>
+                                      </p:to>
+                                    </p:set>
+                                    <p:animEffect transition="in" filter="fade">
+                                      <p:cBhvr>
+                                        <p:cTn id="75" dur="500"/>
+                                        <p:tgtEl>
+                                          <p:spTgt spid="83"/>
+                                        </p:tgtEl>
+                                      </p:cBhvr>
+                                    </p:animEffect>
+                                  </p:childTnLst>
+                                </p:cTn>
+                              </p:par>
+                            </p:childTnLst>
+                          </p:cTn>
+                        </p:par>
+                      </p:childTnLst>
+                    </p:cTn>
+                  </p:par>
+                  <p:par>
+                    <p:cTn id="76" fill="hold">
+                      <p:stCondLst>
+                        <p:cond delay="indefinite"/>
+                      </p:stCondLst>
+                      <p:childTnLst>
+                        <p:par>
+                          <p:cTn id="77" fill="hold">
+                            <p:stCondLst>
+                              <p:cond delay="0"/>
+                            </p:stCondLst>
+                            <p:childTnLst>
+                              <p:par>
+                                <p:cTn id="78" presetID="10" presetClass="entr" presetSubtype="0" fill="hold" grpId="0" nodeType="clickEffect">
+                                  <p:stCondLst>
+                                    <p:cond delay="0"/>
+                                  </p:stCondLst>
+                                  <p:childTnLst>
+                                    <p:set>
+                                      <p:cBhvr>
+                                        <p:cTn id="79" dur="1" fill="hold">
+                                          <p:stCondLst>
+                                            <p:cond delay="0"/>
+                                          </p:stCondLst>
+                                        </p:cTn>
+                                        <p:tgtEl>
+                                          <p:spTgt spid="84"/>
+                                        </p:tgtEl>
+                                        <p:attrNameLst>
+                                          <p:attrName>style.visibility</p:attrName>
+                                        </p:attrNameLst>
+                                      </p:cBhvr>
+                                      <p:to>
+                                        <p:strVal val="visible"/>
+                                      </p:to>
+                                    </p:set>
+                                    <p:animEffect transition="in" filter="fade">
+                                      <p:cBhvr>
+                                        <p:cTn id="80" dur="500"/>
+                                        <p:tgtEl>
+                                          <p:spTgt spid="84"/>
+                                        </p:tgtEl>
+                                      </p:cBhvr>
+                                    </p:animEffect>
+                                  </p:childTnLst>
+                                </p:cTn>
+                              </p:par>
+                              <p:par>
+                                <p:cTn id="81" presetID="10" presetClass="entr" presetSubtype="0" fill="hold" nodeType="withEffect">
+                                  <p:stCondLst>
+                                    <p:cond delay="0"/>
+                                  </p:stCondLst>
+                                  <p:childTnLst>
+                                    <p:set>
+                                      <p:cBhvr>
+                                        <p:cTn id="82" dur="1" fill="hold">
+                                          <p:stCondLst>
+                                            <p:cond delay="0"/>
+                                          </p:stCondLst>
+                                        </p:cTn>
+                                        <p:tgtEl>
+                                          <p:spTgt spid="51"/>
+                                        </p:tgtEl>
+                                        <p:attrNameLst>
+                                          <p:attrName>style.visibility</p:attrName>
+                                        </p:attrNameLst>
+                                      </p:cBhvr>
+                                      <p:to>
+                                        <p:strVal val="visible"/>
+                                      </p:to>
+                                    </p:set>
+                                    <p:animEffect transition="in" filter="fade">
+                                      <p:cBhvr>
+                                        <p:cTn id="83" dur="500"/>
+                                        <p:tgtEl>
+                                          <p:spTgt spid="51"/>
+                                        </p:tgtEl>
+                                      </p:cBhvr>
+                                    </p:animEffect>
+                                  </p:childTnLst>
+                                </p:cTn>
+                              </p:par>
+                            </p:childTnLst>
+                          </p:cTn>
+                        </p:par>
+                      </p:childTnLst>
+                    </p:cTn>
+                  </p:par>
+                  <p:par>
+                    <p:cTn id="84" fill="hold">
+                      <p:stCondLst>
+                        <p:cond delay="indefinite"/>
+                      </p:stCondLst>
+                      <p:childTnLst>
+                        <p:par>
+                          <p:cTn id="85" fill="hold">
+                            <p:stCondLst>
+                              <p:cond delay="0"/>
+                            </p:stCondLst>
+                            <p:childTnLst>
+                              <p:par>
+                                <p:cTn id="86" presetID="10" presetClass="entr" presetSubtype="0" fill="hold" nodeType="clickEffect">
+                                  <p:stCondLst>
+                                    <p:cond delay="0"/>
+                                  </p:stCondLst>
+                                  <p:childTnLst>
+                                    <p:set>
+                                      <p:cBhvr>
+                                        <p:cTn id="87" dur="1" fill="hold">
+                                          <p:stCondLst>
+                                            <p:cond delay="0"/>
+                                          </p:stCondLst>
+                                        </p:cTn>
+                                        <p:tgtEl>
+                                          <p:spTgt spid="74"/>
+                                        </p:tgtEl>
+                                        <p:attrNameLst>
+                                          <p:attrName>style.visibility</p:attrName>
+                                        </p:attrNameLst>
+                                      </p:cBhvr>
+                                      <p:to>
+                                        <p:strVal val="visible"/>
+                                      </p:to>
+                                    </p:set>
+                                    <p:animEffect transition="in" filter="fade">
+                                      <p:cBhvr>
+                                        <p:cTn id="88" dur="500"/>
+                                        <p:tgtEl>
+                                          <p:spTgt spid="74"/>
+                                        </p:tgtEl>
+                                      </p:cBhvr>
+                                    </p:animEffect>
+                                  </p:childTnLst>
+                                </p:cTn>
+                              </p:par>
+                              <p:par>
+                                <p:cTn id="89" presetID="10" presetClass="entr" presetSubtype="0" fill="hold" grpId="0" nodeType="withEffect">
+                                  <p:stCondLst>
+                                    <p:cond delay="0"/>
+                                  </p:stCondLst>
+                                  <p:childTnLst>
+                                    <p:set>
+                                      <p:cBhvr>
+                                        <p:cTn id="90" dur="1" fill="hold">
+                                          <p:stCondLst>
+                                            <p:cond delay="0"/>
+                                          </p:stCondLst>
+                                        </p:cTn>
+                                        <p:tgtEl>
+                                          <p:spTgt spid="85"/>
+                                        </p:tgtEl>
+                                        <p:attrNameLst>
+                                          <p:attrName>style.visibility</p:attrName>
+                                        </p:attrNameLst>
+                                      </p:cBhvr>
+                                      <p:to>
+                                        <p:strVal val="visible"/>
+                                      </p:to>
+                                    </p:set>
+                                    <p:animEffect transition="in" filter="fade">
+                                      <p:cBhvr>
+                                        <p:cTn id="91" dur="500"/>
+                                        <p:tgtEl>
+                                          <p:spTgt spid="85"/>
+                                        </p:tgtEl>
+                                      </p:cBhvr>
+                                    </p:animEffect>
+                                  </p:childTnLst>
+                                </p:cTn>
+                              </p:par>
+                            </p:childTnLst>
+                          </p:cTn>
+                        </p:par>
+                      </p:childTnLst>
+                    </p:cTn>
+                  </p:par>
+                  <p:par>
+                    <p:cTn id="92" fill="hold">
+                      <p:stCondLst>
+                        <p:cond delay="indefinite"/>
+                      </p:stCondLst>
+                      <p:childTnLst>
+                        <p:par>
+                          <p:cTn id="93" fill="hold">
+                            <p:stCondLst>
+                              <p:cond delay="0"/>
+                            </p:stCondLst>
+                            <p:childTnLst>
+                              <p:par>
+                                <p:cTn id="94" presetID="10" presetClass="entr" presetSubtype="0" fill="hold" nodeType="clickEffect">
+                                  <p:stCondLst>
+                                    <p:cond delay="0"/>
+                                  </p:stCondLst>
+                                  <p:childTnLst>
+                                    <p:set>
+                                      <p:cBhvr>
+                                        <p:cTn id="95" dur="1" fill="hold">
+                                          <p:stCondLst>
+                                            <p:cond delay="0"/>
+                                          </p:stCondLst>
+                                        </p:cTn>
+                                        <p:tgtEl>
+                                          <p:spTgt spid="73"/>
+                                        </p:tgtEl>
+                                        <p:attrNameLst>
+                                          <p:attrName>style.visibility</p:attrName>
+                                        </p:attrNameLst>
+                                      </p:cBhvr>
+                                      <p:to>
+                                        <p:strVal val="visible"/>
+                                      </p:to>
+                                    </p:set>
+                                    <p:animEffect transition="in" filter="fade">
+                                      <p:cBhvr>
+                                        <p:cTn id="96" dur="500"/>
+                                        <p:tgtEl>
+                                          <p:spTgt spid="73"/>
+                                        </p:tgtEl>
+                                      </p:cBhvr>
+                                    </p:animEffect>
+                                  </p:childTnLst>
+                                </p:cTn>
+                              </p:par>
+                              <p:par>
+                                <p:cTn id="97" presetID="10" presetClass="entr" presetSubtype="0" fill="hold" grpId="0" nodeType="withEffect">
+                                  <p:stCondLst>
+                                    <p:cond delay="0"/>
+                                  </p:stCondLst>
+                                  <p:childTnLst>
+                                    <p:set>
+                                      <p:cBhvr>
+                                        <p:cTn id="98" dur="1" fill="hold">
+                                          <p:stCondLst>
+                                            <p:cond delay="0"/>
+                                          </p:stCondLst>
+                                        </p:cTn>
+                                        <p:tgtEl>
+                                          <p:spTgt spid="86"/>
+                                        </p:tgtEl>
+                                        <p:attrNameLst>
+                                          <p:attrName>style.visibility</p:attrName>
+                                        </p:attrNameLst>
+                                      </p:cBhvr>
+                                      <p:to>
+                                        <p:strVal val="visible"/>
+                                      </p:to>
+                                    </p:set>
+                                    <p:animEffect transition="in" filter="fade">
+                                      <p:cBhvr>
+                                        <p:cTn id="99" dur="500"/>
+                                        <p:tgtEl>
+                                          <p:spTgt spid="86"/>
+                                        </p:tgtEl>
+                                      </p:cBhvr>
+                                    </p:animEffect>
+                                  </p:childTnLst>
+                                </p:cTn>
+                              </p:par>
+                            </p:childTnLst>
+                          </p:cTn>
+                        </p:par>
+                      </p:childTnLst>
+                    </p:cTn>
+                  </p:par>
+                  <p:par>
+                    <p:cTn id="100" fill="hold">
+                      <p:stCondLst>
+                        <p:cond delay="indefinite"/>
+                      </p:stCondLst>
+                      <p:childTnLst>
+                        <p:par>
+                          <p:cTn id="101" fill="hold">
+                            <p:stCondLst>
+                              <p:cond delay="0"/>
+                            </p:stCondLst>
+                            <p:childTnLst>
+                              <p:par>
+                                <p:cTn id="102" presetID="10" presetClass="entr" presetSubtype="0" fill="hold" nodeType="clickEffect">
+                                  <p:stCondLst>
+                                    <p:cond delay="0"/>
+                                  </p:stCondLst>
+                                  <p:childTnLst>
+                                    <p:set>
+                                      <p:cBhvr>
+                                        <p:cTn id="103" dur="1" fill="hold">
+                                          <p:stCondLst>
+                                            <p:cond delay="0"/>
+                                          </p:stCondLst>
+                                        </p:cTn>
+                                        <p:tgtEl>
+                                          <p:spTgt spid="87"/>
+                                        </p:tgtEl>
+                                        <p:attrNameLst>
+                                          <p:attrName>style.visibility</p:attrName>
+                                        </p:attrNameLst>
+                                      </p:cBhvr>
+                                      <p:to>
+                                        <p:strVal val="visible"/>
+                                      </p:to>
+                                    </p:set>
+                                    <p:animEffect transition="in" filter="fade">
+                                      <p:cBhvr>
+                                        <p:cTn id="104" dur="500"/>
+                                        <p:tgtEl>
+                                          <p:spTgt spid="87"/>
+                                        </p:tgtEl>
+                                      </p:cBhvr>
+                                    </p:animEffect>
+                                  </p:childTnLst>
+                                </p:cTn>
+                              </p:par>
+                              <p:par>
+                                <p:cTn id="105" presetID="10" presetClass="entr" presetSubtype="0" fill="hold" grpId="0" nodeType="withEffect">
+                                  <p:stCondLst>
+                                    <p:cond delay="0"/>
+                                  </p:stCondLst>
+                                  <p:childTnLst>
+                                    <p:set>
+                                      <p:cBhvr>
+                                        <p:cTn id="106" dur="1" fill="hold">
+                                          <p:stCondLst>
+                                            <p:cond delay="0"/>
+                                          </p:stCondLst>
+                                        </p:cTn>
+                                        <p:tgtEl>
+                                          <p:spTgt spid="89"/>
+                                        </p:tgtEl>
+                                        <p:attrNameLst>
+                                          <p:attrName>style.visibility</p:attrName>
+                                        </p:attrNameLst>
+                                      </p:cBhvr>
+                                      <p:to>
+                                        <p:strVal val="visible"/>
+                                      </p:to>
+                                    </p:set>
+                                    <p:animEffect transition="in" filter="fade">
+                                      <p:cBhvr>
+                                        <p:cTn id="107" dur="500"/>
+                                        <p:tgtEl>
+                                          <p:spTgt spid="89"/>
+                                        </p:tgtEl>
+                                      </p:cBhvr>
+                                    </p:animEffect>
+                                  </p:childTnLst>
+                                </p:cTn>
+                              </p:par>
+                              <p:par>
+                                <p:cTn id="108" presetID="10" presetClass="entr" presetSubtype="0" fill="hold" nodeType="withEffect">
+                                  <p:stCondLst>
+                                    <p:cond delay="0"/>
+                                  </p:stCondLst>
+                                  <p:childTnLst>
+                                    <p:set>
+                                      <p:cBhvr>
+                                        <p:cTn id="109" dur="1" fill="hold">
+                                          <p:stCondLst>
+                                            <p:cond delay="0"/>
+                                          </p:stCondLst>
+                                        </p:cTn>
+                                        <p:tgtEl>
+                                          <p:spTgt spid="95"/>
+                                        </p:tgtEl>
+                                        <p:attrNameLst>
+                                          <p:attrName>style.visibility</p:attrName>
+                                        </p:attrNameLst>
+                                      </p:cBhvr>
+                                      <p:to>
+                                        <p:strVal val="visible"/>
+                                      </p:to>
+                                    </p:set>
+                                    <p:animEffect transition="in" filter="fade">
+                                      <p:cBhvr>
+                                        <p:cTn id="110" dur="500"/>
+                                        <p:tgtEl>
+                                          <p:spTgt spid="95"/>
                                         </p:tgtEl>
                                       </p:cBhvr>
                                     </p:animEffect>
@@ -14710,11 +15352,24 @@
         </p:cTn>
       </p:par>
     </p:tnLst>
+    <p:bldLst>
+      <p:bldP spid="54" grpId="0"/>
+      <p:bldP spid="64" grpId="0"/>
+      <p:bldP spid="65" grpId="0"/>
+      <p:bldP spid="66" grpId="0"/>
+      <p:bldP spid="67" grpId="0"/>
+      <p:bldP spid="68" grpId="0"/>
+      <p:bldP spid="83" grpId="0"/>
+      <p:bldP spid="84" grpId="0"/>
+      <p:bldP spid="85" grpId="0"/>
+      <p:bldP spid="86" grpId="0"/>
+      <p:bldP spid="89" grpId="0"/>
+    </p:bldLst>
   </p:timing>
 </p:sld>
 </file>
 
-<file path=ppt/slides/slide4.xml><?xml version="1.0" encoding="utf-8"?>
+<file path=ppt/slides/slide3.xml><?xml version="1.0" encoding="utf-8"?>
 <p:sld xmlns:a="http://schemas.openxmlformats.org/drawingml/2006/main" xmlns:r="http://schemas.openxmlformats.org/officeDocument/2006/relationships" xmlns:p="http://schemas.openxmlformats.org/presentationml/2006/main">
   <p:cSld>
     <p:bg>
@@ -14797,7 +15452,7 @@
         </p:blipFill>
         <p:spPr>
           <a:xfrm>
-            <a:off x="1665962" y="1281202"/>
+            <a:off x="663880" y="1013876"/>
             <a:ext cx="8993687" cy="5396212"/>
           </a:xfrm>
         </p:spPr>
@@ -14810,7 +15465,7 @@
         </p:nvCxnSpPr>
         <p:spPr>
           <a:xfrm flipH="1" flipV="1">
-            <a:off x="3269293" y="2580362"/>
+            <a:off x="2267211" y="2313036"/>
             <a:ext cx="2430050" cy="313150"/>
           </a:xfrm>
           <a:prstGeom prst="straightConnector1">
@@ -14818,7 +15473,7 @@
           </a:prstGeom>
           <a:ln w="53975">
             <a:solidFill>
-              <a:srgbClr val="1A8A14"/>
+              <a:srgbClr val="00B0F0"/>
             </a:solidFill>
             <a:tailEnd type="triangle"/>
           </a:ln>
@@ -14846,7 +15501,7 @@
         </p:nvCxnSpPr>
         <p:spPr>
           <a:xfrm flipV="1">
-            <a:off x="6826685" y="2567836"/>
+            <a:off x="5824603" y="2300510"/>
             <a:ext cx="2029216" cy="313150"/>
           </a:xfrm>
           <a:prstGeom prst="straightConnector1">
@@ -14854,7 +15509,7 @@
           </a:prstGeom>
           <a:ln w="53975">
             <a:solidFill>
-              <a:srgbClr val="1A8A14"/>
+              <a:srgbClr val="C00000"/>
             </a:solidFill>
             <a:tailEnd type="triangle"/>
           </a:ln>
@@ -14882,7 +15537,7 @@
         </p:nvCxnSpPr>
         <p:spPr>
           <a:xfrm>
-            <a:off x="2830882" y="3519814"/>
+            <a:off x="1828800" y="3252488"/>
             <a:ext cx="0" cy="1340285"/>
           </a:xfrm>
           <a:prstGeom prst="straightConnector1">
@@ -14890,7 +15545,7 @@
           </a:prstGeom>
           <a:ln w="53975">
             <a:solidFill>
-              <a:srgbClr val="1A8A14"/>
+              <a:srgbClr val="00B0F0"/>
             </a:solidFill>
             <a:tailEnd type="triangle"/>
           </a:ln>
@@ -14918,7 +15573,7 @@
         </p:nvCxnSpPr>
         <p:spPr>
           <a:xfrm>
-            <a:off x="9394521" y="3632548"/>
+            <a:off x="8392439" y="3365222"/>
             <a:ext cx="0" cy="1215025"/>
           </a:xfrm>
           <a:prstGeom prst="straightConnector1">
@@ -14926,7 +15581,7 @@
           </a:prstGeom>
           <a:ln w="53975">
             <a:solidFill>
-              <a:srgbClr val="1A8A14"/>
+              <a:srgbClr val="C00000"/>
             </a:solidFill>
             <a:tailEnd type="triangle"/>
           </a:ln>
@@ -14954,7 +15609,7 @@
         </p:nvCxnSpPr>
         <p:spPr>
           <a:xfrm flipH="1" flipV="1">
-            <a:off x="6739003" y="4133589"/>
+            <a:off x="5736921" y="3866263"/>
             <a:ext cx="2104374" cy="1039660"/>
           </a:xfrm>
           <a:prstGeom prst="straightConnector1">
@@ -14990,7 +15645,7 @@
         </p:nvCxnSpPr>
         <p:spPr>
           <a:xfrm flipV="1">
-            <a:off x="3870542" y="4158641"/>
+            <a:off x="2868460" y="3891315"/>
             <a:ext cx="1841326" cy="701459"/>
           </a:xfrm>
           <a:prstGeom prst="straightConnector1">
@@ -15026,7 +15681,7 @@
         </p:nvCxnSpPr>
         <p:spPr>
           <a:xfrm flipH="1" flipV="1">
-            <a:off x="3269293" y="2893513"/>
+            <a:off x="2267211" y="2626187"/>
             <a:ext cx="2492680" cy="889348"/>
           </a:xfrm>
           <a:prstGeom prst="straightConnector1">
@@ -15062,7 +15717,7 @@
         </p:nvCxnSpPr>
         <p:spPr>
           <a:xfrm flipV="1">
-            <a:off x="6663847" y="2918566"/>
+            <a:off x="5661765" y="2651240"/>
             <a:ext cx="2242158" cy="939450"/>
           </a:xfrm>
           <a:prstGeom prst="straightConnector1">
@@ -15098,7 +15753,7 @@
         </p:nvGrpSpPr>
         <p:grpSpPr>
           <a:xfrm>
-            <a:off x="2790896" y="5233666"/>
+            <a:off x="1788814" y="4966340"/>
             <a:ext cx="2908447" cy="334077"/>
             <a:chOff x="2790896" y="5233666"/>
             <a:chExt cx="2908447" cy="334077"/>
@@ -15120,7 +15775,7 @@
             </a:prstGeom>
             <a:ln w="31750">
               <a:solidFill>
-                <a:srgbClr val="FF0000"/>
+                <a:srgbClr val="00B050"/>
               </a:solidFill>
             </a:ln>
           </p:spPr>
@@ -15169,7 +15824,7 @@
               </a:prstGeom>
               <a:ln w="31750">
                 <a:solidFill>
-                  <a:srgbClr val="FF0000"/>
+                  <a:srgbClr val="00B050"/>
                 </a:solidFill>
               </a:ln>
             </p:spPr>
@@ -15204,7 +15859,7 @@
               </a:prstGeom>
               <a:ln w="31750">
                 <a:solidFill>
-                  <a:srgbClr val="FF0000"/>
+                  <a:srgbClr val="00B050"/>
                 </a:solidFill>
               </a:ln>
             </p:spPr>
@@ -15239,7 +15894,7 @@
               </a:prstGeom>
               <a:ln w="31750">
                 <a:solidFill>
-                  <a:srgbClr val="FF0000"/>
+                  <a:srgbClr val="00B050"/>
                 </a:solidFill>
                 <a:tailEnd type="triangle"/>
               </a:ln>
@@ -15269,7 +15924,7 @@
         </p:nvGrpSpPr>
         <p:grpSpPr>
           <a:xfrm>
-            <a:off x="6739004" y="5614402"/>
+            <a:off x="5736922" y="5347076"/>
             <a:ext cx="2045607" cy="199694"/>
             <a:chOff x="6739004" y="5614402"/>
             <a:chExt cx="2045607" cy="199694"/>
@@ -15291,7 +15946,7 @@
             </a:prstGeom>
             <a:ln w="25400">
               <a:solidFill>
-                <a:srgbClr val="FF0000"/>
+                <a:srgbClr val="00B050"/>
               </a:solidFill>
             </a:ln>
           </p:spPr>
@@ -15326,7 +15981,7 @@
             </a:prstGeom>
             <a:ln w="25400">
               <a:solidFill>
-                <a:srgbClr val="FF0000"/>
+                <a:srgbClr val="00B050"/>
               </a:solidFill>
             </a:ln>
           </p:spPr>
@@ -15361,7 +16016,7 @@
             </a:prstGeom>
             <a:ln w="25400">
               <a:solidFill>
-                <a:srgbClr val="FF0000"/>
+                <a:srgbClr val="00B050"/>
               </a:solidFill>
               <a:tailEnd type="triangle"/>
             </a:ln>
@@ -15397,7 +16052,7 @@
             </a:prstGeom>
             <a:ln w="25400">
               <a:solidFill>
-                <a:srgbClr val="FF0000"/>
+                <a:srgbClr val="00B050"/>
               </a:solidFill>
               <a:tailEnd type="triangle"/>
             </a:ln>
@@ -15426,7 +16081,7 @@
         </p:nvCxnSpPr>
         <p:spPr>
           <a:xfrm flipV="1">
-            <a:off x="3449307" y="6023493"/>
+            <a:off x="2447225" y="5756167"/>
             <a:ext cx="2250036" cy="51630"/>
           </a:xfrm>
           <a:prstGeom prst="straightConnector1">
@@ -15434,7 +16089,7 @@
           </a:prstGeom>
           <a:ln w="34925">
             <a:solidFill>
-              <a:srgbClr val="FF0000"/>
+              <a:srgbClr val="00B050"/>
             </a:solidFill>
             <a:tailEnd type="triangle"/>
           </a:ln>
@@ -15462,7 +16117,7 @@
         </p:nvCxnSpPr>
         <p:spPr>
           <a:xfrm flipV="1">
-            <a:off x="6432000" y="5963803"/>
+            <a:off x="5429918" y="5696477"/>
             <a:ext cx="2250036" cy="51630"/>
           </a:xfrm>
           <a:prstGeom prst="straightConnector1">
@@ -15470,7 +16125,7 @@
           </a:prstGeom>
           <a:ln w="34925">
             <a:solidFill>
-              <a:srgbClr val="FF0000"/>
+              <a:srgbClr val="00B050"/>
             </a:solidFill>
             <a:tailEnd type="triangle"/>
           </a:ln>
@@ -15498,7 +16153,7 @@
         </p:nvGrpSpPr>
         <p:grpSpPr>
           <a:xfrm>
-            <a:off x="2964800" y="5575639"/>
+            <a:off x="1962718" y="5308313"/>
             <a:ext cx="2734543" cy="374805"/>
             <a:chOff x="2964800" y="5575639"/>
             <a:chExt cx="2734543" cy="374805"/>
@@ -15520,7 +16175,7 @@
             </a:prstGeom>
             <a:ln w="25400">
               <a:solidFill>
-                <a:srgbClr val="FF0000"/>
+                <a:srgbClr val="00B050"/>
               </a:solidFill>
             </a:ln>
           </p:spPr>
@@ -15555,7 +16210,7 @@
             </a:prstGeom>
             <a:ln w="25400">
               <a:solidFill>
-                <a:srgbClr val="FF0000"/>
+                <a:srgbClr val="00B050"/>
               </a:solidFill>
             </a:ln>
           </p:spPr>
@@ -15590,7 +16245,7 @@
             </a:prstGeom>
             <a:ln w="25400">
               <a:solidFill>
-                <a:srgbClr val="FF0000"/>
+                <a:srgbClr val="00B050"/>
               </a:solidFill>
             </a:ln>
           </p:spPr>
@@ -15625,7 +16280,7 @@
             </a:prstGeom>
             <a:ln w="25400">
               <a:solidFill>
-                <a:srgbClr val="FF0000"/>
+                <a:srgbClr val="00B050"/>
               </a:solidFill>
             </a:ln>
           </p:spPr>
@@ -15660,7 +16315,7 @@
             </a:prstGeom>
             <a:ln w="34925">
               <a:solidFill>
-                <a:srgbClr val="FF0000"/>
+                <a:srgbClr val="00B050"/>
               </a:solidFill>
               <a:tailEnd type="triangle"/>
             </a:ln>
@@ -15689,7 +16344,7 @@
         </p:nvCxnSpPr>
         <p:spPr>
           <a:xfrm flipV="1">
-            <a:off x="6716275" y="5462345"/>
+            <a:off x="5714193" y="5195019"/>
             <a:ext cx="2068336" cy="139109"/>
           </a:xfrm>
           <a:prstGeom prst="straightConnector1">
@@ -15697,7 +16352,7 @@
           </a:prstGeom>
           <a:ln w="34925">
             <a:solidFill>
-              <a:srgbClr val="FF0000"/>
+              <a:srgbClr val="00B050"/>
             </a:solidFill>
             <a:tailEnd type="triangle"/>
           </a:ln>
@@ -15717,6 +16372,242 @@
           </a:fontRef>
         </p:style>
       </p:cxnSp>
+      <p:sp>
+        <p:nvSpPr>
+          <p:cNvPr id="26" name="Rounded Rectangle 25"/>
+          <p:cNvSpPr/>
+          <p:nvPr/>
+        </p:nvSpPr>
+        <p:spPr>
+          <a:xfrm>
+            <a:off x="9745249" y="2116899"/>
+            <a:ext cx="2304789" cy="1473791"/>
+          </a:xfrm>
+          <a:prstGeom prst="roundRect">
+            <a:avLst/>
+          </a:prstGeom>
+          <a:noFill/>
+          <a:ln>
+            <a:solidFill>
+              <a:srgbClr val="0070C0"/>
+            </a:solidFill>
+          </a:ln>
+        </p:spPr>
+        <p:style>
+          <a:lnRef idx="2">
+            <a:schemeClr val="accent6"/>
+          </a:lnRef>
+          <a:fillRef idx="1">
+            <a:schemeClr val="lt1"/>
+          </a:fillRef>
+          <a:effectRef idx="0">
+            <a:schemeClr val="accent6"/>
+          </a:effectRef>
+          <a:fontRef idx="minor">
+            <a:schemeClr val="dk1"/>
+          </a:fontRef>
+        </p:style>
+        <p:txBody>
+          <a:bodyPr rtlCol="0" anchor="ctr"/>
+          <a:lstStyle/>
+          <a:p>
+            <a:pPr algn="ctr"/>
+            <a:endParaRPr lang="en-US">
+              <a:ln w="0"/>
+              <a:solidFill>
+                <a:schemeClr val="tx1"/>
+              </a:solidFill>
+              <a:effectLst>
+                <a:outerShdw blurRad="38100" dist="19050" dir="2700000" algn="tl" rotWithShape="0">
+                  <a:schemeClr val="dk1">
+                    <a:alpha val="40000"/>
+                  </a:schemeClr>
+                </a:outerShdw>
+              </a:effectLst>
+            </a:endParaRPr>
+          </a:p>
+        </p:txBody>
+      </p:sp>
+      <p:cxnSp>
+        <p:nvCxnSpPr>
+          <p:cNvPr id="28" name="Straight Arrow Connector 27"/>
+          <p:cNvCxnSpPr/>
+          <p:nvPr/>
+        </p:nvCxnSpPr>
+        <p:spPr>
+          <a:xfrm>
+            <a:off x="9870509" y="2334305"/>
+            <a:ext cx="667512" cy="0"/>
+          </a:xfrm>
+          <a:prstGeom prst="straightConnector1">
+            <a:avLst/>
+          </a:prstGeom>
+          <a:ln w="38100">
+            <a:solidFill>
+              <a:srgbClr val="00B0F0"/>
+            </a:solidFill>
+            <a:tailEnd type="triangle"/>
+          </a:ln>
+        </p:spPr>
+        <p:style>
+          <a:lnRef idx="1">
+            <a:schemeClr val="accent1"/>
+          </a:lnRef>
+          <a:fillRef idx="0">
+            <a:schemeClr val="accent1"/>
+          </a:fillRef>
+          <a:effectRef idx="0">
+            <a:schemeClr val="accent1"/>
+          </a:effectRef>
+          <a:fontRef idx="minor">
+            <a:schemeClr val="tx1"/>
+          </a:fontRef>
+        </p:style>
+      </p:cxnSp>
+      <p:cxnSp>
+        <p:nvCxnSpPr>
+          <p:cNvPr id="57" name="Straight Arrow Connector 56"/>
+          <p:cNvCxnSpPr/>
+          <p:nvPr/>
+        </p:nvCxnSpPr>
+        <p:spPr>
+          <a:xfrm>
+            <a:off x="9860071" y="2843601"/>
+            <a:ext cx="662563" cy="12142"/>
+          </a:xfrm>
+          <a:prstGeom prst="straightConnector1">
+            <a:avLst/>
+          </a:prstGeom>
+          <a:ln w="38100">
+            <a:solidFill>
+              <a:srgbClr val="C00000"/>
+            </a:solidFill>
+            <a:tailEnd type="triangle"/>
+          </a:ln>
+        </p:spPr>
+        <p:style>
+          <a:lnRef idx="1">
+            <a:schemeClr val="accent1"/>
+          </a:lnRef>
+          <a:fillRef idx="0">
+            <a:schemeClr val="accent1"/>
+          </a:fillRef>
+          <a:effectRef idx="0">
+            <a:schemeClr val="accent1"/>
+          </a:effectRef>
+          <a:fontRef idx="minor">
+            <a:schemeClr val="tx1"/>
+          </a:fontRef>
+        </p:style>
+      </p:cxnSp>
+      <p:cxnSp>
+        <p:nvCxnSpPr>
+          <p:cNvPr id="58" name="Straight Arrow Connector 57"/>
+          <p:cNvCxnSpPr/>
+          <p:nvPr/>
+        </p:nvCxnSpPr>
+        <p:spPr>
+          <a:xfrm>
+            <a:off x="9872597" y="3339825"/>
+            <a:ext cx="667512" cy="0"/>
+          </a:xfrm>
+          <a:prstGeom prst="straightConnector1">
+            <a:avLst/>
+          </a:prstGeom>
+          <a:ln w="38100">
+            <a:solidFill>
+              <a:srgbClr val="00B050"/>
+            </a:solidFill>
+            <a:tailEnd type="triangle"/>
+          </a:ln>
+        </p:spPr>
+        <p:style>
+          <a:lnRef idx="1">
+            <a:schemeClr val="accent1"/>
+          </a:lnRef>
+          <a:fillRef idx="0">
+            <a:schemeClr val="accent1"/>
+          </a:fillRef>
+          <a:effectRef idx="0">
+            <a:schemeClr val="accent1"/>
+          </a:effectRef>
+          <a:fontRef idx="minor">
+            <a:schemeClr val="tx1"/>
+          </a:fontRef>
+        </p:style>
+      </p:cxnSp>
+      <p:sp>
+        <p:nvSpPr>
+          <p:cNvPr id="35" name="TextBox 34"/>
+          <p:cNvSpPr txBox="1"/>
+          <p:nvPr/>
+        </p:nvSpPr>
+        <p:spPr>
+          <a:xfrm>
+            <a:off x="10538021" y="2207693"/>
+            <a:ext cx="1596912" cy="1323439"/>
+          </a:xfrm>
+          <a:prstGeom prst="rect">
+            <a:avLst/>
+          </a:prstGeom>
+          <a:noFill/>
+        </p:spPr>
+        <p:txBody>
+          <a:bodyPr wrap="none" rtlCol="0">
+            <a:spAutoFit/>
+          </a:bodyPr>
+          <a:lstStyle/>
+          <a:p>
+            <a:r>
+              <a:rPr lang="en-US" sz="1600" dirty="0" smtClean="0">
+                <a:solidFill>
+                  <a:srgbClr val="005674"/>
+                </a:solidFill>
+              </a:rPr>
+              <a:t>Online mode</a:t>
+            </a:r>
+          </a:p>
+          <a:p>
+            <a:endParaRPr lang="en-US" sz="1600" dirty="0" smtClean="0">
+              <a:solidFill>
+                <a:srgbClr val="005674"/>
+              </a:solidFill>
+            </a:endParaRPr>
+          </a:p>
+          <a:p>
+            <a:r>
+              <a:rPr lang="en-US" sz="1600" dirty="0" smtClean="0">
+                <a:solidFill>
+                  <a:srgbClr val="005674"/>
+                </a:solidFill>
+              </a:rPr>
+              <a:t>Offline mode</a:t>
+            </a:r>
+          </a:p>
+          <a:p>
+            <a:endParaRPr lang="en-US" sz="1600" dirty="0" smtClean="0">
+              <a:solidFill>
+                <a:srgbClr val="005674"/>
+              </a:solidFill>
+            </a:endParaRPr>
+          </a:p>
+          <a:p>
+            <a:r>
+              <a:rPr lang="en-US" sz="1600" dirty="0" smtClean="0">
+                <a:solidFill>
+                  <a:srgbClr val="005674"/>
+                </a:solidFill>
+              </a:rPr>
+              <a:t>Sync database</a:t>
+            </a:r>
+            <a:endParaRPr lang="en-US" sz="1600" dirty="0">
+              <a:solidFill>
+                <a:srgbClr val="005674"/>
+              </a:solidFill>
+            </a:endParaRPr>
+          </a:p>
+        </p:txBody>
+      </p:sp>
     </p:spTree>
     <p:extLst>
       <p:ext uri="{BB962C8B-B14F-4D97-AF65-F5344CB8AC3E}">
@@ -15814,7 +16705,7 @@
                                           </p:stCondLst>
                                         </p:cTn>
                                         <p:tgtEl>
-                                          <p:spTgt spid="37"/>
+                                          <p:spTgt spid="38"/>
                                         </p:tgtEl>
                                         <p:attrNameLst>
                                           <p:attrName>style.visibility</p:attrName>
@@ -15828,7 +16719,7 @@
                                       <p:cBhvr>
                                         <p:cTn id="12" dur="500"/>
                                         <p:tgtEl>
-                                          <p:spTgt spid="37"/>
+                                          <p:spTgt spid="38"/>
                                         </p:tgtEl>
                                       </p:cBhvr>
                                     </p:animEffect>
@@ -15854,7 +16745,7 @@
                             </p:stCondLst>
                             <p:childTnLst>
                               <p:par>
-                                <p:cTn id="15" presetID="10" presetClass="entr" presetSubtype="0" fill="hold" nodeType="clickEffect">
+                                <p:cTn id="15" presetID="16" presetClass="entr" presetSubtype="21" fill="hold" nodeType="clickEffect">
                                   <p:stCondLst>
                                     <p:cond delay="0"/>
                                   </p:stCondLst>
@@ -15867,7 +16758,7 @@
                                           </p:stCondLst>
                                         </p:cTn>
                                         <p:tgtEl>
-                                          <p:spTgt spid="38"/>
+                                          <p:spTgt spid="43"/>
                                         </p:tgtEl>
                                         <p:attrNameLst>
                                           <p:attrName>style.visibility</p:attrName>
@@ -15877,11 +16768,11 @@
                                         <p:strVal val="visible"/>
                                       </p:to>
                                     </p:set>
-                                    <p:animEffect transition="in" filter="fade">
+                                    <p:animEffect transition="in" filter="barn(inVertical)">
                                       <p:cBhvr>
                                         <p:cTn id="17" dur="500"/>
                                         <p:tgtEl>
-                                          <p:spTgt spid="38"/>
+                                          <p:spTgt spid="43"/>
                                         </p:tgtEl>
                                       </p:cBhvr>
                                     </p:animEffect>
@@ -15920,7 +16811,7 @@
                                           </p:stCondLst>
                                         </p:cTn>
                                         <p:tgtEl>
-                                          <p:spTgt spid="39"/>
+                                          <p:spTgt spid="45"/>
                                         </p:tgtEl>
                                         <p:attrNameLst>
                                           <p:attrName>style.visibility</p:attrName>
@@ -15934,7 +16825,7 @@
                                       <p:cBhvr>
                                         <p:cTn id="22" dur="500"/>
                                         <p:tgtEl>
-                                          <p:spTgt spid="39"/>
+                                          <p:spTgt spid="45"/>
                                         </p:tgtEl>
                                       </p:cBhvr>
                                     </p:animEffect>
@@ -15960,7 +16851,7 @@
                             </p:stCondLst>
                             <p:childTnLst>
                               <p:par>
-                                <p:cTn id="25" presetID="16" presetClass="entr" presetSubtype="21" fill="hold" nodeType="clickEffect">
+                                <p:cTn id="25" presetID="10" presetClass="entr" presetSubtype="0" fill="hold" nodeType="clickEffect">
                                   <p:stCondLst>
                                     <p:cond delay="0"/>
                                   </p:stCondLst>
@@ -15973,7 +16864,7 @@
                                           </p:stCondLst>
                                         </p:cTn>
                                         <p:tgtEl>
-                                          <p:spTgt spid="43"/>
+                                          <p:spTgt spid="37"/>
                                         </p:tgtEl>
                                         <p:attrNameLst>
                                           <p:attrName>style.visibility</p:attrName>
@@ -15983,11 +16874,11 @@
                                         <p:strVal val="visible"/>
                                       </p:to>
                                     </p:set>
-                                    <p:animEffect transition="in" filter="barn(inVertical)">
+                                    <p:animEffect transition="in" filter="fade">
                                       <p:cBhvr>
                                         <p:cTn id="27" dur="500"/>
                                         <p:tgtEl>
-                                          <p:spTgt spid="43"/>
+                                          <p:spTgt spid="37"/>
                                         </p:tgtEl>
                                       </p:cBhvr>
                                     </p:animEffect>
@@ -16013,7 +16904,7 @@
                             </p:stCondLst>
                             <p:childTnLst>
                               <p:par>
-                                <p:cTn id="30" presetID="16" presetClass="entr" presetSubtype="21" fill="hold" nodeType="clickEffect">
+                                <p:cTn id="30" presetID="10" presetClass="entr" presetSubtype="0" fill="hold" nodeType="clickEffect">
                                   <p:stCondLst>
                                     <p:cond delay="0"/>
                                   </p:stCondLst>
@@ -16026,7 +16917,7 @@
                                           </p:stCondLst>
                                         </p:cTn>
                                         <p:tgtEl>
-                                          <p:spTgt spid="42"/>
+                                          <p:spTgt spid="39"/>
                                         </p:tgtEl>
                                         <p:attrNameLst>
                                           <p:attrName>style.visibility</p:attrName>
@@ -16036,11 +16927,11 @@
                                         <p:strVal val="visible"/>
                                       </p:to>
                                     </p:set>
-                                    <p:animEffect transition="in" filter="barn(inVertical)">
+                                    <p:animEffect transition="in" filter="fade">
                                       <p:cBhvr>
                                         <p:cTn id="32" dur="500"/>
                                         <p:tgtEl>
-                                          <p:spTgt spid="42"/>
+                                          <p:spTgt spid="39"/>
                                         </p:tgtEl>
                                       </p:cBhvr>
                                     </p:animEffect>
@@ -16066,7 +16957,7 @@
                             </p:stCondLst>
                             <p:childTnLst>
                               <p:par>
-                                <p:cTn id="35" presetID="10" presetClass="entr" presetSubtype="0" fill="hold" nodeType="clickEffect">
+                                <p:cTn id="35" presetID="16" presetClass="entr" presetSubtype="21" fill="hold" nodeType="clickEffect">
                                   <p:stCondLst>
                                     <p:cond delay="0"/>
                                   </p:stCondLst>
@@ -16079,7 +16970,7 @@
                                           </p:stCondLst>
                                         </p:cTn>
                                         <p:tgtEl>
-                                          <p:spTgt spid="45"/>
+                                          <p:spTgt spid="42"/>
                                         </p:tgtEl>
                                         <p:attrNameLst>
                                           <p:attrName>style.visibility</p:attrName>
@@ -16089,11 +16980,11 @@
                                         <p:strVal val="visible"/>
                                       </p:to>
                                     </p:set>
-                                    <p:animEffect transition="in" filter="fade">
+                                    <p:animEffect transition="in" filter="barn(inVertical)">
                                       <p:cBhvr>
                                         <p:cTn id="37" dur="500"/>
                                         <p:tgtEl>
-                                          <p:spTgt spid="45"/>
+                                          <p:spTgt spid="42"/>
                                         </p:tgtEl>
                                       </p:cBhvr>
                                     </p:animEffect>

--- a/Document/Slide/Sync Database.pptx
+++ b/Document/Slide/Sync Database.pptx
@@ -5,9 +5,8 @@
     <p:sldMasterId id="2147483723" r:id="rId1"/>
   </p:sldMasterIdLst>
   <p:sldIdLst>
-    <p:sldId id="256" r:id="rId2"/>
-    <p:sldId id="257" r:id="rId3"/>
-    <p:sldId id="260" r:id="rId4"/>
+    <p:sldId id="257" r:id="rId2"/>
+    <p:sldId id="260" r:id="rId3"/>
   </p:sldIdLst>
   <p:sldSz cx="12192000" cy="6858000"/>
   <p:notesSz cx="6858000" cy="9144000"/>
@@ -171,7 +170,7 @@
           <a:noFill/>
           <a:extLst>
             <a:ext uri="{909E8E84-426E-40dd-AFC4-6F175D3DCCD1}">
-              <a14:hiddenFill xmlns="" xmlns:a14="http://schemas.microsoft.com/office/drawing/2010/main">
+              <a14:hiddenFill xmlns:a14="http://schemas.microsoft.com/office/drawing/2010/main" xmlns="">
                 <a:solidFill>
                   <a:srgbClr val="FFFFFF"/>
                 </a:solidFill>
@@ -231,7 +230,7 @@
             </a:ln>
             <a:extLst>
               <a:ext uri="{91240B29-F687-4f45-9708-019B960494DF}">
-                <a14:hiddenLine xmlns="" xmlns:a14="http://schemas.microsoft.com/office/drawing/2010/main" w="9525">
+                <a14:hiddenLine xmlns:a14="http://schemas.microsoft.com/office/drawing/2010/main" xmlns="" w="9525">
                   <a:solidFill>
                     <a:srgbClr val="000000"/>
                   </a:solidFill>
@@ -321,7 +320,7 @@
             </a:ln>
             <a:extLst>
               <a:ext uri="{91240B29-F687-4f45-9708-019B960494DF}">
-                <a14:hiddenLine xmlns="" xmlns:a14="http://schemas.microsoft.com/office/drawing/2010/main" w="9525">
+                <a14:hiddenLine xmlns:a14="http://schemas.microsoft.com/office/drawing/2010/main" xmlns="" w="9525">
                   <a:solidFill>
                     <a:srgbClr val="000000"/>
                   </a:solidFill>
@@ -411,7 +410,7 @@
             </a:ln>
             <a:extLst>
               <a:ext uri="{91240B29-F687-4f45-9708-019B960494DF}">
-                <a14:hiddenLine xmlns="" xmlns:a14="http://schemas.microsoft.com/office/drawing/2010/main" w="9525">
+                <a14:hiddenLine xmlns:a14="http://schemas.microsoft.com/office/drawing/2010/main" xmlns="" w="9525">
                   <a:solidFill>
                     <a:srgbClr val="000000"/>
                   </a:solidFill>
@@ -445,7 +444,7 @@
             </a:ln>
             <a:extLst>
               <a:ext uri="{91240B29-F687-4f45-9708-019B960494DF}">
-                <a14:hiddenLine xmlns="" xmlns:a14="http://schemas.microsoft.com/office/drawing/2010/main" w="9525">
+                <a14:hiddenLine xmlns:a14="http://schemas.microsoft.com/office/drawing/2010/main" xmlns="" w="9525">
                   <a:solidFill>
                     <a:srgbClr val="000000"/>
                   </a:solidFill>
@@ -535,7 +534,7 @@
             </a:ln>
             <a:extLst>
               <a:ext uri="{91240B29-F687-4f45-9708-019B960494DF}">
-                <a14:hiddenLine xmlns="" xmlns:a14="http://schemas.microsoft.com/office/drawing/2010/main" w="9525">
+                <a14:hiddenLine xmlns:a14="http://schemas.microsoft.com/office/drawing/2010/main" xmlns="" w="9525">
                   <a:solidFill>
                     <a:srgbClr val="000000"/>
                   </a:solidFill>
@@ -597,7 +596,7 @@
             </a:ln>
             <a:extLst>
               <a:ext uri="{91240B29-F687-4f45-9708-019B960494DF}">
-                <a14:hiddenLine xmlns="" xmlns:a14="http://schemas.microsoft.com/office/drawing/2010/main" w="9525">
+                <a14:hiddenLine xmlns:a14="http://schemas.microsoft.com/office/drawing/2010/main" xmlns="" w="9525">
                   <a:solidFill>
                     <a:srgbClr val="000000"/>
                   </a:solidFill>
@@ -659,7 +658,7 @@
             </a:ln>
             <a:extLst>
               <a:ext uri="{91240B29-F687-4f45-9708-019B960494DF}">
-                <a14:hiddenLine xmlns="" xmlns:a14="http://schemas.microsoft.com/office/drawing/2010/main" w="9525">
+                <a14:hiddenLine xmlns:a14="http://schemas.microsoft.com/office/drawing/2010/main" xmlns="" w="9525">
                   <a:solidFill>
                     <a:srgbClr val="000000"/>
                   </a:solidFill>
@@ -749,7 +748,7 @@
             </a:ln>
             <a:extLst>
               <a:ext uri="{91240B29-F687-4f45-9708-019B960494DF}">
-                <a14:hiddenLine xmlns="" xmlns:a14="http://schemas.microsoft.com/office/drawing/2010/main" w="9525">
+                <a14:hiddenLine xmlns:a14="http://schemas.microsoft.com/office/drawing/2010/main" xmlns="" w="9525">
                   <a:solidFill>
                     <a:srgbClr val="000000"/>
                   </a:solidFill>
@@ -811,7 +810,7 @@
             </a:ln>
             <a:extLst>
               <a:ext uri="{91240B29-F687-4f45-9708-019B960494DF}">
-                <a14:hiddenLine xmlns="" xmlns:a14="http://schemas.microsoft.com/office/drawing/2010/main" w="9525">
+                <a14:hiddenLine xmlns:a14="http://schemas.microsoft.com/office/drawing/2010/main" xmlns="" w="9525">
                   <a:solidFill>
                     <a:srgbClr val="000000"/>
                   </a:solidFill>
@@ -873,7 +872,7 @@
             </a:ln>
             <a:extLst>
               <a:ext uri="{91240B29-F687-4f45-9708-019B960494DF}">
-                <a14:hiddenLine xmlns="" xmlns:a14="http://schemas.microsoft.com/office/drawing/2010/main" w="9525">
+                <a14:hiddenLine xmlns:a14="http://schemas.microsoft.com/office/drawing/2010/main" xmlns="" w="9525">
                   <a:solidFill>
                     <a:srgbClr val="000000"/>
                   </a:solidFill>
@@ -963,7 +962,7 @@
             </a:ln>
             <a:extLst>
               <a:ext uri="{91240B29-F687-4f45-9708-019B960494DF}">
-                <a14:hiddenLine xmlns="" xmlns:a14="http://schemas.microsoft.com/office/drawing/2010/main" w="9525">
+                <a14:hiddenLine xmlns:a14="http://schemas.microsoft.com/office/drawing/2010/main" xmlns="" w="9525">
                   <a:solidFill>
                     <a:srgbClr val="000000"/>
                   </a:solidFill>
@@ -1053,7 +1052,7 @@
             </a:ln>
             <a:extLst>
               <a:ext uri="{91240B29-F687-4f45-9708-019B960494DF}">
-                <a14:hiddenLine xmlns="" xmlns:a14="http://schemas.microsoft.com/office/drawing/2010/main" w="9525">
+                <a14:hiddenLine xmlns:a14="http://schemas.microsoft.com/office/drawing/2010/main" xmlns="" w="9525">
                   <a:solidFill>
                     <a:srgbClr val="000000"/>
                   </a:solidFill>
@@ -1115,7 +1114,7 @@
             </a:ln>
             <a:extLst>
               <a:ext uri="{91240B29-F687-4f45-9708-019B960494DF}">
-                <a14:hiddenLine xmlns="" xmlns:a14="http://schemas.microsoft.com/office/drawing/2010/main" w="9525">
+                <a14:hiddenLine xmlns:a14="http://schemas.microsoft.com/office/drawing/2010/main" xmlns="" w="9525">
                   <a:solidFill>
                     <a:srgbClr val="000000"/>
                   </a:solidFill>
@@ -1225,7 +1224,7 @@
             </a:ln>
             <a:extLst>
               <a:ext uri="{91240B29-F687-4f45-9708-019B960494DF}">
-                <a14:hiddenLine xmlns="" xmlns:a14="http://schemas.microsoft.com/office/drawing/2010/main" w="9525">
+                <a14:hiddenLine xmlns:a14="http://schemas.microsoft.com/office/drawing/2010/main" xmlns="" w="9525">
                   <a:solidFill>
                     <a:srgbClr val="000000"/>
                   </a:solidFill>
@@ -1287,7 +1286,7 @@
             </a:ln>
             <a:extLst>
               <a:ext uri="{91240B29-F687-4f45-9708-019B960494DF}">
-                <a14:hiddenLine xmlns="" xmlns:a14="http://schemas.microsoft.com/office/drawing/2010/main" w="9525">
+                <a14:hiddenLine xmlns:a14="http://schemas.microsoft.com/office/drawing/2010/main" xmlns="" w="9525">
                   <a:solidFill>
                     <a:srgbClr val="000000"/>
                   </a:solidFill>
@@ -1377,7 +1376,7 @@
             </a:ln>
             <a:extLst>
               <a:ext uri="{91240B29-F687-4f45-9708-019B960494DF}">
-                <a14:hiddenLine xmlns="" xmlns:a14="http://schemas.microsoft.com/office/drawing/2010/main" w="9525">
+                <a14:hiddenLine xmlns:a14="http://schemas.microsoft.com/office/drawing/2010/main" xmlns="" w="9525">
                   <a:solidFill>
                     <a:srgbClr val="000000"/>
                   </a:solidFill>
@@ -1467,7 +1466,7 @@
             </a:ln>
             <a:extLst>
               <a:ext uri="{91240B29-F687-4f45-9708-019B960494DF}">
-                <a14:hiddenLine xmlns="" xmlns:a14="http://schemas.microsoft.com/office/drawing/2010/main" w="9525">
+                <a14:hiddenLine xmlns:a14="http://schemas.microsoft.com/office/drawing/2010/main" xmlns="" w="9525">
                   <a:solidFill>
                     <a:srgbClr val="000000"/>
                   </a:solidFill>
@@ -1529,7 +1528,7 @@
             </a:ln>
             <a:extLst>
               <a:ext uri="{91240B29-F687-4f45-9708-019B960494DF}">
-                <a14:hiddenLine xmlns="" xmlns:a14="http://schemas.microsoft.com/office/drawing/2010/main" w="9525">
+                <a14:hiddenLine xmlns:a14="http://schemas.microsoft.com/office/drawing/2010/main" xmlns="" w="9525">
                   <a:solidFill>
                     <a:srgbClr val="000000"/>
                   </a:solidFill>
@@ -1619,7 +1618,7 @@
             </a:ln>
             <a:extLst>
               <a:ext uri="{91240B29-F687-4f45-9708-019B960494DF}">
-                <a14:hiddenLine xmlns="" xmlns:a14="http://schemas.microsoft.com/office/drawing/2010/main" w="9525">
+                <a14:hiddenLine xmlns:a14="http://schemas.microsoft.com/office/drawing/2010/main" xmlns="" w="9525">
                   <a:solidFill>
                     <a:srgbClr val="000000"/>
                   </a:solidFill>
@@ -1709,7 +1708,7 @@
             </a:ln>
             <a:extLst>
               <a:ext uri="{91240B29-F687-4f45-9708-019B960494DF}">
-                <a14:hiddenLine xmlns="" xmlns:a14="http://schemas.microsoft.com/office/drawing/2010/main" w="9525">
+                <a14:hiddenLine xmlns:a14="http://schemas.microsoft.com/office/drawing/2010/main" xmlns="" w="9525">
                   <a:solidFill>
                     <a:srgbClr val="000000"/>
                   </a:solidFill>
@@ -1765,7 +1764,7 @@
             </a:ln>
             <a:extLst>
               <a:ext uri="{91240B29-F687-4f45-9708-019B960494DF}">
-                <a14:hiddenLine xmlns="" xmlns:a14="http://schemas.microsoft.com/office/drawing/2010/main" w="9525">
+                <a14:hiddenLine xmlns:a14="http://schemas.microsoft.com/office/drawing/2010/main" xmlns="" w="9525">
                   <a:solidFill>
                     <a:srgbClr val="000000"/>
                   </a:solidFill>
@@ -1855,7 +1854,7 @@
             </a:ln>
             <a:extLst>
               <a:ext uri="{91240B29-F687-4f45-9708-019B960494DF}">
-                <a14:hiddenLine xmlns="" xmlns:a14="http://schemas.microsoft.com/office/drawing/2010/main" w="9525">
+                <a14:hiddenLine xmlns:a14="http://schemas.microsoft.com/office/drawing/2010/main" xmlns="" w="9525">
                   <a:solidFill>
                     <a:srgbClr val="000000"/>
                   </a:solidFill>
@@ -1911,7 +1910,7 @@
             </a:ln>
             <a:extLst>
               <a:ext uri="{91240B29-F687-4f45-9708-019B960494DF}">
-                <a14:hiddenLine xmlns="" xmlns:a14="http://schemas.microsoft.com/office/drawing/2010/main" w="9525">
+                <a14:hiddenLine xmlns:a14="http://schemas.microsoft.com/office/drawing/2010/main" xmlns="" w="9525">
                   <a:solidFill>
                     <a:srgbClr val="000000"/>
                   </a:solidFill>
@@ -2001,7 +2000,7 @@
             </a:ln>
             <a:extLst>
               <a:ext uri="{91240B29-F687-4f45-9708-019B960494DF}">
-                <a14:hiddenLine xmlns="" xmlns:a14="http://schemas.microsoft.com/office/drawing/2010/main" w="9525">
+                <a14:hiddenLine xmlns:a14="http://schemas.microsoft.com/office/drawing/2010/main" xmlns="" w="9525">
                   <a:solidFill>
                     <a:srgbClr val="000000"/>
                   </a:solidFill>
@@ -2069,7 +2068,7 @@
             </a:ln>
             <a:extLst>
               <a:ext uri="{91240B29-F687-4f45-9708-019B960494DF}">
-                <a14:hiddenLine xmlns="" xmlns:a14="http://schemas.microsoft.com/office/drawing/2010/main" w="9525">
+                <a14:hiddenLine xmlns:a14="http://schemas.microsoft.com/office/drawing/2010/main" xmlns="" w="9525">
                   <a:solidFill>
                     <a:srgbClr val="000000"/>
                   </a:solidFill>
@@ -2159,7 +2158,7 @@
             </a:ln>
             <a:extLst>
               <a:ext uri="{91240B29-F687-4f45-9708-019B960494DF}">
-                <a14:hiddenLine xmlns="" xmlns:a14="http://schemas.microsoft.com/office/drawing/2010/main" w="9525">
+                <a14:hiddenLine xmlns:a14="http://schemas.microsoft.com/office/drawing/2010/main" xmlns="" w="9525">
                   <a:solidFill>
                     <a:srgbClr val="000000"/>
                   </a:solidFill>
@@ -2227,7 +2226,7 @@
             </a:ln>
             <a:extLst>
               <a:ext uri="{91240B29-F687-4f45-9708-019B960494DF}">
-                <a14:hiddenLine xmlns="" xmlns:a14="http://schemas.microsoft.com/office/drawing/2010/main" w="9525">
+                <a14:hiddenLine xmlns:a14="http://schemas.microsoft.com/office/drawing/2010/main" xmlns="" w="9525">
                   <a:solidFill>
                     <a:srgbClr val="000000"/>
                   </a:solidFill>
@@ -2317,7 +2316,7 @@
             </a:ln>
             <a:extLst>
               <a:ext uri="{91240B29-F687-4f45-9708-019B960494DF}">
-                <a14:hiddenLine xmlns="" xmlns:a14="http://schemas.microsoft.com/office/drawing/2010/main" w="9525">
+                <a14:hiddenLine xmlns:a14="http://schemas.microsoft.com/office/drawing/2010/main" xmlns="" w="9525">
                   <a:solidFill>
                     <a:srgbClr val="000000"/>
                   </a:solidFill>
@@ -2351,7 +2350,7 @@
             </a:ln>
             <a:extLst>
               <a:ext uri="{91240B29-F687-4f45-9708-019B960494DF}">
-                <a14:hiddenLine xmlns="" xmlns:a14="http://schemas.microsoft.com/office/drawing/2010/main" w="9525">
+                <a14:hiddenLine xmlns:a14="http://schemas.microsoft.com/office/drawing/2010/main" xmlns="" w="9525">
                   <a:solidFill>
                     <a:srgbClr val="000000"/>
                   </a:solidFill>
@@ -2441,7 +2440,7 @@
             </a:ln>
             <a:extLst>
               <a:ext uri="{91240B29-F687-4f45-9708-019B960494DF}">
-                <a14:hiddenLine xmlns="" xmlns:a14="http://schemas.microsoft.com/office/drawing/2010/main" w="9525">
+                <a14:hiddenLine xmlns:a14="http://schemas.microsoft.com/office/drawing/2010/main" xmlns="" w="9525">
                   <a:solidFill>
                     <a:srgbClr val="000000"/>
                   </a:solidFill>
@@ -2503,7 +2502,7 @@
             </a:ln>
             <a:extLst>
               <a:ext uri="{91240B29-F687-4f45-9708-019B960494DF}">
-                <a14:hiddenLine xmlns="" xmlns:a14="http://schemas.microsoft.com/office/drawing/2010/main" w="9525">
+                <a14:hiddenLine xmlns:a14="http://schemas.microsoft.com/office/drawing/2010/main" xmlns="" w="9525">
                   <a:solidFill>
                     <a:srgbClr val="000000"/>
                   </a:solidFill>
@@ -2565,7 +2564,7 @@
             </a:ln>
             <a:extLst>
               <a:ext uri="{91240B29-F687-4f45-9708-019B960494DF}">
-                <a14:hiddenLine xmlns="" xmlns:a14="http://schemas.microsoft.com/office/drawing/2010/main" w="9525">
+                <a14:hiddenLine xmlns:a14="http://schemas.microsoft.com/office/drawing/2010/main" xmlns="" w="9525">
                   <a:solidFill>
                     <a:srgbClr val="000000"/>
                   </a:solidFill>
@@ -2655,7 +2654,7 @@
             </a:ln>
             <a:extLst>
               <a:ext uri="{91240B29-F687-4f45-9708-019B960494DF}">
-                <a14:hiddenLine xmlns="" xmlns:a14="http://schemas.microsoft.com/office/drawing/2010/main" w="9525">
+                <a14:hiddenLine xmlns:a14="http://schemas.microsoft.com/office/drawing/2010/main" xmlns="" w="9525">
                   <a:solidFill>
                     <a:srgbClr val="000000"/>
                   </a:solidFill>
@@ -2723,7 +2722,7 @@
             </a:ln>
             <a:extLst>
               <a:ext uri="{91240B29-F687-4f45-9708-019B960494DF}">
-                <a14:hiddenLine xmlns="" xmlns:a14="http://schemas.microsoft.com/office/drawing/2010/main" w="9525">
+                <a14:hiddenLine xmlns:a14="http://schemas.microsoft.com/office/drawing/2010/main" xmlns="" w="9525">
                   <a:solidFill>
                     <a:srgbClr val="000000"/>
                   </a:solidFill>
@@ -2785,7 +2784,7 @@
             </a:ln>
             <a:extLst>
               <a:ext uri="{91240B29-F687-4f45-9708-019B960494DF}">
-                <a14:hiddenLine xmlns="" xmlns:a14="http://schemas.microsoft.com/office/drawing/2010/main" w="9525">
+                <a14:hiddenLine xmlns:a14="http://schemas.microsoft.com/office/drawing/2010/main" xmlns="" w="9525">
                   <a:solidFill>
                     <a:srgbClr val="000000"/>
                   </a:solidFill>
@@ -2875,7 +2874,7 @@
             </a:ln>
             <a:extLst>
               <a:ext uri="{91240B29-F687-4f45-9708-019B960494DF}">
-                <a14:hiddenLine xmlns="" xmlns:a14="http://schemas.microsoft.com/office/drawing/2010/main" w="9525">
+                <a14:hiddenLine xmlns:a14="http://schemas.microsoft.com/office/drawing/2010/main" xmlns="" w="9525">
                   <a:solidFill>
                     <a:srgbClr val="000000"/>
                   </a:solidFill>
@@ -2937,7 +2936,7 @@
             </a:ln>
             <a:extLst>
               <a:ext uri="{91240B29-F687-4f45-9708-019B960494DF}">
-                <a14:hiddenLine xmlns="" xmlns:a14="http://schemas.microsoft.com/office/drawing/2010/main" w="9525">
+                <a14:hiddenLine xmlns:a14="http://schemas.microsoft.com/office/drawing/2010/main" xmlns="" w="9525">
                   <a:solidFill>
                     <a:srgbClr val="000000"/>
                   </a:solidFill>
@@ -3027,7 +3026,7 @@
             </a:ln>
             <a:extLst>
               <a:ext uri="{91240B29-F687-4f45-9708-019B960494DF}">
-                <a14:hiddenLine xmlns="" xmlns:a14="http://schemas.microsoft.com/office/drawing/2010/main" w="9525">
+                <a14:hiddenLine xmlns:a14="http://schemas.microsoft.com/office/drawing/2010/main" xmlns="" w="9525">
                   <a:solidFill>
                     <a:srgbClr val="000000"/>
                   </a:solidFill>
@@ -3089,7 +3088,7 @@
             </a:ln>
             <a:extLst>
               <a:ext uri="{91240B29-F687-4f45-9708-019B960494DF}">
-                <a14:hiddenLine xmlns="" xmlns:a14="http://schemas.microsoft.com/office/drawing/2010/main" w="9525">
+                <a14:hiddenLine xmlns:a14="http://schemas.microsoft.com/office/drawing/2010/main" xmlns="" w="9525">
                   <a:solidFill>
                     <a:srgbClr val="000000"/>
                   </a:solidFill>
@@ -3179,7 +3178,7 @@
             </a:ln>
             <a:extLst>
               <a:ext uri="{91240B29-F687-4f45-9708-019B960494DF}">
-                <a14:hiddenLine xmlns="" xmlns:a14="http://schemas.microsoft.com/office/drawing/2010/main" w="9525">
+                <a14:hiddenLine xmlns:a14="http://schemas.microsoft.com/office/drawing/2010/main" xmlns="" w="9525">
                   <a:solidFill>
                     <a:srgbClr val="000000"/>
                   </a:solidFill>
@@ -3213,7 +3212,7 @@
             </a:ln>
             <a:extLst>
               <a:ext uri="{91240B29-F687-4f45-9708-019B960494DF}">
-                <a14:hiddenLine xmlns="" xmlns:a14="http://schemas.microsoft.com/office/drawing/2010/main" w="9525">
+                <a14:hiddenLine xmlns:a14="http://schemas.microsoft.com/office/drawing/2010/main" xmlns="" w="9525">
                   <a:solidFill>
                     <a:srgbClr val="000000"/>
                   </a:solidFill>
@@ -3278,7 +3277,7 @@
             </a:ln>
             <a:extLst>
               <a:ext uri="{91240B29-F687-4f45-9708-019B960494DF}">
-                <a14:hiddenLine xmlns="" xmlns:a14="http://schemas.microsoft.com/office/drawing/2010/main" w="9525">
+                <a14:hiddenLine xmlns:a14="http://schemas.microsoft.com/office/drawing/2010/main" xmlns="" w="9525">
                   <a:solidFill>
                     <a:srgbClr val="000000"/>
                   </a:solidFill>
@@ -3368,7 +3367,7 @@
             </a:ln>
             <a:extLst>
               <a:ext uri="{91240B29-F687-4f45-9708-019B960494DF}">
-                <a14:hiddenLine xmlns="" xmlns:a14="http://schemas.microsoft.com/office/drawing/2010/main" w="9525">
+                <a14:hiddenLine xmlns:a14="http://schemas.microsoft.com/office/drawing/2010/main" xmlns="" w="9525">
                   <a:solidFill>
                     <a:srgbClr val="000000"/>
                   </a:solidFill>
@@ -3430,7 +3429,7 @@
             </a:ln>
             <a:extLst>
               <a:ext uri="{91240B29-F687-4f45-9708-019B960494DF}">
-                <a14:hiddenLine xmlns="" xmlns:a14="http://schemas.microsoft.com/office/drawing/2010/main" w="9525">
+                <a14:hiddenLine xmlns:a14="http://schemas.microsoft.com/office/drawing/2010/main" xmlns="" w="9525">
                   <a:solidFill>
                     <a:srgbClr val="000000"/>
                   </a:solidFill>
@@ -3520,7 +3519,7 @@
             </a:ln>
             <a:extLst>
               <a:ext uri="{91240B29-F687-4f45-9708-019B960494DF}">
-                <a14:hiddenLine xmlns="" xmlns:a14="http://schemas.microsoft.com/office/drawing/2010/main" w="9525">
+                <a14:hiddenLine xmlns:a14="http://schemas.microsoft.com/office/drawing/2010/main" xmlns="" w="9525">
                   <a:solidFill>
                     <a:srgbClr val="000000"/>
                   </a:solidFill>
@@ -3610,7 +3609,7 @@
             </a:ln>
             <a:extLst>
               <a:ext uri="{91240B29-F687-4f45-9708-019B960494DF}">
-                <a14:hiddenLine xmlns="" xmlns:a14="http://schemas.microsoft.com/office/drawing/2010/main" w="9525">
+                <a14:hiddenLine xmlns:a14="http://schemas.microsoft.com/office/drawing/2010/main" xmlns="" w="9525">
                   <a:solidFill>
                     <a:srgbClr val="000000"/>
                   </a:solidFill>
@@ -3675,7 +3674,7 @@
             </a:ln>
             <a:extLst>
               <a:ext uri="{91240B29-F687-4f45-9708-019B960494DF}">
-                <a14:hiddenLine xmlns="" xmlns:a14="http://schemas.microsoft.com/office/drawing/2010/main" w="9525">
+                <a14:hiddenLine xmlns:a14="http://schemas.microsoft.com/office/drawing/2010/main" xmlns="" w="9525">
                   <a:solidFill>
                     <a:srgbClr val="000000"/>
                   </a:solidFill>
@@ -3737,7 +3736,7 @@
             </a:ln>
             <a:extLst>
               <a:ext uri="{91240B29-F687-4f45-9708-019B960494DF}">
-                <a14:hiddenLine xmlns="" xmlns:a14="http://schemas.microsoft.com/office/drawing/2010/main" w="9525">
+                <a14:hiddenLine xmlns:a14="http://schemas.microsoft.com/office/drawing/2010/main" xmlns="" w="9525">
                   <a:solidFill>
                     <a:srgbClr val="000000"/>
                   </a:solidFill>
@@ -3827,7 +3826,7 @@
             </a:ln>
             <a:extLst>
               <a:ext uri="{91240B29-F687-4f45-9708-019B960494DF}">
-                <a14:hiddenLine xmlns="" xmlns:a14="http://schemas.microsoft.com/office/drawing/2010/main" w="9525">
+                <a14:hiddenLine xmlns:a14="http://schemas.microsoft.com/office/drawing/2010/main" xmlns="" w="9525">
                   <a:solidFill>
                     <a:srgbClr val="000000"/>
                   </a:solidFill>
@@ -3917,7 +3916,7 @@
             </a:ln>
             <a:extLst>
               <a:ext uri="{91240B29-F687-4f45-9708-019B960494DF}">
-                <a14:hiddenLine xmlns="" xmlns:a14="http://schemas.microsoft.com/office/drawing/2010/main" w="9525">
+                <a14:hiddenLine xmlns:a14="http://schemas.microsoft.com/office/drawing/2010/main" xmlns="" w="9525">
                   <a:solidFill>
                     <a:srgbClr val="000000"/>
                   </a:solidFill>
@@ -3979,7 +3978,7 @@
             </a:ln>
             <a:extLst>
               <a:ext uri="{91240B29-F687-4f45-9708-019B960494DF}">
-                <a14:hiddenLine xmlns="" xmlns:a14="http://schemas.microsoft.com/office/drawing/2010/main" w="9525">
+                <a14:hiddenLine xmlns:a14="http://schemas.microsoft.com/office/drawing/2010/main" xmlns="" w="9525">
                   <a:solidFill>
                     <a:srgbClr val="000000"/>
                   </a:solidFill>
@@ -4099,7 +4098,7 @@
             </a:ln>
             <a:extLst>
               <a:ext uri="{91240B29-F687-4f45-9708-019B960494DF}">
-                <a14:hiddenLine xmlns="" xmlns:a14="http://schemas.microsoft.com/office/drawing/2010/main" w="9525">
+                <a14:hiddenLine xmlns:a14="http://schemas.microsoft.com/office/drawing/2010/main" xmlns="" w="9525">
                   <a:solidFill>
                     <a:srgbClr val="000000"/>
                   </a:solidFill>
@@ -4167,7 +4166,7 @@
             </a:ln>
             <a:extLst>
               <a:ext uri="{91240B29-F687-4f45-9708-019B960494DF}">
-                <a14:hiddenLine xmlns="" xmlns:a14="http://schemas.microsoft.com/office/drawing/2010/main" w="9525">
+                <a14:hiddenLine xmlns:a14="http://schemas.microsoft.com/office/drawing/2010/main" xmlns="" w="9525">
                   <a:solidFill>
                     <a:srgbClr val="000000"/>
                   </a:solidFill>
@@ -4257,7 +4256,7 @@
             </a:ln>
             <a:extLst>
               <a:ext uri="{91240B29-F687-4f45-9708-019B960494DF}">
-                <a14:hiddenLine xmlns="" xmlns:a14="http://schemas.microsoft.com/office/drawing/2010/main" w="9525">
+                <a14:hiddenLine xmlns:a14="http://schemas.microsoft.com/office/drawing/2010/main" xmlns="" w="9525">
                   <a:solidFill>
                     <a:srgbClr val="000000"/>
                   </a:solidFill>
@@ -4398,7 +4397,7 @@
             <a:fld id="{B61BEF0D-F0BB-DE4B-95CE-6DB70DBA9567}" type="datetimeFigureOut">
               <a:rPr lang="en-US" smtClean="0"/>
               <a:pPr/>
-              <a:t>11/25/2013</a:t>
+              <a:t>12/7/2013</a:t>
             </a:fld>
             <a:endParaRPr lang="en-US" dirty="0"/>
           </a:p>
@@ -4667,7 +4666,7 @@
             <a:fld id="{B61BEF0D-F0BB-DE4B-95CE-6DB70DBA9567}" type="datetimeFigureOut">
               <a:rPr lang="en-US" smtClean="0"/>
               <a:pPr/>
-              <a:t>11/25/2013</a:t>
+              <a:t>12/7/2013</a:t>
             </a:fld>
             <a:endParaRPr lang="en-US" dirty="0"/>
           </a:p>
@@ -4865,7 +4864,7 @@
             <a:fld id="{B61BEF0D-F0BB-DE4B-95CE-6DB70DBA9567}" type="datetimeFigureOut">
               <a:rPr lang="en-US" smtClean="0"/>
               <a:pPr/>
-              <a:t>11/25/2013</a:t>
+              <a:t>12/7/2013</a:t>
             </a:fld>
             <a:endParaRPr lang="en-US" dirty="0"/>
           </a:p>
@@ -5130,7 +5129,7 @@
             <a:fld id="{B61BEF0D-F0BB-DE4B-95CE-6DB70DBA9567}" type="datetimeFigureOut">
               <a:rPr lang="en-US" smtClean="0"/>
               <a:pPr/>
-              <a:t>11/25/2013</a:t>
+              <a:t>12/7/2013</a:t>
             </a:fld>
             <a:endParaRPr lang="en-US" dirty="0"/>
           </a:p>
@@ -5566,7 +5565,7 @@
             <a:fld id="{B61BEF0D-F0BB-DE4B-95CE-6DB70DBA9567}" type="datetimeFigureOut">
               <a:rPr lang="en-US" smtClean="0"/>
               <a:pPr/>
-              <a:t>11/25/2013</a:t>
+              <a:t>12/7/2013</a:t>
             </a:fld>
             <a:endParaRPr lang="en-US" dirty="0"/>
           </a:p>
@@ -6114,7 +6113,7 @@
             <a:fld id="{B61BEF0D-F0BB-DE4B-95CE-6DB70DBA9567}" type="datetimeFigureOut">
               <a:rPr lang="en-US" smtClean="0"/>
               <a:pPr/>
-              <a:t>11/25/2013</a:t>
+              <a:t>12/7/2013</a:t>
             </a:fld>
             <a:endParaRPr lang="en-US" dirty="0"/>
           </a:p>
@@ -6836,7 +6835,7 @@
             <a:fld id="{B61BEF0D-F0BB-DE4B-95CE-6DB70DBA9567}" type="datetimeFigureOut">
               <a:rPr lang="en-US" smtClean="0"/>
               <a:pPr/>
-              <a:t>11/25/2013</a:t>
+              <a:t>12/7/2013</a:t>
             </a:fld>
             <a:endParaRPr lang="en-US" dirty="0"/>
           </a:p>
@@ -7008,7 +7007,7 @@
             <a:fld id="{B61BEF0D-F0BB-DE4B-95CE-6DB70DBA9567}" type="datetimeFigureOut">
               <a:rPr lang="en-US" smtClean="0"/>
               <a:pPr/>
-              <a:t>11/25/2013</a:t>
+              <a:t>12/7/2013</a:t>
             </a:fld>
             <a:endParaRPr lang="en-US" dirty="0"/>
           </a:p>
@@ -7190,7 +7189,7 @@
             <a:fld id="{B61BEF0D-F0BB-DE4B-95CE-6DB70DBA9567}" type="datetimeFigureOut">
               <a:rPr lang="en-US" smtClean="0"/>
               <a:pPr/>
-              <a:t>11/25/2013</a:t>
+              <a:t>12/7/2013</a:t>
             </a:fld>
             <a:endParaRPr lang="en-US" dirty="0"/>
           </a:p>
@@ -7362,7 +7361,7 @@
             <a:fld id="{B61BEF0D-F0BB-DE4B-95CE-6DB70DBA9567}" type="datetimeFigureOut">
               <a:rPr lang="en-US" smtClean="0"/>
               <a:pPr/>
-              <a:t>11/25/2013</a:t>
+              <a:t>12/7/2013</a:t>
             </a:fld>
             <a:endParaRPr lang="en-US" dirty="0"/>
           </a:p>
@@ -7614,7 +7613,7 @@
             <a:fld id="{B61BEF0D-F0BB-DE4B-95CE-6DB70DBA9567}" type="datetimeFigureOut">
               <a:rPr lang="en-US" smtClean="0"/>
               <a:pPr/>
-              <a:t>11/25/2013</a:t>
+              <a:t>12/7/2013</a:t>
             </a:fld>
             <a:endParaRPr lang="en-US" dirty="0"/>
           </a:p>
@@ -7848,7 +7847,7 @@
             <a:fld id="{B61BEF0D-F0BB-DE4B-95CE-6DB70DBA9567}" type="datetimeFigureOut">
               <a:rPr lang="en-US" smtClean="0"/>
               <a:pPr/>
-              <a:t>11/25/2013</a:t>
+              <a:t>12/7/2013</a:t>
             </a:fld>
             <a:endParaRPr lang="en-US" dirty="0"/>
           </a:p>
@@ -8231,7 +8230,7 @@
             <a:fld id="{B61BEF0D-F0BB-DE4B-95CE-6DB70DBA9567}" type="datetimeFigureOut">
               <a:rPr lang="en-US" smtClean="0"/>
               <a:pPr/>
-              <a:t>11/25/2013</a:t>
+              <a:t>12/7/2013</a:t>
             </a:fld>
             <a:endParaRPr lang="en-US" dirty="0"/>
           </a:p>
@@ -8351,7 +8350,7 @@
             <a:fld id="{B61BEF0D-F0BB-DE4B-95CE-6DB70DBA9567}" type="datetimeFigureOut">
               <a:rPr lang="en-US" smtClean="0"/>
               <a:pPr/>
-              <a:t>11/25/2013</a:t>
+              <a:t>12/7/2013</a:t>
             </a:fld>
             <a:endParaRPr lang="en-US" dirty="0"/>
           </a:p>
@@ -8448,7 +8447,7 @@
             <a:fld id="{B61BEF0D-F0BB-DE4B-95CE-6DB70DBA9567}" type="datetimeFigureOut">
               <a:rPr lang="en-US" smtClean="0"/>
               <a:pPr/>
-              <a:t>11/25/2013</a:t>
+              <a:t>12/7/2013</a:t>
             </a:fld>
             <a:endParaRPr lang="en-US" dirty="0"/>
           </a:p>
@@ -8699,7 +8698,7 @@
             <a:fld id="{B61BEF0D-F0BB-DE4B-95CE-6DB70DBA9567}" type="datetimeFigureOut">
               <a:rPr lang="en-US" smtClean="0"/>
               <a:pPr/>
-              <a:t>11/25/2013</a:t>
+              <a:t>12/7/2013</a:t>
             </a:fld>
             <a:endParaRPr lang="en-US" dirty="0"/>
           </a:p>
@@ -8981,7 +8980,7 @@
             <a:fld id="{B61BEF0D-F0BB-DE4B-95CE-6DB70DBA9567}" type="datetimeFigureOut">
               <a:rPr lang="en-US" smtClean="0"/>
               <a:pPr/>
-              <a:t>11/25/2013</a:t>
+              <a:t>12/7/2013</a:t>
             </a:fld>
             <a:endParaRPr lang="en-US" dirty="0"/>
           </a:p>
@@ -9105,7 +9104,7 @@
           <a:noFill/>
           <a:extLst>
             <a:ext uri="{909E8E84-426E-40dd-AFC4-6F175D3DCCD1}">
-              <a14:hiddenFill xmlns="" xmlns:a14="http://schemas.microsoft.com/office/drawing/2010/main">
+              <a14:hiddenFill xmlns:a14="http://schemas.microsoft.com/office/drawing/2010/main" xmlns="">
                 <a:solidFill>
                   <a:srgbClr val="FFFFFF"/>
                 </a:solidFill>
@@ -9179,7 +9178,7 @@
               </a:ln>
               <a:extLst>
                 <a:ext uri="{91240B29-F687-4f45-9708-019B960494DF}">
-                  <a14:hiddenLine xmlns="" xmlns:a14="http://schemas.microsoft.com/office/drawing/2010/main" w="9525">
+                  <a14:hiddenLine xmlns:a14="http://schemas.microsoft.com/office/drawing/2010/main" xmlns="" w="9525">
                     <a:solidFill>
                       <a:srgbClr val="000000"/>
                     </a:solidFill>
@@ -9269,7 +9268,7 @@
               </a:ln>
               <a:extLst>
                 <a:ext uri="{91240B29-F687-4f45-9708-019B960494DF}">
-                  <a14:hiddenLine xmlns="" xmlns:a14="http://schemas.microsoft.com/office/drawing/2010/main" w="9525">
+                  <a14:hiddenLine xmlns:a14="http://schemas.microsoft.com/office/drawing/2010/main" xmlns="" w="9525">
                     <a:solidFill>
                       <a:srgbClr val="000000"/>
                     </a:solidFill>
@@ -9359,7 +9358,7 @@
               </a:ln>
               <a:extLst>
                 <a:ext uri="{91240B29-F687-4f45-9708-019B960494DF}">
-                  <a14:hiddenLine xmlns="" xmlns:a14="http://schemas.microsoft.com/office/drawing/2010/main" w="9525">
+                  <a14:hiddenLine xmlns:a14="http://schemas.microsoft.com/office/drawing/2010/main" xmlns="" w="9525">
                     <a:solidFill>
                       <a:srgbClr val="000000"/>
                     </a:solidFill>
@@ -9421,7 +9420,7 @@
               </a:ln>
               <a:extLst>
                 <a:ext uri="{91240B29-F687-4f45-9708-019B960494DF}">
-                  <a14:hiddenLine xmlns="" xmlns:a14="http://schemas.microsoft.com/office/drawing/2010/main" w="9525">
+                  <a14:hiddenLine xmlns:a14="http://schemas.microsoft.com/office/drawing/2010/main" xmlns="" w="9525">
                     <a:solidFill>
                       <a:srgbClr val="000000"/>
                     </a:solidFill>
@@ -9511,7 +9510,7 @@
               </a:ln>
               <a:extLst>
                 <a:ext uri="{91240B29-F687-4f45-9708-019B960494DF}">
-                  <a14:hiddenLine xmlns="" xmlns:a14="http://schemas.microsoft.com/office/drawing/2010/main" w="9525">
+                  <a14:hiddenLine xmlns:a14="http://schemas.microsoft.com/office/drawing/2010/main" xmlns="" w="9525">
                     <a:solidFill>
                       <a:srgbClr val="000000"/>
                     </a:solidFill>
@@ -9573,7 +9572,7 @@
               </a:ln>
               <a:extLst>
                 <a:ext uri="{91240B29-F687-4f45-9708-019B960494DF}">
-                  <a14:hiddenLine xmlns="" xmlns:a14="http://schemas.microsoft.com/office/drawing/2010/main" w="9525">
+                  <a14:hiddenLine xmlns:a14="http://schemas.microsoft.com/office/drawing/2010/main" xmlns="" w="9525">
                     <a:solidFill>
                       <a:srgbClr val="000000"/>
                     </a:solidFill>
@@ -9635,7 +9634,7 @@
               </a:ln>
               <a:extLst>
                 <a:ext uri="{91240B29-F687-4f45-9708-019B960494DF}">
-                  <a14:hiddenLine xmlns="" xmlns:a14="http://schemas.microsoft.com/office/drawing/2010/main" w="9525">
+                  <a14:hiddenLine xmlns:a14="http://schemas.microsoft.com/office/drawing/2010/main" xmlns="" w="9525">
                     <a:solidFill>
                       <a:srgbClr val="000000"/>
                     </a:solidFill>
@@ -9725,7 +9724,7 @@
               </a:ln>
               <a:extLst>
                 <a:ext uri="{91240B29-F687-4f45-9708-019B960494DF}">
-                  <a14:hiddenLine xmlns="" xmlns:a14="http://schemas.microsoft.com/office/drawing/2010/main" w="9525">
+                  <a14:hiddenLine xmlns:a14="http://schemas.microsoft.com/office/drawing/2010/main" xmlns="" w="9525">
                     <a:solidFill>
                       <a:srgbClr val="000000"/>
                     </a:solidFill>
@@ -9815,7 +9814,7 @@
               </a:ln>
               <a:extLst>
                 <a:ext uri="{91240B29-F687-4f45-9708-019B960494DF}">
-                  <a14:hiddenLine xmlns="" xmlns:a14="http://schemas.microsoft.com/office/drawing/2010/main" w="9525">
+                  <a14:hiddenLine xmlns:a14="http://schemas.microsoft.com/office/drawing/2010/main" xmlns="" w="9525">
                     <a:solidFill>
                       <a:srgbClr val="000000"/>
                     </a:solidFill>
@@ -9877,7 +9876,7 @@
               </a:ln>
               <a:extLst>
                 <a:ext uri="{91240B29-F687-4f45-9708-019B960494DF}">
-                  <a14:hiddenLine xmlns="" xmlns:a14="http://schemas.microsoft.com/office/drawing/2010/main" w="9525">
+                  <a14:hiddenLine xmlns:a14="http://schemas.microsoft.com/office/drawing/2010/main" xmlns="" w="9525">
                     <a:solidFill>
                       <a:srgbClr val="000000"/>
                     </a:solidFill>
@@ -9987,7 +9986,7 @@
               </a:ln>
               <a:extLst>
                 <a:ext uri="{91240B29-F687-4f45-9708-019B960494DF}">
-                  <a14:hiddenLine xmlns="" xmlns:a14="http://schemas.microsoft.com/office/drawing/2010/main" w="9525">
+                  <a14:hiddenLine xmlns:a14="http://schemas.microsoft.com/office/drawing/2010/main" xmlns="" w="9525">
                     <a:solidFill>
                       <a:srgbClr val="000000"/>
                     </a:solidFill>
@@ -10071,7 +10070,7 @@
               </a:ln>
               <a:extLst>
                 <a:ext uri="{91240B29-F687-4f45-9708-019B960494DF}">
-                  <a14:hiddenLine xmlns="" xmlns:a14="http://schemas.microsoft.com/office/drawing/2010/main" w="9525">
+                  <a14:hiddenLine xmlns:a14="http://schemas.microsoft.com/office/drawing/2010/main" xmlns="" w="9525">
                     <a:solidFill>
                       <a:srgbClr val="000000"/>
                     </a:solidFill>
@@ -10133,7 +10132,7 @@
               </a:ln>
               <a:extLst>
                 <a:ext uri="{91240B29-F687-4f45-9708-019B960494DF}">
-                  <a14:hiddenLine xmlns="" xmlns:a14="http://schemas.microsoft.com/office/drawing/2010/main" w="9525">
+                  <a14:hiddenLine xmlns:a14="http://schemas.microsoft.com/office/drawing/2010/main" xmlns="" w="9525">
                     <a:solidFill>
                       <a:srgbClr val="000000"/>
                     </a:solidFill>
@@ -10195,7 +10194,7 @@
               </a:ln>
               <a:extLst>
                 <a:ext uri="{91240B29-F687-4f45-9708-019B960494DF}">
-                  <a14:hiddenLine xmlns="" xmlns:a14="http://schemas.microsoft.com/office/drawing/2010/main" w="9525">
+                  <a14:hiddenLine xmlns:a14="http://schemas.microsoft.com/office/drawing/2010/main" xmlns="" w="9525">
                     <a:solidFill>
                       <a:srgbClr val="000000"/>
                     </a:solidFill>
@@ -10285,7 +10284,7 @@
               </a:ln>
               <a:extLst>
                 <a:ext uri="{91240B29-F687-4f45-9708-019B960494DF}">
-                  <a14:hiddenLine xmlns="" xmlns:a14="http://schemas.microsoft.com/office/drawing/2010/main" w="9525">
+                  <a14:hiddenLine xmlns:a14="http://schemas.microsoft.com/office/drawing/2010/main" xmlns="" w="9525">
                     <a:solidFill>
                       <a:srgbClr val="000000"/>
                     </a:solidFill>
@@ -10319,7 +10318,7 @@
               </a:ln>
               <a:extLst>
                 <a:ext uri="{91240B29-F687-4f45-9708-019B960494DF}">
-                  <a14:hiddenLine xmlns="" xmlns:a14="http://schemas.microsoft.com/office/drawing/2010/main" w="9525">
+                  <a14:hiddenLine xmlns:a14="http://schemas.microsoft.com/office/drawing/2010/main" xmlns="" w="9525">
                     <a:solidFill>
                       <a:srgbClr val="000000"/>
                     </a:solidFill>
@@ -10384,7 +10383,7 @@
               </a:ln>
               <a:extLst>
                 <a:ext uri="{91240B29-F687-4f45-9708-019B960494DF}">
-                  <a14:hiddenLine xmlns="" xmlns:a14="http://schemas.microsoft.com/office/drawing/2010/main" w="9525">
+                  <a14:hiddenLine xmlns:a14="http://schemas.microsoft.com/office/drawing/2010/main" xmlns="" w="9525">
                     <a:solidFill>
                       <a:srgbClr val="000000"/>
                     </a:solidFill>
@@ -10474,7 +10473,7 @@
               </a:ln>
               <a:extLst>
                 <a:ext uri="{91240B29-F687-4f45-9708-019B960494DF}">
-                  <a14:hiddenLine xmlns="" xmlns:a14="http://schemas.microsoft.com/office/drawing/2010/main" w="9525">
+                  <a14:hiddenLine xmlns:a14="http://schemas.microsoft.com/office/drawing/2010/main" xmlns="" w="9525">
                     <a:solidFill>
                       <a:srgbClr val="000000"/>
                     </a:solidFill>
@@ -10536,7 +10535,7 @@
               </a:ln>
               <a:extLst>
                 <a:ext uri="{91240B29-F687-4f45-9708-019B960494DF}">
-                  <a14:hiddenLine xmlns="" xmlns:a14="http://schemas.microsoft.com/office/drawing/2010/main" w="9525">
+                  <a14:hiddenLine xmlns:a14="http://schemas.microsoft.com/office/drawing/2010/main" xmlns="" w="9525">
                     <a:solidFill>
                       <a:srgbClr val="000000"/>
                     </a:solidFill>
@@ -10626,7 +10625,7 @@
               </a:ln>
               <a:extLst>
                 <a:ext uri="{91240B29-F687-4f45-9708-019B960494DF}">
-                  <a14:hiddenLine xmlns="" xmlns:a14="http://schemas.microsoft.com/office/drawing/2010/main" w="9525">
+                  <a14:hiddenLine xmlns:a14="http://schemas.microsoft.com/office/drawing/2010/main" xmlns="" w="9525">
                     <a:solidFill>
                       <a:srgbClr val="000000"/>
                     </a:solidFill>
@@ -10691,7 +10690,7 @@
               </a:ln>
               <a:extLst>
                 <a:ext uri="{91240B29-F687-4f45-9708-019B960494DF}">
-                  <a14:hiddenLine xmlns="" xmlns:a14="http://schemas.microsoft.com/office/drawing/2010/main" w="9525">
+                  <a14:hiddenLine xmlns:a14="http://schemas.microsoft.com/office/drawing/2010/main" xmlns="" w="9525">
                     <a:solidFill>
                       <a:srgbClr val="000000"/>
                     </a:solidFill>
@@ -10753,7 +10752,7 @@
               </a:ln>
               <a:extLst>
                 <a:ext uri="{91240B29-F687-4f45-9708-019B960494DF}">
-                  <a14:hiddenLine xmlns="" xmlns:a14="http://schemas.microsoft.com/office/drawing/2010/main" w="9525">
+                  <a14:hiddenLine xmlns:a14="http://schemas.microsoft.com/office/drawing/2010/main" xmlns="" w="9525">
                     <a:solidFill>
                       <a:srgbClr val="000000"/>
                     </a:solidFill>
@@ -10843,7 +10842,7 @@
               </a:ln>
               <a:extLst>
                 <a:ext uri="{91240B29-F687-4f45-9708-019B960494DF}">
-                  <a14:hiddenLine xmlns="" xmlns:a14="http://schemas.microsoft.com/office/drawing/2010/main" w="9525">
+                  <a14:hiddenLine xmlns:a14="http://schemas.microsoft.com/office/drawing/2010/main" xmlns="" w="9525">
                     <a:solidFill>
                       <a:srgbClr val="000000"/>
                     </a:solidFill>
@@ -10933,7 +10932,7 @@
               </a:ln>
               <a:extLst>
                 <a:ext uri="{91240B29-F687-4f45-9708-019B960494DF}">
-                  <a14:hiddenLine xmlns="" xmlns:a14="http://schemas.microsoft.com/office/drawing/2010/main" w="9525">
+                  <a14:hiddenLine xmlns:a14="http://schemas.microsoft.com/office/drawing/2010/main" xmlns="" w="9525">
                     <a:solidFill>
                       <a:srgbClr val="000000"/>
                     </a:solidFill>
@@ -10998,7 +10997,7 @@
               </a:ln>
               <a:extLst>
                 <a:ext uri="{91240B29-F687-4f45-9708-019B960494DF}">
-                  <a14:hiddenLine xmlns="" xmlns:a14="http://schemas.microsoft.com/office/drawing/2010/main" w="9525">
+                  <a14:hiddenLine xmlns:a14="http://schemas.microsoft.com/office/drawing/2010/main" xmlns="" w="9525">
                     <a:solidFill>
                       <a:srgbClr val="000000"/>
                     </a:solidFill>
@@ -11118,7 +11117,7 @@
               </a:ln>
               <a:extLst>
                 <a:ext uri="{91240B29-F687-4f45-9708-019B960494DF}">
-                  <a14:hiddenLine xmlns="" xmlns:a14="http://schemas.microsoft.com/office/drawing/2010/main" w="9525">
+                  <a14:hiddenLine xmlns:a14="http://schemas.microsoft.com/office/drawing/2010/main" xmlns="" w="9525">
                     <a:solidFill>
                       <a:srgbClr val="000000"/>
                     </a:solidFill>
@@ -11216,7 +11215,7 @@
               </a:ln>
               <a:extLst>
                 <a:ext uri="{91240B29-F687-4f45-9708-019B960494DF}">
-                  <a14:hiddenLine xmlns="" xmlns:a14="http://schemas.microsoft.com/office/drawing/2010/main" w="9525">
+                  <a14:hiddenLine xmlns:a14="http://schemas.microsoft.com/office/drawing/2010/main" xmlns="" w="9525">
                     <a:solidFill>
                       <a:srgbClr val="000000"/>
                     </a:solidFill>
@@ -11331,7 +11330,7 @@
               </a:ln>
               <a:extLst>
                 <a:ext uri="{91240B29-F687-4f45-9708-019B960494DF}">
-                  <a14:hiddenLine xmlns="" xmlns:a14="http://schemas.microsoft.com/office/drawing/2010/main" w="9525">
+                  <a14:hiddenLine xmlns:a14="http://schemas.microsoft.com/office/drawing/2010/main" xmlns="" w="9525">
                     <a:solidFill>
                       <a:srgbClr val="000000"/>
                     </a:solidFill>
@@ -11421,7 +11420,7 @@
               </a:ln>
               <a:extLst>
                 <a:ext uri="{91240B29-F687-4f45-9708-019B960494DF}">
-                  <a14:hiddenLine xmlns="" xmlns:a14="http://schemas.microsoft.com/office/drawing/2010/main" w="9525">
+                  <a14:hiddenLine xmlns:a14="http://schemas.microsoft.com/office/drawing/2010/main" xmlns="" w="9525">
                     <a:solidFill>
                       <a:srgbClr val="000000"/>
                     </a:solidFill>
@@ -11486,7 +11485,7 @@
               </a:ln>
               <a:extLst>
                 <a:ext uri="{91240B29-F687-4f45-9708-019B960494DF}">
-                  <a14:hiddenLine xmlns="" xmlns:a14="http://schemas.microsoft.com/office/drawing/2010/main" w="9525">
+                  <a14:hiddenLine xmlns:a14="http://schemas.microsoft.com/office/drawing/2010/main" xmlns="" w="9525">
                     <a:solidFill>
                       <a:srgbClr val="000000"/>
                     </a:solidFill>
@@ -11576,7 +11575,7 @@
               </a:ln>
               <a:extLst>
                 <a:ext uri="{91240B29-F687-4f45-9708-019B960494DF}">
-                  <a14:hiddenLine xmlns="" xmlns:a14="http://schemas.microsoft.com/office/drawing/2010/main" w="9525">
+                  <a14:hiddenLine xmlns:a14="http://schemas.microsoft.com/office/drawing/2010/main" xmlns="" w="9525">
                     <a:solidFill>
                       <a:srgbClr val="000000"/>
                     </a:solidFill>
@@ -11644,7 +11643,7 @@
               </a:ln>
               <a:extLst>
                 <a:ext uri="{91240B29-F687-4f45-9708-019B960494DF}">
-                  <a14:hiddenLine xmlns="" xmlns:a14="http://schemas.microsoft.com/office/drawing/2010/main" w="9525">
+                  <a14:hiddenLine xmlns:a14="http://schemas.microsoft.com/office/drawing/2010/main" xmlns="" w="9525">
                     <a:solidFill>
                       <a:srgbClr val="000000"/>
                     </a:solidFill>
@@ -11734,7 +11733,7 @@
               </a:ln>
               <a:extLst>
                 <a:ext uri="{91240B29-F687-4f45-9708-019B960494DF}">
-                  <a14:hiddenLine xmlns="" xmlns:a14="http://schemas.microsoft.com/office/drawing/2010/main" w="9525">
+                  <a14:hiddenLine xmlns:a14="http://schemas.microsoft.com/office/drawing/2010/main" xmlns="" w="9525">
                     <a:solidFill>
                       <a:srgbClr val="000000"/>
                     </a:solidFill>
@@ -11802,7 +11801,7 @@
               </a:ln>
               <a:extLst>
                 <a:ext uri="{91240B29-F687-4f45-9708-019B960494DF}">
-                  <a14:hiddenLine xmlns="" xmlns:a14="http://schemas.microsoft.com/office/drawing/2010/main" w="9525">
+                  <a14:hiddenLine xmlns:a14="http://schemas.microsoft.com/office/drawing/2010/main" xmlns="" w="9525">
                     <a:solidFill>
                       <a:srgbClr val="000000"/>
                     </a:solidFill>
@@ -11892,7 +11891,7 @@
               </a:ln>
               <a:extLst>
                 <a:ext uri="{91240B29-F687-4f45-9708-019B960494DF}">
-                  <a14:hiddenLine xmlns="" xmlns:a14="http://schemas.microsoft.com/office/drawing/2010/main" w="9525">
+                  <a14:hiddenLine xmlns:a14="http://schemas.microsoft.com/office/drawing/2010/main" xmlns="" w="9525">
                     <a:solidFill>
                       <a:srgbClr val="000000"/>
                     </a:solidFill>
@@ -11926,7 +11925,7 @@
               </a:ln>
               <a:extLst>
                 <a:ext uri="{91240B29-F687-4f45-9708-019B960494DF}">
-                  <a14:hiddenLine xmlns="" xmlns:a14="http://schemas.microsoft.com/office/drawing/2010/main" w="9525">
+                  <a14:hiddenLine xmlns:a14="http://schemas.microsoft.com/office/drawing/2010/main" xmlns="" w="9525">
                     <a:solidFill>
                       <a:srgbClr val="000000"/>
                     </a:solidFill>
@@ -12067,7 +12066,7 @@
             <a:fld id="{B61BEF0D-F0BB-DE4B-95CE-6DB70DBA9567}" type="datetimeFigureOut">
               <a:rPr lang="en-US" smtClean="0"/>
               <a:pPr/>
-              <a:t>11/25/2013</a:t>
+              <a:t>12/7/2013</a:t>
             </a:fld>
             <a:endParaRPr lang="en-US" dirty="0"/>
           </a:p>
@@ -12514,237 +12513,6 @@
 </file>
 
 <file path=ppt/slides/slide1.xml><?xml version="1.0" encoding="utf-8"?>
-<p:sld xmlns:a="http://schemas.openxmlformats.org/drawingml/2006/main" xmlns:r="http://schemas.openxmlformats.org/officeDocument/2006/relationships" xmlns:p="http://schemas.openxmlformats.org/presentationml/2006/main">
-  <p:cSld>
-    <p:spTree>
-      <p:nvGrpSpPr>
-        <p:cNvPr id="1" name=""/>
-        <p:cNvGrpSpPr/>
-        <p:nvPr/>
-      </p:nvGrpSpPr>
-      <p:grpSpPr>
-        <a:xfrm>
-          <a:off x="0" y="0"/>
-          <a:ext cx="0" cy="0"/>
-          <a:chOff x="0" y="0"/>
-          <a:chExt cx="0" cy="0"/>
-        </a:xfrm>
-      </p:grpSpPr>
-      <p:sp>
-        <p:nvSpPr>
-          <p:cNvPr id="2" name="Title 1"/>
-          <p:cNvSpPr>
-            <a:spLocks noGrp="1"/>
-          </p:cNvSpPr>
-          <p:nvPr>
-            <p:ph type="ctrTitle"/>
-          </p:nvPr>
-        </p:nvSpPr>
-        <p:spPr/>
-        <p:txBody>
-          <a:bodyPr/>
-          <a:lstStyle/>
-          <a:p>
-            <a:r>
-              <a:rPr lang="en-US" dirty="0" smtClean="0"/>
-              <a:t>Roll call systems</a:t>
-            </a:r>
-            <a:endParaRPr lang="en-US" dirty="0"/>
-          </a:p>
-        </p:txBody>
-      </p:sp>
-      <p:sp>
-        <p:nvSpPr>
-          <p:cNvPr id="3" name="Subtitle 2"/>
-          <p:cNvSpPr>
-            <a:spLocks noGrp="1"/>
-          </p:cNvSpPr>
-          <p:nvPr>
-            <p:ph type="subTitle" idx="1"/>
-          </p:nvPr>
-        </p:nvSpPr>
-        <p:spPr/>
-        <p:txBody>
-          <a:bodyPr/>
-          <a:lstStyle/>
-          <a:p>
-            <a:pPr marL="342900" indent="-342900">
-              <a:buFont typeface="Arial" panose="020B0604020202020204" pitchFamily="34" charset="0"/>
-              <a:buChar char="•"/>
-            </a:pPr>
-            <a:r>
-              <a:rPr lang="en-US" dirty="0" smtClean="0">
-                <a:solidFill>
-                  <a:schemeClr val="tx2">
-                    <a:lumMod val="20000"/>
-                    <a:lumOff val="80000"/>
-                  </a:schemeClr>
-                </a:solidFill>
-              </a:rPr>
-              <a:t>Pham </a:t>
-            </a:r>
-            <a:r>
-              <a:rPr lang="en-US" dirty="0" err="1" smtClean="0">
-                <a:solidFill>
-                  <a:schemeClr val="tx2">
-                    <a:lumMod val="20000"/>
-                    <a:lumOff val="80000"/>
-                  </a:schemeClr>
-                </a:solidFill>
-              </a:rPr>
-              <a:t>Huy</a:t>
-            </a:r>
-            <a:r>
-              <a:rPr lang="en-US" dirty="0" smtClean="0">
-                <a:solidFill>
-                  <a:schemeClr val="tx2">
-                    <a:lumMod val="20000"/>
-                    <a:lumOff val="80000"/>
-                  </a:schemeClr>
-                </a:solidFill>
-              </a:rPr>
-              <a:t> Hoang</a:t>
-            </a:r>
-          </a:p>
-          <a:p>
-            <a:pPr marL="342900" indent="-342900">
-              <a:buFont typeface="Arial" panose="020B0604020202020204" pitchFamily="34" charset="0"/>
-              <a:buChar char="•"/>
-            </a:pPr>
-            <a:r>
-              <a:rPr lang="en-US" dirty="0" smtClean="0">
-                <a:solidFill>
-                  <a:schemeClr val="tx2">
-                    <a:lumMod val="20000"/>
-                    <a:lumOff val="80000"/>
-                  </a:schemeClr>
-                </a:solidFill>
-              </a:rPr>
-              <a:t>Nguyen </a:t>
-            </a:r>
-            <a:r>
-              <a:rPr lang="en-US" dirty="0" err="1" smtClean="0">
-                <a:solidFill>
-                  <a:schemeClr val="tx2">
-                    <a:lumMod val="20000"/>
-                    <a:lumOff val="80000"/>
-                  </a:schemeClr>
-                </a:solidFill>
-              </a:rPr>
-              <a:t>Quoc</a:t>
-            </a:r>
-            <a:r>
-              <a:rPr lang="en-US" dirty="0" smtClean="0">
-                <a:solidFill>
-                  <a:schemeClr val="tx2">
-                    <a:lumMod val="20000"/>
-                    <a:lumOff val="80000"/>
-                  </a:schemeClr>
-                </a:solidFill>
-              </a:rPr>
-              <a:t> </a:t>
-            </a:r>
-            <a:r>
-              <a:rPr lang="en-US" dirty="0" err="1" smtClean="0">
-                <a:solidFill>
-                  <a:schemeClr val="tx2">
-                    <a:lumMod val="20000"/>
-                    <a:lumOff val="80000"/>
-                  </a:schemeClr>
-                </a:solidFill>
-              </a:rPr>
-              <a:t>Huy</a:t>
-            </a:r>
-            <a:endParaRPr lang="en-US" dirty="0" smtClean="0">
-              <a:solidFill>
-                <a:schemeClr val="tx2">
-                  <a:lumMod val="20000"/>
-                  <a:lumOff val="80000"/>
-                </a:schemeClr>
-              </a:solidFill>
-            </a:endParaRPr>
-          </a:p>
-          <a:p>
-            <a:pPr marL="342900" indent="-342900">
-              <a:buFont typeface="Arial" panose="020B0604020202020204" pitchFamily="34" charset="0"/>
-              <a:buChar char="•"/>
-            </a:pPr>
-            <a:r>
-              <a:rPr lang="en-US" dirty="0" smtClean="0">
-                <a:solidFill>
-                  <a:schemeClr val="tx2">
-                    <a:lumMod val="20000"/>
-                    <a:lumOff val="80000"/>
-                  </a:schemeClr>
-                </a:solidFill>
-              </a:rPr>
-              <a:t>Nguyen </a:t>
-            </a:r>
-            <a:r>
-              <a:rPr lang="en-US" dirty="0" err="1" smtClean="0">
-                <a:solidFill>
-                  <a:schemeClr val="tx2">
-                    <a:lumMod val="20000"/>
-                    <a:lumOff val="80000"/>
-                  </a:schemeClr>
-                </a:solidFill>
-              </a:rPr>
-              <a:t>Thanh</a:t>
-            </a:r>
-            <a:r>
-              <a:rPr lang="en-US" dirty="0" smtClean="0">
-                <a:solidFill>
-                  <a:schemeClr val="tx2">
-                    <a:lumMod val="20000"/>
-                    <a:lumOff val="80000"/>
-                  </a:schemeClr>
-                </a:solidFill>
-              </a:rPr>
-              <a:t> </a:t>
-            </a:r>
-            <a:r>
-              <a:rPr lang="en-US" dirty="0" err="1" smtClean="0">
-                <a:solidFill>
-                  <a:schemeClr val="tx2">
-                    <a:lumMod val="20000"/>
-                    <a:lumOff val="80000"/>
-                  </a:schemeClr>
-                </a:solidFill>
-              </a:rPr>
-              <a:t>Binh</a:t>
-            </a:r>
-            <a:endParaRPr lang="en-US" dirty="0">
-              <a:solidFill>
-                <a:schemeClr val="tx2">
-                  <a:lumMod val="20000"/>
-                  <a:lumOff val="80000"/>
-                </a:schemeClr>
-              </a:solidFill>
-            </a:endParaRPr>
-          </a:p>
-        </p:txBody>
-      </p:sp>
-    </p:spTree>
-    <p:extLst>
-      <p:ext uri="{BB962C8B-B14F-4D97-AF65-F5344CB8AC3E}">
-        <p14:creationId xmlns:p14="http://schemas.microsoft.com/office/powerpoint/2010/main" val="3745811802"/>
-      </p:ext>
-    </p:extLst>
-  </p:cSld>
-  <p:clrMapOvr>
-    <a:masterClrMapping/>
-  </p:clrMapOvr>
-  <p:timing>
-    <p:tnLst>
-      <p:par>
-        <p:cTn id="1" dur="indefinite" restart="never" nodeType="tmRoot"/>
-      </p:par>
-    </p:tnLst>
-  </p:timing>
-</p:sld>
-</file>
-
-<file path=ppt/slides/slide2.xml><?xml version="1.0" encoding="utf-8"?>
 <p:sld xmlns:a="http://schemas.openxmlformats.org/drawingml/2006/main" xmlns:r="http://schemas.openxmlformats.org/officeDocument/2006/relationships" xmlns:p="http://schemas.openxmlformats.org/presentationml/2006/main">
   <p:cSld>
     <p:bg>
@@ -13233,11 +13001,6 @@
               </a:rPr>
               <a:t>4</a:t>
             </a:r>
-            <a:endParaRPr lang="en-US" sz="1400" dirty="0">
-              <a:solidFill>
-                <a:srgbClr val="00B0F0"/>
-              </a:solidFill>
-            </a:endParaRPr>
           </a:p>
         </p:txBody>
       </p:sp>
@@ -13271,11 +13034,6 @@
               </a:rPr>
               <a:t>1</a:t>
             </a:r>
-            <a:endParaRPr lang="en-US" sz="1400" dirty="0">
-              <a:solidFill>
-                <a:srgbClr val="00B0F0"/>
-              </a:solidFill>
-            </a:endParaRPr>
           </a:p>
         </p:txBody>
       </p:sp>
@@ -13309,11 +13067,6 @@
               </a:rPr>
               <a:t>2</a:t>
             </a:r>
-            <a:endParaRPr lang="en-US" sz="1400" dirty="0">
-              <a:solidFill>
-                <a:srgbClr val="00B0F0"/>
-              </a:solidFill>
-            </a:endParaRPr>
           </a:p>
         </p:txBody>
       </p:sp>
@@ -13423,11 +13176,6 @@
               </a:rPr>
               <a:t>6</a:t>
             </a:r>
-            <a:endParaRPr lang="en-US" sz="1400" dirty="0">
-              <a:solidFill>
-                <a:srgbClr val="00B0F0"/>
-              </a:solidFill>
-            </a:endParaRPr>
           </a:p>
         </p:txBody>
       </p:sp>
@@ -13533,11 +13281,6 @@
               </a:rPr>
               <a:t>1</a:t>
             </a:r>
-            <a:endParaRPr lang="en-US" sz="1400" dirty="0">
-              <a:solidFill>
-                <a:srgbClr val="C00000"/>
-              </a:solidFill>
-            </a:endParaRPr>
           </a:p>
         </p:txBody>
       </p:sp>
@@ -13721,11 +13464,6 @@
               </a:rPr>
               <a:t>5</a:t>
             </a:r>
-            <a:endParaRPr lang="en-US" sz="1400" dirty="0">
-              <a:solidFill>
-                <a:srgbClr val="C00000"/>
-              </a:solidFill>
-            </a:endParaRPr>
           </a:p>
         </p:txBody>
       </p:sp>
@@ -15369,7 +15107,7 @@
 </p:sld>
 </file>
 
-<file path=ppt/slides/slide3.xml><?xml version="1.0" encoding="utf-8"?>
+<file path=ppt/slides/slide2.xml><?xml version="1.0" encoding="utf-8"?>
 <p:sld xmlns:a="http://schemas.openxmlformats.org/drawingml/2006/main" xmlns:r="http://schemas.openxmlformats.org/officeDocument/2006/relationships" xmlns:p="http://schemas.openxmlformats.org/presentationml/2006/main">
   <p:cSld>
     <p:bg>
